--- a/Diplomski tekst/Blok sheme.pptx
+++ b/Diplomski tekst/Blok sheme.pptx
@@ -271,7 +271,7 @@
           <a:p>
             <a:fld id="{E41A3F50-E5FE-4EBE-A75B-86E2E3DC153B}" type="datetimeFigureOut">
               <a:rPr lang="hr-HR" smtClean="0"/>
-              <a:t>27.3.2021.</a:t>
+              <a:t>28.3.2021.</a:t>
             </a:fld>
             <a:endParaRPr lang="hr-HR"/>
           </a:p>
@@ -469,7 +469,7 @@
           <a:p>
             <a:fld id="{E41A3F50-E5FE-4EBE-A75B-86E2E3DC153B}" type="datetimeFigureOut">
               <a:rPr lang="hr-HR" smtClean="0"/>
-              <a:t>27.3.2021.</a:t>
+              <a:t>28.3.2021.</a:t>
             </a:fld>
             <a:endParaRPr lang="hr-HR"/>
           </a:p>
@@ -677,7 +677,7 @@
           <a:p>
             <a:fld id="{E41A3F50-E5FE-4EBE-A75B-86E2E3DC153B}" type="datetimeFigureOut">
               <a:rPr lang="hr-HR" smtClean="0"/>
-              <a:t>27.3.2021.</a:t>
+              <a:t>28.3.2021.</a:t>
             </a:fld>
             <a:endParaRPr lang="hr-HR"/>
           </a:p>
@@ -875,7 +875,7 @@
           <a:p>
             <a:fld id="{E41A3F50-E5FE-4EBE-A75B-86E2E3DC153B}" type="datetimeFigureOut">
               <a:rPr lang="hr-HR" smtClean="0"/>
-              <a:t>27.3.2021.</a:t>
+              <a:t>28.3.2021.</a:t>
             </a:fld>
             <a:endParaRPr lang="hr-HR"/>
           </a:p>
@@ -1150,7 +1150,7 @@
           <a:p>
             <a:fld id="{E41A3F50-E5FE-4EBE-A75B-86E2E3DC153B}" type="datetimeFigureOut">
               <a:rPr lang="hr-HR" smtClean="0"/>
-              <a:t>27.3.2021.</a:t>
+              <a:t>28.3.2021.</a:t>
             </a:fld>
             <a:endParaRPr lang="hr-HR"/>
           </a:p>
@@ -1415,7 +1415,7 @@
           <a:p>
             <a:fld id="{E41A3F50-E5FE-4EBE-A75B-86E2E3DC153B}" type="datetimeFigureOut">
               <a:rPr lang="hr-HR" smtClean="0"/>
-              <a:t>27.3.2021.</a:t>
+              <a:t>28.3.2021.</a:t>
             </a:fld>
             <a:endParaRPr lang="hr-HR"/>
           </a:p>
@@ -1827,7 +1827,7 @@
           <a:p>
             <a:fld id="{E41A3F50-E5FE-4EBE-A75B-86E2E3DC153B}" type="datetimeFigureOut">
               <a:rPr lang="hr-HR" smtClean="0"/>
-              <a:t>27.3.2021.</a:t>
+              <a:t>28.3.2021.</a:t>
             </a:fld>
             <a:endParaRPr lang="hr-HR"/>
           </a:p>
@@ -1968,7 +1968,7 @@
           <a:p>
             <a:fld id="{E41A3F50-E5FE-4EBE-A75B-86E2E3DC153B}" type="datetimeFigureOut">
               <a:rPr lang="hr-HR" smtClean="0"/>
-              <a:t>27.3.2021.</a:t>
+              <a:t>28.3.2021.</a:t>
             </a:fld>
             <a:endParaRPr lang="hr-HR"/>
           </a:p>
@@ -2081,7 +2081,7 @@
           <a:p>
             <a:fld id="{E41A3F50-E5FE-4EBE-A75B-86E2E3DC153B}" type="datetimeFigureOut">
               <a:rPr lang="hr-HR" smtClean="0"/>
-              <a:t>27.3.2021.</a:t>
+              <a:t>28.3.2021.</a:t>
             </a:fld>
             <a:endParaRPr lang="hr-HR"/>
           </a:p>
@@ -2392,7 +2392,7 @@
           <a:p>
             <a:fld id="{E41A3F50-E5FE-4EBE-A75B-86E2E3DC153B}" type="datetimeFigureOut">
               <a:rPr lang="hr-HR" smtClean="0"/>
-              <a:t>27.3.2021.</a:t>
+              <a:t>28.3.2021.</a:t>
             </a:fld>
             <a:endParaRPr lang="hr-HR"/>
           </a:p>
@@ -2680,7 +2680,7 @@
           <a:p>
             <a:fld id="{E41A3F50-E5FE-4EBE-A75B-86E2E3DC153B}" type="datetimeFigureOut">
               <a:rPr lang="hr-HR" smtClean="0"/>
-              <a:t>27.3.2021.</a:t>
+              <a:t>28.3.2021.</a:t>
             </a:fld>
             <a:endParaRPr lang="hr-HR"/>
           </a:p>
@@ -2921,7 +2921,7 @@
           <a:p>
             <a:fld id="{E41A3F50-E5FE-4EBE-A75B-86E2E3DC153B}" type="datetimeFigureOut">
               <a:rPr lang="hr-HR" smtClean="0"/>
-              <a:t>27.3.2021.</a:t>
+              <a:t>28.3.2021.</a:t>
             </a:fld>
             <a:endParaRPr lang="hr-HR"/>
           </a:p>

--- a/Diplomski tekst/Blok sheme.pptx
+++ b/Diplomski tekst/Blok sheme.pptx
@@ -18,6 +18,7 @@
     <p:sldId id="264" r:id="rId12"/>
     <p:sldId id="267" r:id="rId13"/>
     <p:sldId id="268" r:id="rId14"/>
+    <p:sldId id="269" r:id="rId15"/>
   </p:sldIdLst>
   <p:sldSz cx="12192000" cy="6858000"/>
   <p:notesSz cx="6858000" cy="9144000"/>
@@ -271,7 +272,7 @@
           <a:p>
             <a:fld id="{E41A3F50-E5FE-4EBE-A75B-86E2E3DC153B}" type="datetimeFigureOut">
               <a:rPr lang="hr-HR" smtClean="0"/>
-              <a:t>28.3.2021.</a:t>
+              <a:t>8.4.2021.</a:t>
             </a:fld>
             <a:endParaRPr lang="hr-HR"/>
           </a:p>
@@ -469,7 +470,7 @@
           <a:p>
             <a:fld id="{E41A3F50-E5FE-4EBE-A75B-86E2E3DC153B}" type="datetimeFigureOut">
               <a:rPr lang="hr-HR" smtClean="0"/>
-              <a:t>28.3.2021.</a:t>
+              <a:t>8.4.2021.</a:t>
             </a:fld>
             <a:endParaRPr lang="hr-HR"/>
           </a:p>
@@ -677,7 +678,7 @@
           <a:p>
             <a:fld id="{E41A3F50-E5FE-4EBE-A75B-86E2E3DC153B}" type="datetimeFigureOut">
               <a:rPr lang="hr-HR" smtClean="0"/>
-              <a:t>28.3.2021.</a:t>
+              <a:t>8.4.2021.</a:t>
             </a:fld>
             <a:endParaRPr lang="hr-HR"/>
           </a:p>
@@ -875,7 +876,7 @@
           <a:p>
             <a:fld id="{E41A3F50-E5FE-4EBE-A75B-86E2E3DC153B}" type="datetimeFigureOut">
               <a:rPr lang="hr-HR" smtClean="0"/>
-              <a:t>28.3.2021.</a:t>
+              <a:t>8.4.2021.</a:t>
             </a:fld>
             <a:endParaRPr lang="hr-HR"/>
           </a:p>
@@ -1150,7 +1151,7 @@
           <a:p>
             <a:fld id="{E41A3F50-E5FE-4EBE-A75B-86E2E3DC153B}" type="datetimeFigureOut">
               <a:rPr lang="hr-HR" smtClean="0"/>
-              <a:t>28.3.2021.</a:t>
+              <a:t>8.4.2021.</a:t>
             </a:fld>
             <a:endParaRPr lang="hr-HR"/>
           </a:p>
@@ -1415,7 +1416,7 @@
           <a:p>
             <a:fld id="{E41A3F50-E5FE-4EBE-A75B-86E2E3DC153B}" type="datetimeFigureOut">
               <a:rPr lang="hr-HR" smtClean="0"/>
-              <a:t>28.3.2021.</a:t>
+              <a:t>8.4.2021.</a:t>
             </a:fld>
             <a:endParaRPr lang="hr-HR"/>
           </a:p>
@@ -1827,7 +1828,7 @@
           <a:p>
             <a:fld id="{E41A3F50-E5FE-4EBE-A75B-86E2E3DC153B}" type="datetimeFigureOut">
               <a:rPr lang="hr-HR" smtClean="0"/>
-              <a:t>28.3.2021.</a:t>
+              <a:t>8.4.2021.</a:t>
             </a:fld>
             <a:endParaRPr lang="hr-HR"/>
           </a:p>
@@ -1968,7 +1969,7 @@
           <a:p>
             <a:fld id="{E41A3F50-E5FE-4EBE-A75B-86E2E3DC153B}" type="datetimeFigureOut">
               <a:rPr lang="hr-HR" smtClean="0"/>
-              <a:t>28.3.2021.</a:t>
+              <a:t>8.4.2021.</a:t>
             </a:fld>
             <a:endParaRPr lang="hr-HR"/>
           </a:p>
@@ -2081,7 +2082,7 @@
           <a:p>
             <a:fld id="{E41A3F50-E5FE-4EBE-A75B-86E2E3DC153B}" type="datetimeFigureOut">
               <a:rPr lang="hr-HR" smtClean="0"/>
-              <a:t>28.3.2021.</a:t>
+              <a:t>8.4.2021.</a:t>
             </a:fld>
             <a:endParaRPr lang="hr-HR"/>
           </a:p>
@@ -2392,7 +2393,7 @@
           <a:p>
             <a:fld id="{E41A3F50-E5FE-4EBE-A75B-86E2E3DC153B}" type="datetimeFigureOut">
               <a:rPr lang="hr-HR" smtClean="0"/>
-              <a:t>28.3.2021.</a:t>
+              <a:t>8.4.2021.</a:t>
             </a:fld>
             <a:endParaRPr lang="hr-HR"/>
           </a:p>
@@ -2680,7 +2681,7 @@
           <a:p>
             <a:fld id="{E41A3F50-E5FE-4EBE-A75B-86E2E3DC153B}" type="datetimeFigureOut">
               <a:rPr lang="hr-HR" smtClean="0"/>
-              <a:t>28.3.2021.</a:t>
+              <a:t>8.4.2021.</a:t>
             </a:fld>
             <a:endParaRPr lang="hr-HR"/>
           </a:p>
@@ -2921,7 +2922,7 @@
           <a:p>
             <a:fld id="{E41A3F50-E5FE-4EBE-A75B-86E2E3DC153B}" type="datetimeFigureOut">
               <a:rPr lang="hr-HR" smtClean="0"/>
-              <a:t>28.3.2021.</a:t>
+              <a:t>8.4.2021.</a:t>
             </a:fld>
             <a:endParaRPr lang="hr-HR"/>
           </a:p>
@@ -5989,6 +5990,247 @@
 </p:sld>
 </file>
 
+<file path=ppt/slides/slide14.xml><?xml version="1.0" encoding="utf-8"?>
+<p:sld xmlns:a="http://schemas.openxmlformats.org/drawingml/2006/main" xmlns:r="http://schemas.openxmlformats.org/officeDocument/2006/relationships" xmlns:p="http://schemas.openxmlformats.org/presentationml/2006/main">
+  <p:cSld>
+    <p:spTree>
+      <p:nvGrpSpPr>
+        <p:cNvPr id="1" name=""/>
+        <p:cNvGrpSpPr/>
+        <p:nvPr/>
+      </p:nvGrpSpPr>
+      <p:grpSpPr>
+        <a:xfrm>
+          <a:off x="0" y="0"/>
+          <a:ext cx="0" cy="0"/>
+          <a:chOff x="0" y="0"/>
+          <a:chExt cx="0" cy="0"/>
+        </a:xfrm>
+      </p:grpSpPr>
+      <p:sp>
+        <p:nvSpPr>
+          <p:cNvPr id="2" name="Naslov 1">
+            <a:extLst>
+              <a:ext uri="{FF2B5EF4-FFF2-40B4-BE49-F238E27FC236}">
+                <a16:creationId xmlns:a16="http://schemas.microsoft.com/office/drawing/2014/main" id="{06434F61-5D01-4A2F-AA64-E508CA2BBCC1}"/>
+              </a:ext>
+            </a:extLst>
+          </p:cNvPr>
+          <p:cNvSpPr>
+            <a:spLocks noGrp="1"/>
+          </p:cNvSpPr>
+          <p:nvPr>
+            <p:ph type="title"/>
+          </p:nvPr>
+        </p:nvSpPr>
+        <p:spPr/>
+        <p:txBody>
+          <a:bodyPr/>
+          <a:lstStyle/>
+          <a:p>
+            <a:endParaRPr lang="hr-HR"/>
+          </a:p>
+        </p:txBody>
+      </p:sp>
+      <mc:AlternateContent xmlns:mc="http://schemas.openxmlformats.org/markup-compatibility/2006">
+        <mc:Choice xmlns:a14="http://schemas.microsoft.com/office/drawing/2010/main" Requires="a14">
+          <p:sp>
+            <p:nvSpPr>
+              <p:cNvPr id="3" name="Rezervirano mjesto sadržaja 2">
+                <a:extLst>
+                  <a:ext uri="{FF2B5EF4-FFF2-40B4-BE49-F238E27FC236}">
+                    <a16:creationId xmlns:a16="http://schemas.microsoft.com/office/drawing/2014/main" id="{EF1D4969-BFB5-4893-93EA-6A2E444C5D04}"/>
+                  </a:ext>
+                </a:extLst>
+              </p:cNvPr>
+              <p:cNvSpPr>
+                <a:spLocks noGrp="1"/>
+              </p:cNvSpPr>
+              <p:nvPr>
+                <p:ph idx="1"/>
+              </p:nvPr>
+            </p:nvSpPr>
+            <p:spPr/>
+            <p:txBody>
+              <a:bodyPr/>
+              <a:lstStyle/>
+              <a:p>
+                <a:r>
+                  <a:rPr lang="hr-HR" dirty="0"/>
+                  <a:t>f</a:t>
+                </a:r>
+                <a14:m>
+                  <m:oMath xmlns:m="http://schemas.openxmlformats.org/officeDocument/2006/math">
+                    <m:r>
+                      <m:rPr>
+                        <m:sty m:val="p"/>
+                      </m:rPr>
+                      <a:rPr lang="hr-HR" b="0" i="0" smtClean="0">
+                        <a:latin typeface="Cambria Math" panose="02040503050406030204" pitchFamily="18" charset="0"/>
+                      </a:rPr>
+                      <m:t>f</m:t>
+                    </m:r>
+                    <m:r>
+                      <a:rPr lang="en-US" i="1" smtClean="0">
+                        <a:latin typeface="Cambria Math" panose="02040503050406030204" pitchFamily="18" charset="0"/>
+                      </a:rPr>
+                      <m:t>=</m:t>
+                    </m:r>
+                    <m:f>
+                      <m:fPr>
+                        <m:ctrlPr>
+                          <a:rPr lang="en-US" i="1" smtClean="0">
+                            <a:latin typeface="Cambria Math" panose="02040503050406030204" pitchFamily="18" charset="0"/>
+                          </a:rPr>
+                        </m:ctrlPr>
+                      </m:fPr>
+                      <m:num>
+                        <m:r>
+                          <a:rPr lang="hr-HR" b="0" i="1" smtClean="0">
+                            <a:latin typeface="Cambria Math" panose="02040503050406030204" pitchFamily="18" charset="0"/>
+                          </a:rPr>
+                          <m:t>1</m:t>
+                        </m:r>
+                      </m:num>
+                      <m:den>
+                        <m:r>
+                          <a:rPr lang="hr-HR" b="0" i="1" smtClean="0">
+                            <a:latin typeface="Cambria Math" panose="02040503050406030204" pitchFamily="18" charset="0"/>
+                          </a:rPr>
+                          <m:t>2</m:t>
+                        </m:r>
+                        <m:r>
+                          <m:rPr>
+                            <m:sty m:val="p"/>
+                          </m:rPr>
+                          <a:rPr lang="el-GR" b="0" i="1" smtClean="0">
+                            <a:latin typeface="Cambria Math" panose="02040503050406030204" pitchFamily="18" charset="0"/>
+                          </a:rPr>
+                          <m:t>π</m:t>
+                        </m:r>
+                        <m:rad>
+                          <m:radPr>
+                            <m:degHide m:val="on"/>
+                            <m:ctrlPr>
+                              <a:rPr lang="en-US" i="1">
+                                <a:latin typeface="Cambria Math" panose="02040503050406030204" pitchFamily="18" charset="0"/>
+                              </a:rPr>
+                            </m:ctrlPr>
+                          </m:radPr>
+                          <m:deg/>
+                          <m:e>
+                            <m:r>
+                              <a:rPr lang="hr-HR" b="0" i="1" smtClean="0">
+                                <a:latin typeface="Cambria Math" panose="02040503050406030204" pitchFamily="18" charset="0"/>
+                              </a:rPr>
+                              <m:t>𝑅</m:t>
+                            </m:r>
+                            <m:r>
+                              <a:rPr lang="hr-HR" b="0" i="1" smtClean="0">
+                                <a:latin typeface="Cambria Math" panose="02040503050406030204" pitchFamily="18" charset="0"/>
+                              </a:rPr>
+                              <m:t>1</m:t>
+                            </m:r>
+                            <m:r>
+                              <a:rPr lang="hr-HR" b="0" i="1" smtClean="0">
+                                <a:latin typeface="Cambria Math" panose="02040503050406030204" pitchFamily="18" charset="0"/>
+                              </a:rPr>
+                              <m:t>𝐶</m:t>
+                            </m:r>
+                            <m:r>
+                              <a:rPr lang="hr-HR" b="0" i="1" smtClean="0">
+                                <a:latin typeface="Cambria Math" panose="02040503050406030204" pitchFamily="18" charset="0"/>
+                              </a:rPr>
+                              <m:t>1</m:t>
+                            </m:r>
+                            <m:r>
+                              <a:rPr lang="hr-HR" b="0" i="1" smtClean="0">
+                                <a:latin typeface="Cambria Math" panose="02040503050406030204" pitchFamily="18" charset="0"/>
+                              </a:rPr>
+                              <m:t>𝑅</m:t>
+                            </m:r>
+                            <m:r>
+                              <a:rPr lang="hr-HR" b="0" i="1" smtClean="0">
+                                <a:latin typeface="Cambria Math" panose="02040503050406030204" pitchFamily="18" charset="0"/>
+                              </a:rPr>
+                              <m:t>2</m:t>
+                            </m:r>
+                            <m:r>
+                              <a:rPr lang="hr-HR" b="0" i="1" smtClean="0">
+                                <a:latin typeface="Cambria Math" panose="02040503050406030204" pitchFamily="18" charset="0"/>
+                              </a:rPr>
+                              <m:t>𝐶</m:t>
+                            </m:r>
+                            <m:r>
+                              <a:rPr lang="hr-HR" b="0" i="1" smtClean="0">
+                                <a:latin typeface="Cambria Math" panose="02040503050406030204" pitchFamily="18" charset="0"/>
+                              </a:rPr>
+                              <m:t>2</m:t>
+                            </m:r>
+                          </m:e>
+                        </m:rad>
+                      </m:den>
+                    </m:f>
+                  </m:oMath>
+                </a14:m>
+                <a:endParaRPr lang="hr-HR" dirty="0"/>
+              </a:p>
+            </p:txBody>
+          </p:sp>
+        </mc:Choice>
+        <mc:Fallback>
+          <p:sp>
+            <p:nvSpPr>
+              <p:cNvPr id="3" name="Rezervirano mjesto sadržaja 2">
+                <a:extLst>
+                  <a:ext uri="{FF2B5EF4-FFF2-40B4-BE49-F238E27FC236}">
+                    <a16:creationId xmlns:a16="http://schemas.microsoft.com/office/drawing/2014/main" id="{EF1D4969-BFB5-4893-93EA-6A2E444C5D04}"/>
+                  </a:ext>
+                </a:extLst>
+              </p:cNvPr>
+              <p:cNvSpPr>
+                <a:spLocks noGrp="1" noRot="1" noChangeAspect="1" noMove="1" noResize="1" noEditPoints="1" noAdjustHandles="1" noChangeArrowheads="1" noChangeShapeType="1" noTextEdit="1"/>
+              </p:cNvSpPr>
+              <p:nvPr>
+                <p:ph idx="1"/>
+              </p:nvPr>
+            </p:nvSpPr>
+            <p:spPr>
+              <a:blipFill>
+                <a:blip r:embed="rId2"/>
+                <a:stretch>
+                  <a:fillRect l="-1043" t="-280"/>
+                </a:stretch>
+              </a:blipFill>
+            </p:spPr>
+            <p:txBody>
+              <a:bodyPr/>
+              <a:lstStyle/>
+              <a:p>
+                <a:r>
+                  <a:rPr lang="hr-HR">
+                    <a:noFill/>
+                  </a:rPr>
+                  <a:t> </a:t>
+                </a:r>
+              </a:p>
+            </p:txBody>
+          </p:sp>
+        </mc:Fallback>
+      </mc:AlternateContent>
+    </p:spTree>
+    <p:extLst>
+      <p:ext uri="{BB962C8B-B14F-4D97-AF65-F5344CB8AC3E}">
+        <p14:creationId xmlns:p14="http://schemas.microsoft.com/office/powerpoint/2010/main" val="3113038189"/>
+      </p:ext>
+    </p:extLst>
+  </p:cSld>
+  <p:clrMapOvr>
+    <a:masterClrMapping/>
+  </p:clrMapOvr>
+</p:sld>
+</file>
+
 <file path=ppt/slides/slide2.xml><?xml version="1.0" encoding="utf-8"?>
 <p:sld xmlns:a="http://schemas.openxmlformats.org/drawingml/2006/main" xmlns:r="http://schemas.openxmlformats.org/officeDocument/2006/relationships" xmlns:p="http://schemas.openxmlformats.org/presentationml/2006/main">
   <p:cSld>

--- a/Diplomski tekst/Blok sheme.pptx
+++ b/Diplomski tekst/Blok sheme.pptx
@@ -16,9 +16,10 @@
     <p:sldId id="265" r:id="rId10"/>
     <p:sldId id="266" r:id="rId11"/>
     <p:sldId id="264" r:id="rId12"/>
-    <p:sldId id="267" r:id="rId13"/>
-    <p:sldId id="268" r:id="rId14"/>
-    <p:sldId id="269" r:id="rId15"/>
+    <p:sldId id="270" r:id="rId13"/>
+    <p:sldId id="267" r:id="rId14"/>
+    <p:sldId id="268" r:id="rId15"/>
+    <p:sldId id="269" r:id="rId16"/>
   </p:sldIdLst>
   <p:sldSz cx="12192000" cy="6858000"/>
   <p:notesSz cx="6858000" cy="9144000"/>
@@ -272,7 +273,7 @@
           <a:p>
             <a:fld id="{E41A3F50-E5FE-4EBE-A75B-86E2E3DC153B}" type="datetimeFigureOut">
               <a:rPr lang="hr-HR" smtClean="0"/>
-              <a:t>8.4.2021.</a:t>
+              <a:t>19.4.2021.</a:t>
             </a:fld>
             <a:endParaRPr lang="hr-HR"/>
           </a:p>
@@ -470,7 +471,7 @@
           <a:p>
             <a:fld id="{E41A3F50-E5FE-4EBE-A75B-86E2E3DC153B}" type="datetimeFigureOut">
               <a:rPr lang="hr-HR" smtClean="0"/>
-              <a:t>8.4.2021.</a:t>
+              <a:t>19.4.2021.</a:t>
             </a:fld>
             <a:endParaRPr lang="hr-HR"/>
           </a:p>
@@ -678,7 +679,7 @@
           <a:p>
             <a:fld id="{E41A3F50-E5FE-4EBE-A75B-86E2E3DC153B}" type="datetimeFigureOut">
               <a:rPr lang="hr-HR" smtClean="0"/>
-              <a:t>8.4.2021.</a:t>
+              <a:t>19.4.2021.</a:t>
             </a:fld>
             <a:endParaRPr lang="hr-HR"/>
           </a:p>
@@ -876,7 +877,7 @@
           <a:p>
             <a:fld id="{E41A3F50-E5FE-4EBE-A75B-86E2E3DC153B}" type="datetimeFigureOut">
               <a:rPr lang="hr-HR" smtClean="0"/>
-              <a:t>8.4.2021.</a:t>
+              <a:t>19.4.2021.</a:t>
             </a:fld>
             <a:endParaRPr lang="hr-HR"/>
           </a:p>
@@ -1151,7 +1152,7 @@
           <a:p>
             <a:fld id="{E41A3F50-E5FE-4EBE-A75B-86E2E3DC153B}" type="datetimeFigureOut">
               <a:rPr lang="hr-HR" smtClean="0"/>
-              <a:t>8.4.2021.</a:t>
+              <a:t>19.4.2021.</a:t>
             </a:fld>
             <a:endParaRPr lang="hr-HR"/>
           </a:p>
@@ -1416,7 +1417,7 @@
           <a:p>
             <a:fld id="{E41A3F50-E5FE-4EBE-A75B-86E2E3DC153B}" type="datetimeFigureOut">
               <a:rPr lang="hr-HR" smtClean="0"/>
-              <a:t>8.4.2021.</a:t>
+              <a:t>19.4.2021.</a:t>
             </a:fld>
             <a:endParaRPr lang="hr-HR"/>
           </a:p>
@@ -1828,7 +1829,7 @@
           <a:p>
             <a:fld id="{E41A3F50-E5FE-4EBE-A75B-86E2E3DC153B}" type="datetimeFigureOut">
               <a:rPr lang="hr-HR" smtClean="0"/>
-              <a:t>8.4.2021.</a:t>
+              <a:t>19.4.2021.</a:t>
             </a:fld>
             <a:endParaRPr lang="hr-HR"/>
           </a:p>
@@ -1969,7 +1970,7 @@
           <a:p>
             <a:fld id="{E41A3F50-E5FE-4EBE-A75B-86E2E3DC153B}" type="datetimeFigureOut">
               <a:rPr lang="hr-HR" smtClean="0"/>
-              <a:t>8.4.2021.</a:t>
+              <a:t>19.4.2021.</a:t>
             </a:fld>
             <a:endParaRPr lang="hr-HR"/>
           </a:p>
@@ -2082,7 +2083,7 @@
           <a:p>
             <a:fld id="{E41A3F50-E5FE-4EBE-A75B-86E2E3DC153B}" type="datetimeFigureOut">
               <a:rPr lang="hr-HR" smtClean="0"/>
-              <a:t>8.4.2021.</a:t>
+              <a:t>19.4.2021.</a:t>
             </a:fld>
             <a:endParaRPr lang="hr-HR"/>
           </a:p>
@@ -2393,7 +2394,7 @@
           <a:p>
             <a:fld id="{E41A3F50-E5FE-4EBE-A75B-86E2E3DC153B}" type="datetimeFigureOut">
               <a:rPr lang="hr-HR" smtClean="0"/>
-              <a:t>8.4.2021.</a:t>
+              <a:t>19.4.2021.</a:t>
             </a:fld>
             <a:endParaRPr lang="hr-HR"/>
           </a:p>
@@ -2681,7 +2682,7 @@
           <a:p>
             <a:fld id="{E41A3F50-E5FE-4EBE-A75B-86E2E3DC153B}" type="datetimeFigureOut">
               <a:rPr lang="hr-HR" smtClean="0"/>
-              <a:t>8.4.2021.</a:t>
+              <a:t>19.4.2021.</a:t>
             </a:fld>
             <a:endParaRPr lang="hr-HR"/>
           </a:p>
@@ -2922,7 +2923,7 @@
           <a:p>
             <a:fld id="{E41A3F50-E5FE-4EBE-A75B-86E2E3DC153B}" type="datetimeFigureOut">
               <a:rPr lang="hr-HR" smtClean="0"/>
-              <a:t>8.4.2021.</a:t>
+              <a:t>19.4.2021.</a:t>
             </a:fld>
             <a:endParaRPr lang="hr-HR"/>
           </a:p>
@@ -5444,8 +5445,8 @@
         </p:nvSpPr>
         <p:spPr>
           <a:xfrm>
-            <a:off x="5895975" y="1323975"/>
-            <a:ext cx="1809750" cy="3543300"/>
+            <a:off x="5895975" y="1214714"/>
+            <a:ext cx="1809750" cy="4290735"/>
           </a:xfrm>
           <a:prstGeom prst="rect">
             <a:avLst/>
@@ -5559,7 +5560,7 @@
         </p:blipFill>
         <p:spPr>
           <a:xfrm>
-            <a:off x="6111456" y="4627562"/>
+            <a:off x="6096000" y="5185820"/>
             <a:ext cx="1352550" cy="293687"/>
           </a:xfrm>
           <a:prstGeom prst="rect">
@@ -5567,12 +5568,182 @@
           </a:prstGeom>
         </p:spPr>
       </p:pic>
+      <p:sp>
+        <p:nvSpPr>
+          <p:cNvPr id="25" name="Pravokutnik 24">
+            <a:extLst>
+              <a:ext uri="{FF2B5EF4-FFF2-40B4-BE49-F238E27FC236}">
+                <a16:creationId xmlns:a16="http://schemas.microsoft.com/office/drawing/2014/main" id="{0E05C07C-A71C-4ACA-BD9C-22433A3C609E}"/>
+              </a:ext>
+            </a:extLst>
+          </p:cNvPr>
+          <p:cNvSpPr/>
+          <p:nvPr/>
+        </p:nvSpPr>
+        <p:spPr>
+          <a:xfrm>
+            <a:off x="6419708" y="1790977"/>
+            <a:ext cx="762000" cy="781050"/>
+          </a:xfrm>
+          <a:prstGeom prst="rect">
+            <a:avLst/>
+          </a:prstGeom>
+        </p:spPr>
+        <p:style>
+          <a:lnRef idx="2">
+            <a:schemeClr val="accent4">
+              <a:shade val="50000"/>
+            </a:schemeClr>
+          </a:lnRef>
+          <a:fillRef idx="1">
+            <a:schemeClr val="accent4"/>
+          </a:fillRef>
+          <a:effectRef idx="0">
+            <a:schemeClr val="accent4"/>
+          </a:effectRef>
+          <a:fontRef idx="minor">
+            <a:schemeClr val="lt1"/>
+          </a:fontRef>
+        </p:style>
+        <p:txBody>
+          <a:bodyPr rtlCol="0" anchor="ctr"/>
+          <a:lstStyle/>
+          <a:p>
+            <a:pPr algn="ctr"/>
+            <a:endParaRPr lang="hr-HR"/>
+          </a:p>
+        </p:txBody>
+      </p:sp>
+      <p:sp>
+        <p:nvSpPr>
+          <p:cNvPr id="26" name="Pravokutnik 25">
+            <a:extLst>
+              <a:ext uri="{FF2B5EF4-FFF2-40B4-BE49-F238E27FC236}">
+                <a16:creationId xmlns:a16="http://schemas.microsoft.com/office/drawing/2014/main" id="{ED07276B-33DD-4B65-9265-C19886F69F91}"/>
+              </a:ext>
+            </a:extLst>
+          </p:cNvPr>
+          <p:cNvSpPr/>
+          <p:nvPr/>
+        </p:nvSpPr>
+        <p:spPr>
+          <a:xfrm>
+            <a:off x="6462084" y="3374370"/>
+            <a:ext cx="762000" cy="781050"/>
+          </a:xfrm>
+          <a:prstGeom prst="rect">
+            <a:avLst/>
+          </a:prstGeom>
+        </p:spPr>
+        <p:style>
+          <a:lnRef idx="2">
+            <a:schemeClr val="accent4">
+              <a:shade val="50000"/>
+            </a:schemeClr>
+          </a:lnRef>
+          <a:fillRef idx="1">
+            <a:schemeClr val="accent4"/>
+          </a:fillRef>
+          <a:effectRef idx="0">
+            <a:schemeClr val="accent4"/>
+          </a:effectRef>
+          <a:fontRef idx="minor">
+            <a:schemeClr val="lt1"/>
+          </a:fontRef>
+        </p:style>
+        <p:txBody>
+          <a:bodyPr rtlCol="0" anchor="ctr"/>
+          <a:lstStyle/>
+          <a:p>
+            <a:pPr algn="ctr"/>
+            <a:endParaRPr lang="hr-HR"/>
+          </a:p>
+        </p:txBody>
+      </p:sp>
+      <p:sp>
+        <p:nvSpPr>
+          <p:cNvPr id="28" name="TekstniOkvir 27">
+            <a:extLst>
+              <a:ext uri="{FF2B5EF4-FFF2-40B4-BE49-F238E27FC236}">
+                <a16:creationId xmlns:a16="http://schemas.microsoft.com/office/drawing/2014/main" id="{6CC0D3A3-84E8-4D95-A984-880A7D36684A}"/>
+              </a:ext>
+            </a:extLst>
+          </p:cNvPr>
+          <p:cNvSpPr txBox="1"/>
+          <p:nvPr/>
+        </p:nvSpPr>
+        <p:spPr>
+          <a:xfrm>
+            <a:off x="6400729" y="3580229"/>
+            <a:ext cx="942975" cy="369332"/>
+          </a:xfrm>
+          <a:prstGeom prst="rect">
+            <a:avLst/>
+          </a:prstGeom>
+          <a:noFill/>
+        </p:spPr>
+        <p:txBody>
+          <a:bodyPr wrap="square" rtlCol="0">
+            <a:spAutoFit/>
+          </a:bodyPr>
+          <a:lstStyle/>
+          <a:p>
+            <a:r>
+              <a:rPr lang="hr-HR" sz="1400" dirty="0"/>
+              <a:t>ADS1298</a:t>
+            </a:r>
+            <a:r>
+              <a:rPr lang="hr-HR" dirty="0"/>
+              <a:t> </a:t>
+            </a:r>
+          </a:p>
+        </p:txBody>
+      </p:sp>
+      <p:sp>
+        <p:nvSpPr>
+          <p:cNvPr id="29" name="TekstniOkvir 28">
+            <a:extLst>
+              <a:ext uri="{FF2B5EF4-FFF2-40B4-BE49-F238E27FC236}">
+                <a16:creationId xmlns:a16="http://schemas.microsoft.com/office/drawing/2014/main" id="{ADD64A70-5C5B-4327-A049-8F5AD84B8724}"/>
+              </a:ext>
+            </a:extLst>
+          </p:cNvPr>
+          <p:cNvSpPr txBox="1"/>
+          <p:nvPr/>
+        </p:nvSpPr>
+        <p:spPr>
+          <a:xfrm>
+            <a:off x="6342481" y="1996836"/>
+            <a:ext cx="942975" cy="369332"/>
+          </a:xfrm>
+          <a:prstGeom prst="rect">
+            <a:avLst/>
+          </a:prstGeom>
+          <a:noFill/>
+        </p:spPr>
+        <p:txBody>
+          <a:bodyPr wrap="square" rtlCol="0">
+            <a:spAutoFit/>
+          </a:bodyPr>
+          <a:lstStyle/>
+          <a:p>
+            <a:r>
+              <a:rPr lang="hr-HR" sz="1400" dirty="0"/>
+              <a:t>ADS1298</a:t>
+            </a:r>
+            <a:r>
+              <a:rPr lang="hr-HR" dirty="0"/>
+              <a:t> </a:t>
+            </a:r>
+          </a:p>
+        </p:txBody>
+      </p:sp>
       <p:pic>
         <p:nvPicPr>
-          <p:cNvPr id="22" name="Slika 21">
-            <a:extLst>
-              <a:ext uri="{FF2B5EF4-FFF2-40B4-BE49-F238E27FC236}">
-                <a16:creationId xmlns:a16="http://schemas.microsoft.com/office/drawing/2014/main" id="{4518ED89-E448-4704-8BCE-1E9AF4AB8717}"/>
+          <p:cNvPr id="3" name="Slika 2">
+            <a:extLst>
+              <a:ext uri="{FF2B5EF4-FFF2-40B4-BE49-F238E27FC236}">
+                <a16:creationId xmlns:a16="http://schemas.microsoft.com/office/drawing/2014/main" id="{6EA5B363-0CC6-4886-B858-5BF44FD5B305}"/>
               </a:ext>
             </a:extLst>
           </p:cNvPr>
@@ -5588,143 +5759,21 @@
           </a:stretch>
         </p:blipFill>
         <p:spPr>
-          <a:xfrm rot="16200000">
-            <a:off x="5767387" y="3094037"/>
-            <a:ext cx="714375" cy="142875"/>
+          <a:xfrm rot="16200000" flipH="1">
+            <a:off x="6669440" y="4483656"/>
+            <a:ext cx="262536" cy="1771650"/>
           </a:xfrm>
           <a:prstGeom prst="rect">
             <a:avLst/>
           </a:prstGeom>
         </p:spPr>
       </p:pic>
-      <p:pic>
-        <p:nvPicPr>
-          <p:cNvPr id="24" name="Slika 23">
-            <a:extLst>
-              <a:ext uri="{FF2B5EF4-FFF2-40B4-BE49-F238E27FC236}">
-                <a16:creationId xmlns:a16="http://schemas.microsoft.com/office/drawing/2014/main" id="{3A016450-F503-4832-9CF0-154E578D16E4}"/>
-              </a:ext>
-            </a:extLst>
-          </p:cNvPr>
-          <p:cNvPicPr>
-            <a:picLocks noChangeAspect="1"/>
-          </p:cNvPicPr>
-          <p:nvPr/>
-        </p:nvPicPr>
-        <p:blipFill>
-          <a:blip r:embed="rId5"/>
-          <a:stretch>
-            <a:fillRect/>
-          </a:stretch>
-        </p:blipFill>
-        <p:spPr>
-          <a:xfrm rot="16200000">
-            <a:off x="7077075" y="3171825"/>
-            <a:ext cx="714375" cy="142875"/>
-          </a:xfrm>
-          <a:prstGeom prst="rect">
-            <a:avLst/>
-          </a:prstGeom>
-        </p:spPr>
-      </p:pic>
-      <p:sp>
-        <p:nvSpPr>
-          <p:cNvPr id="25" name="Pravokutnik 24">
-            <a:extLst>
-              <a:ext uri="{FF2B5EF4-FFF2-40B4-BE49-F238E27FC236}">
-                <a16:creationId xmlns:a16="http://schemas.microsoft.com/office/drawing/2014/main" id="{0E05C07C-A71C-4ACA-BD9C-22433A3C609E}"/>
-              </a:ext>
-            </a:extLst>
-          </p:cNvPr>
-          <p:cNvSpPr/>
-          <p:nvPr/>
-        </p:nvSpPr>
-        <p:spPr>
-          <a:xfrm>
-            <a:off x="6415088" y="2774949"/>
-            <a:ext cx="762000" cy="781050"/>
-          </a:xfrm>
-          <a:prstGeom prst="rect">
-            <a:avLst/>
-          </a:prstGeom>
-        </p:spPr>
-        <p:style>
-          <a:lnRef idx="2">
-            <a:schemeClr val="accent4">
-              <a:shade val="50000"/>
-            </a:schemeClr>
-          </a:lnRef>
-          <a:fillRef idx="1">
-            <a:schemeClr val="accent4"/>
-          </a:fillRef>
-          <a:effectRef idx="0">
-            <a:schemeClr val="accent4"/>
-          </a:effectRef>
-          <a:fontRef idx="minor">
-            <a:schemeClr val="lt1"/>
-          </a:fontRef>
-        </p:style>
-        <p:txBody>
-          <a:bodyPr rtlCol="0" anchor="ctr"/>
-          <a:lstStyle/>
-          <a:p>
-            <a:pPr algn="ctr"/>
-            <a:endParaRPr lang="hr-HR"/>
-          </a:p>
-        </p:txBody>
-      </p:sp>
-      <p:sp>
-        <p:nvSpPr>
-          <p:cNvPr id="26" name="Pravokutnik 25">
-            <a:extLst>
-              <a:ext uri="{FF2B5EF4-FFF2-40B4-BE49-F238E27FC236}">
-                <a16:creationId xmlns:a16="http://schemas.microsoft.com/office/drawing/2014/main" id="{ED07276B-33DD-4B65-9265-C19886F69F91}"/>
-              </a:ext>
-            </a:extLst>
-          </p:cNvPr>
-          <p:cNvSpPr/>
-          <p:nvPr/>
-        </p:nvSpPr>
-        <p:spPr>
-          <a:xfrm>
-            <a:off x="6432969" y="3723481"/>
-            <a:ext cx="762000" cy="781050"/>
-          </a:xfrm>
-          <a:prstGeom prst="rect">
-            <a:avLst/>
-          </a:prstGeom>
-        </p:spPr>
-        <p:style>
-          <a:lnRef idx="2">
-            <a:schemeClr val="accent4">
-              <a:shade val="50000"/>
-            </a:schemeClr>
-          </a:lnRef>
-          <a:fillRef idx="1">
-            <a:schemeClr val="accent4"/>
-          </a:fillRef>
-          <a:effectRef idx="0">
-            <a:schemeClr val="accent4"/>
-          </a:effectRef>
-          <a:fontRef idx="minor">
-            <a:schemeClr val="lt1"/>
-          </a:fontRef>
-        </p:style>
-        <p:txBody>
-          <a:bodyPr rtlCol="0" anchor="ctr"/>
-          <a:lstStyle/>
-          <a:p>
-            <a:pPr algn="ctr"/>
-            <a:endParaRPr lang="hr-HR"/>
-          </a:p>
-        </p:txBody>
-      </p:sp>
-      <p:sp>
-        <p:nvSpPr>
-          <p:cNvPr id="28" name="TekstniOkvir 27">
-            <a:extLst>
-              <a:ext uri="{FF2B5EF4-FFF2-40B4-BE49-F238E27FC236}">
-                <a16:creationId xmlns:a16="http://schemas.microsoft.com/office/drawing/2014/main" id="{6CC0D3A3-84E8-4D95-A984-880A7D36684A}"/>
+      <p:sp>
+        <p:nvSpPr>
+          <p:cNvPr id="15" name="TekstniOkvir 14">
+            <a:extLst>
+              <a:ext uri="{FF2B5EF4-FFF2-40B4-BE49-F238E27FC236}">
+                <a16:creationId xmlns:a16="http://schemas.microsoft.com/office/drawing/2014/main" id="{897411DA-974D-43FE-9A09-49C553618B89}"/>
               </a:ext>
             </a:extLst>
           </p:cNvPr>
@@ -5733,8 +5782,8 @@
         </p:nvSpPr>
         <p:spPr>
           <a:xfrm>
-            <a:off x="6371597" y="3929340"/>
-            <a:ext cx="942975" cy="369332"/>
+            <a:off x="2715413" y="470062"/>
+            <a:ext cx="1244891" cy="369332"/>
           </a:xfrm>
           <a:prstGeom prst="rect">
             <a:avLst/>
@@ -5748,51 +5797,8 @@
           <a:lstStyle/>
           <a:p>
             <a:r>
-              <a:rPr lang="hr-HR" sz="1400" dirty="0"/>
-              <a:t>ADS1298</a:t>
-            </a:r>
-            <a:r>
               <a:rPr lang="hr-HR" dirty="0"/>
-              <a:t> </a:t>
-            </a:r>
-          </a:p>
-        </p:txBody>
-      </p:sp>
-      <p:sp>
-        <p:nvSpPr>
-          <p:cNvPr id="29" name="TekstniOkvir 28">
-            <a:extLst>
-              <a:ext uri="{FF2B5EF4-FFF2-40B4-BE49-F238E27FC236}">
-                <a16:creationId xmlns:a16="http://schemas.microsoft.com/office/drawing/2014/main" id="{ADD64A70-5C5B-4327-A049-8F5AD84B8724}"/>
-              </a:ext>
-            </a:extLst>
-          </p:cNvPr>
-          <p:cNvSpPr txBox="1"/>
-          <p:nvPr/>
-        </p:nvSpPr>
-        <p:spPr>
-          <a:xfrm>
-            <a:off x="6381749" y="2986365"/>
-            <a:ext cx="942975" cy="369332"/>
-          </a:xfrm>
-          <a:prstGeom prst="rect">
-            <a:avLst/>
-          </a:prstGeom>
-          <a:noFill/>
-        </p:spPr>
-        <p:txBody>
-          <a:bodyPr wrap="square" rtlCol="0">
-            <a:spAutoFit/>
-          </a:bodyPr>
-          <a:lstStyle/>
-          <a:p>
-            <a:r>
-              <a:rPr lang="hr-HR" sz="1400" dirty="0"/>
-              <a:t>ADS1298</a:t>
-            </a:r>
-            <a:r>
-              <a:rPr lang="hr-HR" dirty="0"/>
-              <a:t> </a:t>
+              <a:t>ESP32</a:t>
             </a:r>
           </a:p>
         </p:txBody>
@@ -5829,10 +5835,10 @@
       </p:grpSpPr>
       <p:pic>
         <p:nvPicPr>
-          <p:cNvPr id="5" name="Slika 4">
-            <a:extLst>
-              <a:ext uri="{FF2B5EF4-FFF2-40B4-BE49-F238E27FC236}">
-                <a16:creationId xmlns:a16="http://schemas.microsoft.com/office/drawing/2014/main" id="{26367ECC-FFFB-406F-B574-0BB669418BE0}"/>
+          <p:cNvPr id="4" name="Slika 3">
+            <a:extLst>
+              <a:ext uri="{FF2B5EF4-FFF2-40B4-BE49-F238E27FC236}">
+                <a16:creationId xmlns:a16="http://schemas.microsoft.com/office/drawing/2014/main" id="{14E9CD32-86CF-4921-A425-916E78E94C9E}"/>
               </a:ext>
             </a:extLst>
           </p:cNvPr>
@@ -5849,20 +5855,75 @@
         </p:blipFill>
         <p:spPr>
           <a:xfrm>
-            <a:off x="4260208" y="1245042"/>
-            <a:ext cx="7714221" cy="3998068"/>
-          </a:xfrm>
-          <a:prstGeom prst="rect">
-            <a:avLst/>
-          </a:prstGeom>
+            <a:off x="231237" y="675547"/>
+            <a:ext cx="3920707" cy="5313756"/>
+          </a:xfrm>
+          <a:prstGeom prst="rect">
+            <a:avLst/>
+          </a:prstGeom>
+          <a:pattFill prst="pct5">
+            <a:fgClr>
+              <a:schemeClr val="accent2"/>
+            </a:fgClr>
+            <a:bgClr>
+              <a:schemeClr val="bg1"/>
+            </a:bgClr>
+          </a:pattFill>
         </p:spPr>
       </p:pic>
+      <p:sp>
+        <p:nvSpPr>
+          <p:cNvPr id="5" name="Pravokutnik 4">
+            <a:extLst>
+              <a:ext uri="{FF2B5EF4-FFF2-40B4-BE49-F238E27FC236}">
+                <a16:creationId xmlns:a16="http://schemas.microsoft.com/office/drawing/2014/main" id="{035E354B-5211-490C-BFD8-00DB19ACE9C6}"/>
+              </a:ext>
+            </a:extLst>
+          </p:cNvPr>
+          <p:cNvSpPr/>
+          <p:nvPr/>
+        </p:nvSpPr>
+        <p:spPr>
+          <a:xfrm>
+            <a:off x="6043792" y="1146810"/>
+            <a:ext cx="1809750" cy="4290735"/>
+          </a:xfrm>
+          <a:prstGeom prst="rect">
+            <a:avLst/>
+          </a:prstGeom>
+          <a:noFill/>
+        </p:spPr>
+        <p:style>
+          <a:lnRef idx="2">
+            <a:schemeClr val="accent1">
+              <a:shade val="50000"/>
+            </a:schemeClr>
+          </a:lnRef>
+          <a:fillRef idx="1">
+            <a:schemeClr val="accent1"/>
+          </a:fillRef>
+          <a:effectRef idx="0">
+            <a:schemeClr val="accent1"/>
+          </a:effectRef>
+          <a:fontRef idx="minor">
+            <a:schemeClr val="lt1"/>
+          </a:fontRef>
+        </p:style>
+        <p:txBody>
+          <a:bodyPr rtlCol="0" anchor="ctr"/>
+          <a:lstStyle/>
+          <a:p>
+            <a:pPr algn="ctr"/>
+            <a:endParaRPr lang="hr-HR"/>
+          </a:p>
+        </p:txBody>
+      </p:sp>
       <p:pic>
         <p:nvPicPr>
-          <p:cNvPr id="7" name="Slika 6">
-            <a:extLst>
-              <a:ext uri="{FF2B5EF4-FFF2-40B4-BE49-F238E27FC236}">
-                <a16:creationId xmlns:a16="http://schemas.microsoft.com/office/drawing/2014/main" id="{EF15B450-E756-47AE-A35C-C8903CAA3722}"/>
+          <p:cNvPr id="6" name="Slika 5">
+            <a:extLst>
+              <a:ext uri="{FF2B5EF4-FFF2-40B4-BE49-F238E27FC236}">
+                <a16:creationId xmlns:a16="http://schemas.microsoft.com/office/drawing/2014/main" id="{76209633-FEFB-4F33-896D-A6C3FCCC09CD}"/>
               </a:ext>
             </a:extLst>
           </p:cNvPr>
@@ -5879,18 +5940,2184 @@
         </p:blipFill>
         <p:spPr>
           <a:xfrm>
-            <a:off x="1070043" y="518208"/>
-            <a:ext cx="3190165" cy="5451737"/>
+            <a:off x="6043792" y="1256071"/>
+            <a:ext cx="200025" cy="3514725"/>
           </a:xfrm>
           <a:prstGeom prst="rect">
             <a:avLst/>
           </a:prstGeom>
         </p:spPr>
       </p:pic>
+      <p:pic>
+        <p:nvPicPr>
+          <p:cNvPr id="7" name="Slika 6">
+            <a:extLst>
+              <a:ext uri="{FF2B5EF4-FFF2-40B4-BE49-F238E27FC236}">
+                <a16:creationId xmlns:a16="http://schemas.microsoft.com/office/drawing/2014/main" id="{67AD63DA-881B-4705-8A38-0C70538ACDC1}"/>
+              </a:ext>
+            </a:extLst>
+          </p:cNvPr>
+          <p:cNvPicPr>
+            <a:picLocks noChangeAspect="1"/>
+          </p:cNvPicPr>
+          <p:nvPr/>
+        </p:nvPicPr>
+        <p:blipFill>
+          <a:blip r:embed="rId3"/>
+          <a:stretch>
+            <a:fillRect/>
+          </a:stretch>
+        </p:blipFill>
+        <p:spPr>
+          <a:xfrm>
+            <a:off x="7653517" y="1284646"/>
+            <a:ext cx="200025" cy="3514725"/>
+          </a:xfrm>
+          <a:prstGeom prst="rect">
+            <a:avLst/>
+          </a:prstGeom>
+        </p:spPr>
+      </p:pic>
+      <p:pic>
+        <p:nvPicPr>
+          <p:cNvPr id="8" name="Slika 7">
+            <a:extLst>
+              <a:ext uri="{FF2B5EF4-FFF2-40B4-BE49-F238E27FC236}">
+                <a16:creationId xmlns:a16="http://schemas.microsoft.com/office/drawing/2014/main" id="{F0A4F0DD-92A5-4A2C-A275-50064B3282AB}"/>
+              </a:ext>
+            </a:extLst>
+          </p:cNvPr>
+          <p:cNvPicPr>
+            <a:picLocks noChangeAspect="1"/>
+          </p:cNvPicPr>
+          <p:nvPr/>
+        </p:nvPicPr>
+        <p:blipFill>
+          <a:blip r:embed="rId4"/>
+          <a:stretch>
+            <a:fillRect/>
+          </a:stretch>
+        </p:blipFill>
+        <p:spPr>
+          <a:xfrm>
+            <a:off x="6243817" y="5117916"/>
+            <a:ext cx="1352550" cy="293687"/>
+          </a:xfrm>
+          <a:prstGeom prst="rect">
+            <a:avLst/>
+          </a:prstGeom>
+        </p:spPr>
+      </p:pic>
+      <p:pic>
+        <p:nvPicPr>
+          <p:cNvPr id="13" name="Slika 12">
+            <a:extLst>
+              <a:ext uri="{FF2B5EF4-FFF2-40B4-BE49-F238E27FC236}">
+                <a16:creationId xmlns:a16="http://schemas.microsoft.com/office/drawing/2014/main" id="{5EB44375-BC71-496D-89A5-A6EEF3B0D558}"/>
+              </a:ext>
+            </a:extLst>
+          </p:cNvPr>
+          <p:cNvPicPr>
+            <a:picLocks noChangeAspect="1"/>
+          </p:cNvPicPr>
+          <p:nvPr/>
+        </p:nvPicPr>
+        <p:blipFill>
+          <a:blip r:embed="rId5"/>
+          <a:stretch>
+            <a:fillRect/>
+          </a:stretch>
+        </p:blipFill>
+        <p:spPr>
+          <a:xfrm rot="16200000" flipH="1">
+            <a:off x="6817257" y="4415752"/>
+            <a:ext cx="262536" cy="1771650"/>
+          </a:xfrm>
+          <a:prstGeom prst="rect">
+            <a:avLst/>
+          </a:prstGeom>
+        </p:spPr>
+      </p:pic>
+      <p:sp>
+        <p:nvSpPr>
+          <p:cNvPr id="14" name="Pravokutnik 13">
+            <a:extLst>
+              <a:ext uri="{FF2B5EF4-FFF2-40B4-BE49-F238E27FC236}">
+                <a16:creationId xmlns:a16="http://schemas.microsoft.com/office/drawing/2014/main" id="{BDC75D5D-D4DB-40B8-8876-758408A426D8}"/>
+              </a:ext>
+            </a:extLst>
+          </p:cNvPr>
+          <p:cNvSpPr/>
+          <p:nvPr/>
+        </p:nvSpPr>
+        <p:spPr>
+          <a:xfrm>
+            <a:off x="5458716" y="1964291"/>
+            <a:ext cx="2936273" cy="2929417"/>
+          </a:xfrm>
+          <a:prstGeom prst="rect">
+            <a:avLst/>
+          </a:prstGeom>
+          <a:noFill/>
+        </p:spPr>
+        <p:style>
+          <a:lnRef idx="2">
+            <a:schemeClr val="accent1">
+              <a:shade val="50000"/>
+            </a:schemeClr>
+          </a:lnRef>
+          <a:fillRef idx="1">
+            <a:schemeClr val="accent1"/>
+          </a:fillRef>
+          <a:effectRef idx="0">
+            <a:schemeClr val="accent1"/>
+          </a:effectRef>
+          <a:fontRef idx="minor">
+            <a:schemeClr val="lt1"/>
+          </a:fontRef>
+        </p:style>
+        <p:txBody>
+          <a:bodyPr rtlCol="0" anchor="ctr"/>
+          <a:lstStyle/>
+          <a:p>
+            <a:pPr algn="ctr"/>
+            <a:endParaRPr lang="hr-HR"/>
+          </a:p>
+        </p:txBody>
+      </p:sp>
+      <p:sp>
+        <p:nvSpPr>
+          <p:cNvPr id="15" name="Elipsa 14">
+            <a:extLst>
+              <a:ext uri="{FF2B5EF4-FFF2-40B4-BE49-F238E27FC236}">
+                <a16:creationId xmlns:a16="http://schemas.microsoft.com/office/drawing/2014/main" id="{93D4D563-7F95-4925-BE9E-0725EC2BE96B}"/>
+              </a:ext>
+            </a:extLst>
+          </p:cNvPr>
+          <p:cNvSpPr/>
+          <p:nvPr/>
+        </p:nvSpPr>
+        <p:spPr>
+          <a:xfrm>
+            <a:off x="5534692" y="2121518"/>
+            <a:ext cx="417964" cy="417964"/>
+          </a:xfrm>
+          <a:prstGeom prst="ellipse">
+            <a:avLst/>
+          </a:prstGeom>
+          <a:solidFill>
+            <a:schemeClr val="tx1"/>
+          </a:solidFill>
+        </p:spPr>
+        <p:style>
+          <a:lnRef idx="2">
+            <a:schemeClr val="accent1">
+              <a:shade val="50000"/>
+            </a:schemeClr>
+          </a:lnRef>
+          <a:fillRef idx="1">
+            <a:schemeClr val="accent1"/>
+          </a:fillRef>
+          <a:effectRef idx="0">
+            <a:schemeClr val="accent1"/>
+          </a:effectRef>
+          <a:fontRef idx="minor">
+            <a:schemeClr val="lt1"/>
+          </a:fontRef>
+        </p:style>
+        <p:txBody>
+          <a:bodyPr rtlCol="0" anchor="ctr"/>
+          <a:lstStyle/>
+          <a:p>
+            <a:pPr algn="ctr"/>
+            <a:endParaRPr lang="hr-HR"/>
+          </a:p>
+        </p:txBody>
+      </p:sp>
+      <p:sp>
+        <p:nvSpPr>
+          <p:cNvPr id="16" name="Elipsa 15">
+            <a:extLst>
+              <a:ext uri="{FF2B5EF4-FFF2-40B4-BE49-F238E27FC236}">
+                <a16:creationId xmlns:a16="http://schemas.microsoft.com/office/drawing/2014/main" id="{697B4A5D-331A-4851-ADF5-2A982F9F5275}"/>
+              </a:ext>
+            </a:extLst>
+          </p:cNvPr>
+          <p:cNvSpPr/>
+          <p:nvPr/>
+        </p:nvSpPr>
+        <p:spPr>
+          <a:xfrm>
+            <a:off x="5534692" y="2789311"/>
+            <a:ext cx="417964" cy="417964"/>
+          </a:xfrm>
+          <a:prstGeom prst="ellipse">
+            <a:avLst/>
+          </a:prstGeom>
+          <a:solidFill>
+            <a:schemeClr val="tx1"/>
+          </a:solidFill>
+        </p:spPr>
+        <p:style>
+          <a:lnRef idx="2">
+            <a:schemeClr val="accent1">
+              <a:shade val="50000"/>
+            </a:schemeClr>
+          </a:lnRef>
+          <a:fillRef idx="1">
+            <a:schemeClr val="accent1"/>
+          </a:fillRef>
+          <a:effectRef idx="0">
+            <a:schemeClr val="accent1"/>
+          </a:effectRef>
+          <a:fontRef idx="minor">
+            <a:schemeClr val="lt1"/>
+          </a:fontRef>
+        </p:style>
+        <p:txBody>
+          <a:bodyPr rtlCol="0" anchor="ctr"/>
+          <a:lstStyle/>
+          <a:p>
+            <a:pPr algn="ctr"/>
+            <a:endParaRPr lang="hr-HR"/>
+          </a:p>
+        </p:txBody>
+      </p:sp>
+      <p:sp>
+        <p:nvSpPr>
+          <p:cNvPr id="17" name="Elipsa 16">
+            <a:extLst>
+              <a:ext uri="{FF2B5EF4-FFF2-40B4-BE49-F238E27FC236}">
+                <a16:creationId xmlns:a16="http://schemas.microsoft.com/office/drawing/2014/main" id="{DF04B5F7-409E-4051-9AEF-C72445FBDD98}"/>
+              </a:ext>
+            </a:extLst>
+          </p:cNvPr>
+          <p:cNvSpPr/>
+          <p:nvPr/>
+        </p:nvSpPr>
+        <p:spPr>
+          <a:xfrm>
+            <a:off x="5534692" y="3504222"/>
+            <a:ext cx="417964" cy="417964"/>
+          </a:xfrm>
+          <a:prstGeom prst="ellipse">
+            <a:avLst/>
+          </a:prstGeom>
+          <a:solidFill>
+            <a:schemeClr val="tx1"/>
+          </a:solidFill>
+        </p:spPr>
+        <p:style>
+          <a:lnRef idx="2">
+            <a:schemeClr val="accent1">
+              <a:shade val="50000"/>
+            </a:schemeClr>
+          </a:lnRef>
+          <a:fillRef idx="1">
+            <a:schemeClr val="accent1"/>
+          </a:fillRef>
+          <a:effectRef idx="0">
+            <a:schemeClr val="accent1"/>
+          </a:effectRef>
+          <a:fontRef idx="minor">
+            <a:schemeClr val="lt1"/>
+          </a:fontRef>
+        </p:style>
+        <p:txBody>
+          <a:bodyPr rtlCol="0" anchor="ctr"/>
+          <a:lstStyle/>
+          <a:p>
+            <a:pPr algn="ctr"/>
+            <a:endParaRPr lang="hr-HR"/>
+          </a:p>
+        </p:txBody>
+      </p:sp>
+      <p:sp>
+        <p:nvSpPr>
+          <p:cNvPr id="18" name="Elipsa 17">
+            <a:extLst>
+              <a:ext uri="{FF2B5EF4-FFF2-40B4-BE49-F238E27FC236}">
+                <a16:creationId xmlns:a16="http://schemas.microsoft.com/office/drawing/2014/main" id="{96AB0E27-7F97-4207-A15B-E65395439A70}"/>
+              </a:ext>
+            </a:extLst>
+          </p:cNvPr>
+          <p:cNvSpPr/>
+          <p:nvPr/>
+        </p:nvSpPr>
+        <p:spPr>
+          <a:xfrm>
+            <a:off x="5534692" y="4219134"/>
+            <a:ext cx="417964" cy="417964"/>
+          </a:xfrm>
+          <a:prstGeom prst="ellipse">
+            <a:avLst/>
+          </a:prstGeom>
+          <a:solidFill>
+            <a:schemeClr val="tx1"/>
+          </a:solidFill>
+        </p:spPr>
+        <p:style>
+          <a:lnRef idx="2">
+            <a:schemeClr val="accent1">
+              <a:shade val="50000"/>
+            </a:schemeClr>
+          </a:lnRef>
+          <a:fillRef idx="1">
+            <a:schemeClr val="accent1"/>
+          </a:fillRef>
+          <a:effectRef idx="0">
+            <a:schemeClr val="accent1"/>
+          </a:effectRef>
+          <a:fontRef idx="minor">
+            <a:schemeClr val="lt1"/>
+          </a:fontRef>
+        </p:style>
+        <p:txBody>
+          <a:bodyPr rtlCol="0" anchor="ctr"/>
+          <a:lstStyle/>
+          <a:p>
+            <a:pPr algn="ctr"/>
+            <a:endParaRPr lang="hr-HR"/>
+          </a:p>
+        </p:txBody>
+      </p:sp>
+      <p:sp>
+        <p:nvSpPr>
+          <p:cNvPr id="19" name="Elipsa 18">
+            <a:extLst>
+              <a:ext uri="{FF2B5EF4-FFF2-40B4-BE49-F238E27FC236}">
+                <a16:creationId xmlns:a16="http://schemas.microsoft.com/office/drawing/2014/main" id="{C48897E3-0F2B-4F25-9510-D37460F288DA}"/>
+              </a:ext>
+            </a:extLst>
+          </p:cNvPr>
+          <p:cNvSpPr/>
+          <p:nvPr/>
+        </p:nvSpPr>
+        <p:spPr>
+          <a:xfrm>
+            <a:off x="6307877" y="2077740"/>
+            <a:ext cx="417964" cy="417964"/>
+          </a:xfrm>
+          <a:prstGeom prst="ellipse">
+            <a:avLst/>
+          </a:prstGeom>
+          <a:solidFill>
+            <a:schemeClr val="tx1"/>
+          </a:solidFill>
+        </p:spPr>
+        <p:style>
+          <a:lnRef idx="2">
+            <a:schemeClr val="accent1">
+              <a:shade val="50000"/>
+            </a:schemeClr>
+          </a:lnRef>
+          <a:fillRef idx="1">
+            <a:schemeClr val="accent1"/>
+          </a:fillRef>
+          <a:effectRef idx="0">
+            <a:schemeClr val="accent1"/>
+          </a:effectRef>
+          <a:fontRef idx="minor">
+            <a:schemeClr val="lt1"/>
+          </a:fontRef>
+        </p:style>
+        <p:txBody>
+          <a:bodyPr rtlCol="0" anchor="ctr"/>
+          <a:lstStyle/>
+          <a:p>
+            <a:pPr algn="ctr"/>
+            <a:endParaRPr lang="hr-HR"/>
+          </a:p>
+        </p:txBody>
+      </p:sp>
+      <p:sp>
+        <p:nvSpPr>
+          <p:cNvPr id="20" name="Elipsa 19">
+            <a:extLst>
+              <a:ext uri="{FF2B5EF4-FFF2-40B4-BE49-F238E27FC236}">
+                <a16:creationId xmlns:a16="http://schemas.microsoft.com/office/drawing/2014/main" id="{134DEC52-4E14-47C9-BBC4-247D5E54A9A3}"/>
+              </a:ext>
+            </a:extLst>
+          </p:cNvPr>
+          <p:cNvSpPr/>
+          <p:nvPr/>
+        </p:nvSpPr>
+        <p:spPr>
+          <a:xfrm>
+            <a:off x="6307877" y="2745533"/>
+            <a:ext cx="417964" cy="417964"/>
+          </a:xfrm>
+          <a:prstGeom prst="ellipse">
+            <a:avLst/>
+          </a:prstGeom>
+          <a:solidFill>
+            <a:schemeClr val="tx1"/>
+          </a:solidFill>
+        </p:spPr>
+        <p:style>
+          <a:lnRef idx="2">
+            <a:schemeClr val="accent1">
+              <a:shade val="50000"/>
+            </a:schemeClr>
+          </a:lnRef>
+          <a:fillRef idx="1">
+            <a:schemeClr val="accent1"/>
+          </a:fillRef>
+          <a:effectRef idx="0">
+            <a:schemeClr val="accent1"/>
+          </a:effectRef>
+          <a:fontRef idx="minor">
+            <a:schemeClr val="lt1"/>
+          </a:fontRef>
+        </p:style>
+        <p:txBody>
+          <a:bodyPr rtlCol="0" anchor="ctr"/>
+          <a:lstStyle/>
+          <a:p>
+            <a:pPr algn="ctr"/>
+            <a:endParaRPr lang="hr-HR"/>
+          </a:p>
+        </p:txBody>
+      </p:sp>
+      <p:sp>
+        <p:nvSpPr>
+          <p:cNvPr id="21" name="Elipsa 20">
+            <a:extLst>
+              <a:ext uri="{FF2B5EF4-FFF2-40B4-BE49-F238E27FC236}">
+                <a16:creationId xmlns:a16="http://schemas.microsoft.com/office/drawing/2014/main" id="{694B0527-FEED-4238-A539-79089E594CED}"/>
+              </a:ext>
+            </a:extLst>
+          </p:cNvPr>
+          <p:cNvSpPr/>
+          <p:nvPr/>
+        </p:nvSpPr>
+        <p:spPr>
+          <a:xfrm>
+            <a:off x="6307877" y="3460444"/>
+            <a:ext cx="417964" cy="417964"/>
+          </a:xfrm>
+          <a:prstGeom prst="ellipse">
+            <a:avLst/>
+          </a:prstGeom>
+          <a:solidFill>
+            <a:schemeClr val="tx1"/>
+          </a:solidFill>
+        </p:spPr>
+        <p:style>
+          <a:lnRef idx="2">
+            <a:schemeClr val="accent1">
+              <a:shade val="50000"/>
+            </a:schemeClr>
+          </a:lnRef>
+          <a:fillRef idx="1">
+            <a:schemeClr val="accent1"/>
+          </a:fillRef>
+          <a:effectRef idx="0">
+            <a:schemeClr val="accent1"/>
+          </a:effectRef>
+          <a:fontRef idx="minor">
+            <a:schemeClr val="lt1"/>
+          </a:fontRef>
+        </p:style>
+        <p:txBody>
+          <a:bodyPr rtlCol="0" anchor="ctr"/>
+          <a:lstStyle/>
+          <a:p>
+            <a:pPr algn="ctr"/>
+            <a:endParaRPr lang="hr-HR"/>
+          </a:p>
+        </p:txBody>
+      </p:sp>
+      <p:sp>
+        <p:nvSpPr>
+          <p:cNvPr id="22" name="Elipsa 21">
+            <a:extLst>
+              <a:ext uri="{FF2B5EF4-FFF2-40B4-BE49-F238E27FC236}">
+                <a16:creationId xmlns:a16="http://schemas.microsoft.com/office/drawing/2014/main" id="{1157D4AE-8033-4F7C-854C-FD554BB85880}"/>
+              </a:ext>
+            </a:extLst>
+          </p:cNvPr>
+          <p:cNvSpPr/>
+          <p:nvPr/>
+        </p:nvSpPr>
+        <p:spPr>
+          <a:xfrm>
+            <a:off x="6307877" y="4175356"/>
+            <a:ext cx="417964" cy="417964"/>
+          </a:xfrm>
+          <a:prstGeom prst="ellipse">
+            <a:avLst/>
+          </a:prstGeom>
+          <a:solidFill>
+            <a:schemeClr val="tx1"/>
+          </a:solidFill>
+        </p:spPr>
+        <p:style>
+          <a:lnRef idx="2">
+            <a:schemeClr val="accent1">
+              <a:shade val="50000"/>
+            </a:schemeClr>
+          </a:lnRef>
+          <a:fillRef idx="1">
+            <a:schemeClr val="accent1"/>
+          </a:fillRef>
+          <a:effectRef idx="0">
+            <a:schemeClr val="accent1"/>
+          </a:effectRef>
+          <a:fontRef idx="minor">
+            <a:schemeClr val="lt1"/>
+          </a:fontRef>
+        </p:style>
+        <p:txBody>
+          <a:bodyPr rtlCol="0" anchor="ctr"/>
+          <a:lstStyle/>
+          <a:p>
+            <a:pPr algn="ctr"/>
+            <a:endParaRPr lang="hr-HR"/>
+          </a:p>
+        </p:txBody>
+      </p:sp>
+      <p:sp>
+        <p:nvSpPr>
+          <p:cNvPr id="23" name="Elipsa 22">
+            <a:extLst>
+              <a:ext uri="{FF2B5EF4-FFF2-40B4-BE49-F238E27FC236}">
+                <a16:creationId xmlns:a16="http://schemas.microsoft.com/office/drawing/2014/main" id="{B8D5BF04-96DD-4E98-B58D-938DAEFC3395}"/>
+              </a:ext>
+            </a:extLst>
+          </p:cNvPr>
+          <p:cNvSpPr/>
+          <p:nvPr/>
+        </p:nvSpPr>
+        <p:spPr>
+          <a:xfrm>
+            <a:off x="7084613" y="2121518"/>
+            <a:ext cx="417964" cy="417964"/>
+          </a:xfrm>
+          <a:prstGeom prst="ellipse">
+            <a:avLst/>
+          </a:prstGeom>
+          <a:solidFill>
+            <a:schemeClr val="tx1"/>
+          </a:solidFill>
+        </p:spPr>
+        <p:style>
+          <a:lnRef idx="2">
+            <a:schemeClr val="accent1">
+              <a:shade val="50000"/>
+            </a:schemeClr>
+          </a:lnRef>
+          <a:fillRef idx="1">
+            <a:schemeClr val="accent1"/>
+          </a:fillRef>
+          <a:effectRef idx="0">
+            <a:schemeClr val="accent1"/>
+          </a:effectRef>
+          <a:fontRef idx="minor">
+            <a:schemeClr val="lt1"/>
+          </a:fontRef>
+        </p:style>
+        <p:txBody>
+          <a:bodyPr rtlCol="0" anchor="ctr"/>
+          <a:lstStyle/>
+          <a:p>
+            <a:pPr algn="ctr"/>
+            <a:endParaRPr lang="hr-HR"/>
+          </a:p>
+        </p:txBody>
+      </p:sp>
+      <p:sp>
+        <p:nvSpPr>
+          <p:cNvPr id="24" name="Elipsa 23">
+            <a:extLst>
+              <a:ext uri="{FF2B5EF4-FFF2-40B4-BE49-F238E27FC236}">
+                <a16:creationId xmlns:a16="http://schemas.microsoft.com/office/drawing/2014/main" id="{F5CE33E7-C496-45B9-8322-F1E2AE383A2C}"/>
+              </a:ext>
+            </a:extLst>
+          </p:cNvPr>
+          <p:cNvSpPr/>
+          <p:nvPr/>
+        </p:nvSpPr>
+        <p:spPr>
+          <a:xfrm>
+            <a:off x="7084613" y="2789311"/>
+            <a:ext cx="417964" cy="417964"/>
+          </a:xfrm>
+          <a:prstGeom prst="ellipse">
+            <a:avLst/>
+          </a:prstGeom>
+          <a:solidFill>
+            <a:schemeClr val="tx1"/>
+          </a:solidFill>
+        </p:spPr>
+        <p:style>
+          <a:lnRef idx="2">
+            <a:schemeClr val="accent1">
+              <a:shade val="50000"/>
+            </a:schemeClr>
+          </a:lnRef>
+          <a:fillRef idx="1">
+            <a:schemeClr val="accent1"/>
+          </a:fillRef>
+          <a:effectRef idx="0">
+            <a:schemeClr val="accent1"/>
+          </a:effectRef>
+          <a:fontRef idx="minor">
+            <a:schemeClr val="lt1"/>
+          </a:fontRef>
+        </p:style>
+        <p:txBody>
+          <a:bodyPr rtlCol="0" anchor="ctr"/>
+          <a:lstStyle/>
+          <a:p>
+            <a:pPr algn="ctr"/>
+            <a:endParaRPr lang="hr-HR"/>
+          </a:p>
+        </p:txBody>
+      </p:sp>
+      <p:sp>
+        <p:nvSpPr>
+          <p:cNvPr id="25" name="Elipsa 24">
+            <a:extLst>
+              <a:ext uri="{FF2B5EF4-FFF2-40B4-BE49-F238E27FC236}">
+                <a16:creationId xmlns:a16="http://schemas.microsoft.com/office/drawing/2014/main" id="{1C91FC9B-4BFA-4A26-9D05-4925CBF20B95}"/>
+              </a:ext>
+            </a:extLst>
+          </p:cNvPr>
+          <p:cNvSpPr/>
+          <p:nvPr/>
+        </p:nvSpPr>
+        <p:spPr>
+          <a:xfrm>
+            <a:off x="7084613" y="3504222"/>
+            <a:ext cx="417964" cy="417964"/>
+          </a:xfrm>
+          <a:prstGeom prst="ellipse">
+            <a:avLst/>
+          </a:prstGeom>
+          <a:solidFill>
+            <a:schemeClr val="tx1"/>
+          </a:solidFill>
+        </p:spPr>
+        <p:style>
+          <a:lnRef idx="2">
+            <a:schemeClr val="accent1">
+              <a:shade val="50000"/>
+            </a:schemeClr>
+          </a:lnRef>
+          <a:fillRef idx="1">
+            <a:schemeClr val="accent1"/>
+          </a:fillRef>
+          <a:effectRef idx="0">
+            <a:schemeClr val="accent1"/>
+          </a:effectRef>
+          <a:fontRef idx="minor">
+            <a:schemeClr val="lt1"/>
+          </a:fontRef>
+        </p:style>
+        <p:txBody>
+          <a:bodyPr rtlCol="0" anchor="ctr"/>
+          <a:lstStyle/>
+          <a:p>
+            <a:pPr algn="ctr"/>
+            <a:endParaRPr lang="hr-HR"/>
+          </a:p>
+        </p:txBody>
+      </p:sp>
+      <p:sp>
+        <p:nvSpPr>
+          <p:cNvPr id="26" name="Elipsa 25">
+            <a:extLst>
+              <a:ext uri="{FF2B5EF4-FFF2-40B4-BE49-F238E27FC236}">
+                <a16:creationId xmlns:a16="http://schemas.microsoft.com/office/drawing/2014/main" id="{89E4AB8F-2C8D-4B04-A31C-7A8C2820A74C}"/>
+              </a:ext>
+            </a:extLst>
+          </p:cNvPr>
+          <p:cNvSpPr/>
+          <p:nvPr/>
+        </p:nvSpPr>
+        <p:spPr>
+          <a:xfrm>
+            <a:off x="7084613" y="4219134"/>
+            <a:ext cx="417964" cy="417964"/>
+          </a:xfrm>
+          <a:prstGeom prst="ellipse">
+            <a:avLst/>
+          </a:prstGeom>
+          <a:solidFill>
+            <a:schemeClr val="tx1"/>
+          </a:solidFill>
+        </p:spPr>
+        <p:style>
+          <a:lnRef idx="2">
+            <a:schemeClr val="accent1">
+              <a:shade val="50000"/>
+            </a:schemeClr>
+          </a:lnRef>
+          <a:fillRef idx="1">
+            <a:schemeClr val="accent1"/>
+          </a:fillRef>
+          <a:effectRef idx="0">
+            <a:schemeClr val="accent1"/>
+          </a:effectRef>
+          <a:fontRef idx="minor">
+            <a:schemeClr val="lt1"/>
+          </a:fontRef>
+        </p:style>
+        <p:txBody>
+          <a:bodyPr rtlCol="0" anchor="ctr"/>
+          <a:lstStyle/>
+          <a:p>
+            <a:pPr algn="ctr"/>
+            <a:endParaRPr lang="hr-HR"/>
+          </a:p>
+        </p:txBody>
+      </p:sp>
+      <p:sp>
+        <p:nvSpPr>
+          <p:cNvPr id="27" name="Elipsa 26">
+            <a:extLst>
+              <a:ext uri="{FF2B5EF4-FFF2-40B4-BE49-F238E27FC236}">
+                <a16:creationId xmlns:a16="http://schemas.microsoft.com/office/drawing/2014/main" id="{5E5EAF5C-FB55-49B4-A751-5B05CEE875A5}"/>
+              </a:ext>
+            </a:extLst>
+          </p:cNvPr>
+          <p:cNvSpPr/>
+          <p:nvPr/>
+        </p:nvSpPr>
+        <p:spPr>
+          <a:xfrm>
+            <a:off x="7857798" y="2077740"/>
+            <a:ext cx="417964" cy="417964"/>
+          </a:xfrm>
+          <a:prstGeom prst="ellipse">
+            <a:avLst/>
+          </a:prstGeom>
+          <a:solidFill>
+            <a:schemeClr val="tx1"/>
+          </a:solidFill>
+        </p:spPr>
+        <p:style>
+          <a:lnRef idx="2">
+            <a:schemeClr val="accent1">
+              <a:shade val="50000"/>
+            </a:schemeClr>
+          </a:lnRef>
+          <a:fillRef idx="1">
+            <a:schemeClr val="accent1"/>
+          </a:fillRef>
+          <a:effectRef idx="0">
+            <a:schemeClr val="accent1"/>
+          </a:effectRef>
+          <a:fontRef idx="minor">
+            <a:schemeClr val="lt1"/>
+          </a:fontRef>
+        </p:style>
+        <p:txBody>
+          <a:bodyPr rtlCol="0" anchor="ctr"/>
+          <a:lstStyle/>
+          <a:p>
+            <a:pPr algn="ctr"/>
+            <a:endParaRPr lang="hr-HR"/>
+          </a:p>
+        </p:txBody>
+      </p:sp>
+      <p:sp>
+        <p:nvSpPr>
+          <p:cNvPr id="28" name="Elipsa 27">
+            <a:extLst>
+              <a:ext uri="{FF2B5EF4-FFF2-40B4-BE49-F238E27FC236}">
+                <a16:creationId xmlns:a16="http://schemas.microsoft.com/office/drawing/2014/main" id="{9A90F63F-5322-4E3F-81A7-D9AF4E8E5EB3}"/>
+              </a:ext>
+            </a:extLst>
+          </p:cNvPr>
+          <p:cNvSpPr/>
+          <p:nvPr/>
+        </p:nvSpPr>
+        <p:spPr>
+          <a:xfrm>
+            <a:off x="7857798" y="2745533"/>
+            <a:ext cx="417964" cy="417964"/>
+          </a:xfrm>
+          <a:prstGeom prst="ellipse">
+            <a:avLst/>
+          </a:prstGeom>
+          <a:solidFill>
+            <a:schemeClr val="tx1"/>
+          </a:solidFill>
+        </p:spPr>
+        <p:style>
+          <a:lnRef idx="2">
+            <a:schemeClr val="accent1">
+              <a:shade val="50000"/>
+            </a:schemeClr>
+          </a:lnRef>
+          <a:fillRef idx="1">
+            <a:schemeClr val="accent1"/>
+          </a:fillRef>
+          <a:effectRef idx="0">
+            <a:schemeClr val="accent1"/>
+          </a:effectRef>
+          <a:fontRef idx="minor">
+            <a:schemeClr val="lt1"/>
+          </a:fontRef>
+        </p:style>
+        <p:txBody>
+          <a:bodyPr rtlCol="0" anchor="ctr"/>
+          <a:lstStyle/>
+          <a:p>
+            <a:pPr algn="ctr"/>
+            <a:endParaRPr lang="hr-HR"/>
+          </a:p>
+        </p:txBody>
+      </p:sp>
+      <p:sp>
+        <p:nvSpPr>
+          <p:cNvPr id="29" name="Elipsa 28">
+            <a:extLst>
+              <a:ext uri="{FF2B5EF4-FFF2-40B4-BE49-F238E27FC236}">
+                <a16:creationId xmlns:a16="http://schemas.microsoft.com/office/drawing/2014/main" id="{EF7320DF-3B86-4357-BD24-94D15D75F8A5}"/>
+              </a:ext>
+            </a:extLst>
+          </p:cNvPr>
+          <p:cNvSpPr/>
+          <p:nvPr/>
+        </p:nvSpPr>
+        <p:spPr>
+          <a:xfrm>
+            <a:off x="7857798" y="3460444"/>
+            <a:ext cx="417964" cy="417964"/>
+          </a:xfrm>
+          <a:prstGeom prst="ellipse">
+            <a:avLst/>
+          </a:prstGeom>
+          <a:solidFill>
+            <a:schemeClr val="tx1"/>
+          </a:solidFill>
+        </p:spPr>
+        <p:style>
+          <a:lnRef idx="2">
+            <a:schemeClr val="accent1">
+              <a:shade val="50000"/>
+            </a:schemeClr>
+          </a:lnRef>
+          <a:fillRef idx="1">
+            <a:schemeClr val="accent1"/>
+          </a:fillRef>
+          <a:effectRef idx="0">
+            <a:schemeClr val="accent1"/>
+          </a:effectRef>
+          <a:fontRef idx="minor">
+            <a:schemeClr val="lt1"/>
+          </a:fontRef>
+        </p:style>
+        <p:txBody>
+          <a:bodyPr rtlCol="0" anchor="ctr"/>
+          <a:lstStyle/>
+          <a:p>
+            <a:pPr algn="ctr"/>
+            <a:endParaRPr lang="hr-HR"/>
+          </a:p>
+        </p:txBody>
+      </p:sp>
+      <p:sp>
+        <p:nvSpPr>
+          <p:cNvPr id="30" name="Elipsa 29">
+            <a:extLst>
+              <a:ext uri="{FF2B5EF4-FFF2-40B4-BE49-F238E27FC236}">
+                <a16:creationId xmlns:a16="http://schemas.microsoft.com/office/drawing/2014/main" id="{E8083F48-E95D-48D4-82B8-8C4170D6F068}"/>
+              </a:ext>
+            </a:extLst>
+          </p:cNvPr>
+          <p:cNvSpPr/>
+          <p:nvPr/>
+        </p:nvSpPr>
+        <p:spPr>
+          <a:xfrm>
+            <a:off x="7857798" y="4175356"/>
+            <a:ext cx="417964" cy="417964"/>
+          </a:xfrm>
+          <a:prstGeom prst="ellipse">
+            <a:avLst/>
+          </a:prstGeom>
+          <a:solidFill>
+            <a:schemeClr val="tx1"/>
+          </a:solidFill>
+        </p:spPr>
+        <p:style>
+          <a:lnRef idx="2">
+            <a:schemeClr val="accent1">
+              <a:shade val="50000"/>
+            </a:schemeClr>
+          </a:lnRef>
+          <a:fillRef idx="1">
+            <a:schemeClr val="accent1"/>
+          </a:fillRef>
+          <a:effectRef idx="0">
+            <a:schemeClr val="accent1"/>
+          </a:effectRef>
+          <a:fontRef idx="minor">
+            <a:schemeClr val="lt1"/>
+          </a:fontRef>
+        </p:style>
+        <p:txBody>
+          <a:bodyPr rtlCol="0" anchor="ctr"/>
+          <a:lstStyle/>
+          <a:p>
+            <a:pPr algn="ctr"/>
+            <a:endParaRPr lang="hr-HR"/>
+          </a:p>
+        </p:txBody>
+      </p:sp>
+      <p:cxnSp>
+        <p:nvCxnSpPr>
+          <p:cNvPr id="38" name="Ravni poveznik 37">
+            <a:extLst>
+              <a:ext uri="{FF2B5EF4-FFF2-40B4-BE49-F238E27FC236}">
+                <a16:creationId xmlns:a16="http://schemas.microsoft.com/office/drawing/2014/main" id="{08CB84FD-9DCD-445C-9625-5005C2D742F9}"/>
+              </a:ext>
+            </a:extLst>
+          </p:cNvPr>
+          <p:cNvCxnSpPr>
+            <a:cxnSpLocks/>
+          </p:cNvCxnSpPr>
+          <p:nvPr/>
+        </p:nvCxnSpPr>
+        <p:spPr>
+          <a:xfrm flipV="1">
+            <a:off x="5750175" y="1383557"/>
+            <a:ext cx="411533" cy="932982"/>
+          </a:xfrm>
+          <a:prstGeom prst="line">
+            <a:avLst/>
+          </a:prstGeom>
+          <a:ln w="28575">
+            <a:solidFill>
+              <a:srgbClr val="FF0000"/>
+            </a:solidFill>
+          </a:ln>
+        </p:spPr>
+        <p:style>
+          <a:lnRef idx="1">
+            <a:schemeClr val="accent1"/>
+          </a:lnRef>
+          <a:fillRef idx="0">
+            <a:schemeClr val="accent1"/>
+          </a:fillRef>
+          <a:effectRef idx="0">
+            <a:schemeClr val="accent1"/>
+          </a:effectRef>
+          <a:fontRef idx="minor">
+            <a:schemeClr val="tx1"/>
+          </a:fontRef>
+        </p:style>
+      </p:cxnSp>
+      <p:cxnSp>
+        <p:nvCxnSpPr>
+          <p:cNvPr id="39" name="Ravni poveznik 38">
+            <a:extLst>
+              <a:ext uri="{FF2B5EF4-FFF2-40B4-BE49-F238E27FC236}">
+                <a16:creationId xmlns:a16="http://schemas.microsoft.com/office/drawing/2014/main" id="{2BCD961A-044A-4569-B320-7A6CC2D66827}"/>
+              </a:ext>
+            </a:extLst>
+          </p:cNvPr>
+          <p:cNvCxnSpPr>
+            <a:cxnSpLocks/>
+          </p:cNvCxnSpPr>
+          <p:nvPr/>
+        </p:nvCxnSpPr>
+        <p:spPr>
+          <a:xfrm flipV="1">
+            <a:off x="5724463" y="1512177"/>
+            <a:ext cx="426164" cy="1529831"/>
+          </a:xfrm>
+          <a:prstGeom prst="line">
+            <a:avLst/>
+          </a:prstGeom>
+          <a:ln w="28575">
+            <a:solidFill>
+              <a:srgbClr val="FF0000"/>
+            </a:solidFill>
+          </a:ln>
+        </p:spPr>
+        <p:style>
+          <a:lnRef idx="1">
+            <a:schemeClr val="accent1"/>
+          </a:lnRef>
+          <a:fillRef idx="0">
+            <a:schemeClr val="accent1"/>
+          </a:fillRef>
+          <a:effectRef idx="0">
+            <a:schemeClr val="accent1"/>
+          </a:effectRef>
+          <a:fontRef idx="minor">
+            <a:schemeClr val="tx1"/>
+          </a:fontRef>
+        </p:style>
+      </p:cxnSp>
+      <p:cxnSp>
+        <p:nvCxnSpPr>
+          <p:cNvPr id="41" name="Ravni poveznik 40">
+            <a:extLst>
+              <a:ext uri="{FF2B5EF4-FFF2-40B4-BE49-F238E27FC236}">
+                <a16:creationId xmlns:a16="http://schemas.microsoft.com/office/drawing/2014/main" id="{64F5F5B5-0BB8-45B8-8880-C1B6694E8817}"/>
+              </a:ext>
+            </a:extLst>
+          </p:cNvPr>
+          <p:cNvCxnSpPr>
+            <a:cxnSpLocks/>
+          </p:cNvCxnSpPr>
+          <p:nvPr/>
+        </p:nvCxnSpPr>
+        <p:spPr>
+          <a:xfrm flipH="1" flipV="1">
+            <a:off x="6151000" y="1686223"/>
+            <a:ext cx="382917" cy="619471"/>
+          </a:xfrm>
+          <a:prstGeom prst="line">
+            <a:avLst/>
+          </a:prstGeom>
+          <a:ln w="28575">
+            <a:solidFill>
+              <a:srgbClr val="FF0000"/>
+            </a:solidFill>
+          </a:ln>
+        </p:spPr>
+        <p:style>
+          <a:lnRef idx="1">
+            <a:schemeClr val="accent1"/>
+          </a:lnRef>
+          <a:fillRef idx="0">
+            <a:schemeClr val="accent1"/>
+          </a:fillRef>
+          <a:effectRef idx="0">
+            <a:schemeClr val="accent1"/>
+          </a:effectRef>
+          <a:fontRef idx="minor">
+            <a:schemeClr val="tx1"/>
+          </a:fontRef>
+        </p:style>
+      </p:cxnSp>
+      <p:cxnSp>
+        <p:nvCxnSpPr>
+          <p:cNvPr id="43" name="Ravni poveznik 42">
+            <a:extLst>
+              <a:ext uri="{FF2B5EF4-FFF2-40B4-BE49-F238E27FC236}">
+                <a16:creationId xmlns:a16="http://schemas.microsoft.com/office/drawing/2014/main" id="{0DA73590-109E-4D9A-98C5-3C597C15D298}"/>
+              </a:ext>
+            </a:extLst>
+          </p:cNvPr>
+          <p:cNvCxnSpPr>
+            <a:cxnSpLocks/>
+          </p:cNvCxnSpPr>
+          <p:nvPr/>
+        </p:nvCxnSpPr>
+        <p:spPr>
+          <a:xfrm flipH="1" flipV="1">
+            <a:off x="6156937" y="1864908"/>
+            <a:ext cx="379385" cy="1133385"/>
+          </a:xfrm>
+          <a:prstGeom prst="line">
+            <a:avLst/>
+          </a:prstGeom>
+          <a:ln w="28575">
+            <a:solidFill>
+              <a:srgbClr val="FF0000"/>
+            </a:solidFill>
+          </a:ln>
+        </p:spPr>
+        <p:style>
+          <a:lnRef idx="1">
+            <a:schemeClr val="accent1"/>
+          </a:lnRef>
+          <a:fillRef idx="0">
+            <a:schemeClr val="accent1"/>
+          </a:fillRef>
+          <a:effectRef idx="0">
+            <a:schemeClr val="accent1"/>
+          </a:effectRef>
+          <a:fontRef idx="minor">
+            <a:schemeClr val="tx1"/>
+          </a:fontRef>
+        </p:style>
+      </p:cxnSp>
+      <p:cxnSp>
+        <p:nvCxnSpPr>
+          <p:cNvPr id="50" name="Ravni poveznik 49">
+            <a:extLst>
+              <a:ext uri="{FF2B5EF4-FFF2-40B4-BE49-F238E27FC236}">
+                <a16:creationId xmlns:a16="http://schemas.microsoft.com/office/drawing/2014/main" id="{4CD53794-9642-45FD-9748-1A2E7DD318B3}"/>
+              </a:ext>
+            </a:extLst>
+          </p:cNvPr>
+          <p:cNvCxnSpPr>
+            <a:cxnSpLocks/>
+          </p:cNvCxnSpPr>
+          <p:nvPr/>
+        </p:nvCxnSpPr>
+        <p:spPr>
+          <a:xfrm flipH="1" flipV="1">
+            <a:off x="5774149" y="3720651"/>
+            <a:ext cx="904889" cy="1575203"/>
+          </a:xfrm>
+          <a:prstGeom prst="line">
+            <a:avLst/>
+          </a:prstGeom>
+          <a:ln w="28575">
+            <a:solidFill>
+              <a:srgbClr val="FF0000"/>
+            </a:solidFill>
+          </a:ln>
+        </p:spPr>
+        <p:style>
+          <a:lnRef idx="1">
+            <a:schemeClr val="accent1"/>
+          </a:lnRef>
+          <a:fillRef idx="0">
+            <a:schemeClr val="accent1"/>
+          </a:fillRef>
+          <a:effectRef idx="0">
+            <a:schemeClr val="accent1"/>
+          </a:effectRef>
+          <a:fontRef idx="minor">
+            <a:schemeClr val="tx1"/>
+          </a:fontRef>
+        </p:style>
+      </p:cxnSp>
+      <p:cxnSp>
+        <p:nvCxnSpPr>
+          <p:cNvPr id="51" name="Ravni poveznik 50">
+            <a:extLst>
+              <a:ext uri="{FF2B5EF4-FFF2-40B4-BE49-F238E27FC236}">
+                <a16:creationId xmlns:a16="http://schemas.microsoft.com/office/drawing/2014/main" id="{3DEA0AD3-B822-418A-A328-3F12FA093961}"/>
+              </a:ext>
+            </a:extLst>
+          </p:cNvPr>
+          <p:cNvCxnSpPr>
+            <a:cxnSpLocks/>
+          </p:cNvCxnSpPr>
+          <p:nvPr/>
+        </p:nvCxnSpPr>
+        <p:spPr>
+          <a:xfrm flipH="1" flipV="1">
+            <a:off x="5808343" y="4390978"/>
+            <a:ext cx="702555" cy="904876"/>
+          </a:xfrm>
+          <a:prstGeom prst="line">
+            <a:avLst/>
+          </a:prstGeom>
+          <a:ln w="28575">
+            <a:solidFill>
+              <a:srgbClr val="FF0000"/>
+            </a:solidFill>
+          </a:ln>
+        </p:spPr>
+        <p:style>
+          <a:lnRef idx="1">
+            <a:schemeClr val="accent1"/>
+          </a:lnRef>
+          <a:fillRef idx="0">
+            <a:schemeClr val="accent1"/>
+          </a:fillRef>
+          <a:effectRef idx="0">
+            <a:schemeClr val="accent1"/>
+          </a:effectRef>
+          <a:fontRef idx="minor">
+            <a:schemeClr val="tx1"/>
+          </a:fontRef>
+        </p:style>
+      </p:cxnSp>
+      <p:cxnSp>
+        <p:nvCxnSpPr>
+          <p:cNvPr id="52" name="Ravni poveznik 51">
+            <a:extLst>
+              <a:ext uri="{FF2B5EF4-FFF2-40B4-BE49-F238E27FC236}">
+                <a16:creationId xmlns:a16="http://schemas.microsoft.com/office/drawing/2014/main" id="{7DA83BA2-22E7-41C4-AA5F-57BBECB4F19D}"/>
+              </a:ext>
+            </a:extLst>
+          </p:cNvPr>
+          <p:cNvCxnSpPr>
+            <a:cxnSpLocks/>
+            <a:stCxn id="13" idx="2"/>
+          </p:cNvCxnSpPr>
+          <p:nvPr/>
+        </p:nvCxnSpPr>
+        <p:spPr>
+          <a:xfrm flipV="1">
+            <a:off x="7834350" y="4299053"/>
+            <a:ext cx="162133" cy="1002524"/>
+          </a:xfrm>
+          <a:prstGeom prst="line">
+            <a:avLst/>
+          </a:prstGeom>
+          <a:ln w="28575">
+            <a:solidFill>
+              <a:srgbClr val="FF0000"/>
+            </a:solidFill>
+          </a:ln>
+        </p:spPr>
+        <p:style>
+          <a:lnRef idx="1">
+            <a:schemeClr val="accent1"/>
+          </a:lnRef>
+          <a:fillRef idx="0">
+            <a:schemeClr val="accent1"/>
+          </a:fillRef>
+          <a:effectRef idx="0">
+            <a:schemeClr val="accent1"/>
+          </a:effectRef>
+          <a:fontRef idx="minor">
+            <a:schemeClr val="tx1"/>
+          </a:fontRef>
+        </p:style>
+      </p:cxnSp>
+      <p:cxnSp>
+        <p:nvCxnSpPr>
+          <p:cNvPr id="53" name="Ravni poveznik 52">
+            <a:extLst>
+              <a:ext uri="{FF2B5EF4-FFF2-40B4-BE49-F238E27FC236}">
+                <a16:creationId xmlns:a16="http://schemas.microsoft.com/office/drawing/2014/main" id="{7461AD49-5A03-4C8D-8BE7-DA7ED974B081}"/>
+              </a:ext>
+            </a:extLst>
+          </p:cNvPr>
+          <p:cNvCxnSpPr>
+            <a:cxnSpLocks/>
+          </p:cNvCxnSpPr>
+          <p:nvPr/>
+        </p:nvCxnSpPr>
+        <p:spPr>
+          <a:xfrm flipV="1">
+            <a:off x="7566182" y="3690185"/>
+            <a:ext cx="426164" cy="1529831"/>
+          </a:xfrm>
+          <a:prstGeom prst="line">
+            <a:avLst/>
+          </a:prstGeom>
+          <a:ln w="28575">
+            <a:solidFill>
+              <a:srgbClr val="FF0000"/>
+            </a:solidFill>
+          </a:ln>
+        </p:spPr>
+        <p:style>
+          <a:lnRef idx="1">
+            <a:schemeClr val="accent1"/>
+          </a:lnRef>
+          <a:fillRef idx="0">
+            <a:schemeClr val="accent1"/>
+          </a:fillRef>
+          <a:effectRef idx="0">
+            <a:schemeClr val="accent1"/>
+          </a:effectRef>
+          <a:fontRef idx="minor">
+            <a:schemeClr val="tx1"/>
+          </a:fontRef>
+        </p:style>
+      </p:cxnSp>
+      <p:cxnSp>
+        <p:nvCxnSpPr>
+          <p:cNvPr id="54" name="Ravni poveznik 53">
+            <a:extLst>
+              <a:ext uri="{FF2B5EF4-FFF2-40B4-BE49-F238E27FC236}">
+                <a16:creationId xmlns:a16="http://schemas.microsoft.com/office/drawing/2014/main" id="{B266CAA5-0827-40D6-8683-C5F7C5BC4E96}"/>
+              </a:ext>
+            </a:extLst>
+          </p:cNvPr>
+          <p:cNvCxnSpPr>
+            <a:cxnSpLocks/>
+          </p:cNvCxnSpPr>
+          <p:nvPr/>
+        </p:nvCxnSpPr>
+        <p:spPr>
+          <a:xfrm flipH="1" flipV="1">
+            <a:off x="7326514" y="4428116"/>
+            <a:ext cx="67398" cy="823328"/>
+          </a:xfrm>
+          <a:prstGeom prst="line">
+            <a:avLst/>
+          </a:prstGeom>
+          <a:ln w="28575">
+            <a:solidFill>
+              <a:srgbClr val="FF0000"/>
+            </a:solidFill>
+          </a:ln>
+        </p:spPr>
+        <p:style>
+          <a:lnRef idx="1">
+            <a:schemeClr val="accent1"/>
+          </a:lnRef>
+          <a:fillRef idx="0">
+            <a:schemeClr val="accent1"/>
+          </a:fillRef>
+          <a:effectRef idx="0">
+            <a:schemeClr val="accent1"/>
+          </a:effectRef>
+          <a:fontRef idx="minor">
+            <a:schemeClr val="tx1"/>
+          </a:fontRef>
+        </p:style>
+      </p:cxnSp>
+      <p:cxnSp>
+        <p:nvCxnSpPr>
+          <p:cNvPr id="55" name="Ravni poveznik 54">
+            <a:extLst>
+              <a:ext uri="{FF2B5EF4-FFF2-40B4-BE49-F238E27FC236}">
+                <a16:creationId xmlns:a16="http://schemas.microsoft.com/office/drawing/2014/main" id="{A7E7B7F6-94B8-4043-9B4C-963DD0ED64FD}"/>
+              </a:ext>
+            </a:extLst>
+          </p:cNvPr>
+          <p:cNvCxnSpPr>
+            <a:cxnSpLocks/>
+          </p:cNvCxnSpPr>
+          <p:nvPr/>
+        </p:nvCxnSpPr>
+        <p:spPr>
+          <a:xfrm flipV="1">
+            <a:off x="7195647" y="3648667"/>
+            <a:ext cx="122018" cy="1605128"/>
+          </a:xfrm>
+          <a:prstGeom prst="line">
+            <a:avLst/>
+          </a:prstGeom>
+          <a:ln w="28575">
+            <a:solidFill>
+              <a:srgbClr val="FF0000"/>
+            </a:solidFill>
+          </a:ln>
+        </p:spPr>
+        <p:style>
+          <a:lnRef idx="1">
+            <a:schemeClr val="accent1"/>
+          </a:lnRef>
+          <a:fillRef idx="0">
+            <a:schemeClr val="accent1"/>
+          </a:fillRef>
+          <a:effectRef idx="0">
+            <a:schemeClr val="accent1"/>
+          </a:effectRef>
+          <a:fontRef idx="minor">
+            <a:schemeClr val="tx1"/>
+          </a:fontRef>
+        </p:style>
+      </p:cxnSp>
+      <p:cxnSp>
+        <p:nvCxnSpPr>
+          <p:cNvPr id="56" name="Ravni poveznik 55">
+            <a:extLst>
+              <a:ext uri="{FF2B5EF4-FFF2-40B4-BE49-F238E27FC236}">
+                <a16:creationId xmlns:a16="http://schemas.microsoft.com/office/drawing/2014/main" id="{6BFB9FED-0A32-41BA-A3B2-29884E6DD22B}"/>
+              </a:ext>
+            </a:extLst>
+          </p:cNvPr>
+          <p:cNvCxnSpPr>
+            <a:cxnSpLocks/>
+          </p:cNvCxnSpPr>
+          <p:nvPr/>
+        </p:nvCxnSpPr>
+        <p:spPr>
+          <a:xfrm>
+            <a:off x="6530090" y="3669426"/>
+            <a:ext cx="327025" cy="1667373"/>
+          </a:xfrm>
+          <a:prstGeom prst="line">
+            <a:avLst/>
+          </a:prstGeom>
+          <a:ln w="28575">
+            <a:solidFill>
+              <a:srgbClr val="FF0000"/>
+            </a:solidFill>
+          </a:ln>
+        </p:spPr>
+        <p:style>
+          <a:lnRef idx="1">
+            <a:schemeClr val="accent1"/>
+          </a:lnRef>
+          <a:fillRef idx="0">
+            <a:schemeClr val="accent1"/>
+          </a:fillRef>
+          <a:effectRef idx="0">
+            <a:schemeClr val="accent1"/>
+          </a:effectRef>
+          <a:fontRef idx="minor">
+            <a:schemeClr val="tx1"/>
+          </a:fontRef>
+        </p:style>
+      </p:cxnSp>
+      <p:cxnSp>
+        <p:nvCxnSpPr>
+          <p:cNvPr id="57" name="Ravni poveznik 56">
+            <a:extLst>
+              <a:ext uri="{FF2B5EF4-FFF2-40B4-BE49-F238E27FC236}">
+                <a16:creationId xmlns:a16="http://schemas.microsoft.com/office/drawing/2014/main" id="{356A4F67-DC59-45C6-B860-69ADB3200B60}"/>
+              </a:ext>
+            </a:extLst>
+          </p:cNvPr>
+          <p:cNvCxnSpPr>
+            <a:cxnSpLocks/>
+          </p:cNvCxnSpPr>
+          <p:nvPr/>
+        </p:nvCxnSpPr>
+        <p:spPr>
+          <a:xfrm flipH="1" flipV="1">
+            <a:off x="6530090" y="4414429"/>
+            <a:ext cx="481868" cy="884215"/>
+          </a:xfrm>
+          <a:prstGeom prst="line">
+            <a:avLst/>
+          </a:prstGeom>
+          <a:ln w="28575">
+            <a:solidFill>
+              <a:srgbClr val="FF0000"/>
+            </a:solidFill>
+          </a:ln>
+        </p:spPr>
+        <p:style>
+          <a:lnRef idx="1">
+            <a:schemeClr val="accent1"/>
+          </a:lnRef>
+          <a:fillRef idx="0">
+            <a:schemeClr val="accent1"/>
+          </a:fillRef>
+          <a:effectRef idx="0">
+            <a:schemeClr val="accent1"/>
+          </a:effectRef>
+          <a:fontRef idx="minor">
+            <a:schemeClr val="tx1"/>
+          </a:fontRef>
+        </p:style>
+      </p:cxnSp>
+      <p:cxnSp>
+        <p:nvCxnSpPr>
+          <p:cNvPr id="78" name="Ravni poveznik 77">
+            <a:extLst>
+              <a:ext uri="{FF2B5EF4-FFF2-40B4-BE49-F238E27FC236}">
+                <a16:creationId xmlns:a16="http://schemas.microsoft.com/office/drawing/2014/main" id="{A298AAC0-C84E-492B-95CB-D2306EC5169E}"/>
+              </a:ext>
+            </a:extLst>
+          </p:cNvPr>
+          <p:cNvCxnSpPr>
+            <a:cxnSpLocks/>
+          </p:cNvCxnSpPr>
+          <p:nvPr/>
+        </p:nvCxnSpPr>
+        <p:spPr>
+          <a:xfrm flipV="1">
+            <a:off x="7275610" y="1400723"/>
+            <a:ext cx="476352" cy="945351"/>
+          </a:xfrm>
+          <a:prstGeom prst="line">
+            <a:avLst/>
+          </a:prstGeom>
+          <a:ln w="28575">
+            <a:solidFill>
+              <a:srgbClr val="FF0000"/>
+            </a:solidFill>
+          </a:ln>
+        </p:spPr>
+        <p:style>
+          <a:lnRef idx="1">
+            <a:schemeClr val="accent1"/>
+          </a:lnRef>
+          <a:fillRef idx="0">
+            <a:schemeClr val="accent1"/>
+          </a:fillRef>
+          <a:effectRef idx="0">
+            <a:schemeClr val="accent1"/>
+          </a:effectRef>
+          <a:fontRef idx="minor">
+            <a:schemeClr val="tx1"/>
+          </a:fontRef>
+        </p:style>
+      </p:cxnSp>
+      <p:cxnSp>
+        <p:nvCxnSpPr>
+          <p:cNvPr id="79" name="Ravni poveznik 78">
+            <a:extLst>
+              <a:ext uri="{FF2B5EF4-FFF2-40B4-BE49-F238E27FC236}">
+                <a16:creationId xmlns:a16="http://schemas.microsoft.com/office/drawing/2014/main" id="{34BDCE3A-9831-48EA-BEDB-F3DD38771E29}"/>
+              </a:ext>
+            </a:extLst>
+          </p:cNvPr>
+          <p:cNvCxnSpPr>
+            <a:cxnSpLocks/>
+          </p:cNvCxnSpPr>
+          <p:nvPr/>
+        </p:nvCxnSpPr>
+        <p:spPr>
+          <a:xfrm flipV="1">
+            <a:off x="7279866" y="1556422"/>
+            <a:ext cx="472047" cy="1473445"/>
+          </a:xfrm>
+          <a:prstGeom prst="line">
+            <a:avLst/>
+          </a:prstGeom>
+          <a:ln w="28575">
+            <a:solidFill>
+              <a:srgbClr val="FF0000"/>
+            </a:solidFill>
+          </a:ln>
+        </p:spPr>
+        <p:style>
+          <a:lnRef idx="1">
+            <a:schemeClr val="accent1"/>
+          </a:lnRef>
+          <a:fillRef idx="0">
+            <a:schemeClr val="accent1"/>
+          </a:fillRef>
+          <a:effectRef idx="0">
+            <a:schemeClr val="accent1"/>
+          </a:effectRef>
+          <a:fontRef idx="minor">
+            <a:schemeClr val="tx1"/>
+          </a:fontRef>
+        </p:style>
+      </p:cxnSp>
+      <p:cxnSp>
+        <p:nvCxnSpPr>
+          <p:cNvPr id="80" name="Ravni poveznik 79">
+            <a:extLst>
+              <a:ext uri="{FF2B5EF4-FFF2-40B4-BE49-F238E27FC236}">
+                <a16:creationId xmlns:a16="http://schemas.microsoft.com/office/drawing/2014/main" id="{0EE6B95E-9F91-4105-B91B-F23F1B321456}"/>
+              </a:ext>
+            </a:extLst>
+          </p:cNvPr>
+          <p:cNvCxnSpPr>
+            <a:cxnSpLocks/>
+          </p:cNvCxnSpPr>
+          <p:nvPr/>
+        </p:nvCxnSpPr>
+        <p:spPr>
+          <a:xfrm flipH="1" flipV="1">
+            <a:off x="7742411" y="1722332"/>
+            <a:ext cx="310446" cy="573783"/>
+          </a:xfrm>
+          <a:prstGeom prst="line">
+            <a:avLst/>
+          </a:prstGeom>
+          <a:ln w="28575">
+            <a:solidFill>
+              <a:srgbClr val="FF0000"/>
+            </a:solidFill>
+          </a:ln>
+        </p:spPr>
+        <p:style>
+          <a:lnRef idx="1">
+            <a:schemeClr val="accent1"/>
+          </a:lnRef>
+          <a:fillRef idx="0">
+            <a:schemeClr val="accent1"/>
+          </a:fillRef>
+          <a:effectRef idx="0">
+            <a:schemeClr val="accent1"/>
+          </a:effectRef>
+          <a:fontRef idx="minor">
+            <a:schemeClr val="tx1"/>
+          </a:fontRef>
+        </p:style>
+      </p:cxnSp>
+      <p:cxnSp>
+        <p:nvCxnSpPr>
+          <p:cNvPr id="81" name="Ravni poveznik 80">
+            <a:extLst>
+              <a:ext uri="{FF2B5EF4-FFF2-40B4-BE49-F238E27FC236}">
+                <a16:creationId xmlns:a16="http://schemas.microsoft.com/office/drawing/2014/main" id="{47632979-5250-4704-A1FC-EBA0C99A5640}"/>
+              </a:ext>
+            </a:extLst>
+          </p:cNvPr>
+          <p:cNvCxnSpPr>
+            <a:cxnSpLocks/>
+          </p:cNvCxnSpPr>
+          <p:nvPr/>
+        </p:nvCxnSpPr>
+        <p:spPr>
+          <a:xfrm flipH="1" flipV="1">
+            <a:off x="7787093" y="2048075"/>
+            <a:ext cx="307568" cy="942803"/>
+          </a:xfrm>
+          <a:prstGeom prst="line">
+            <a:avLst/>
+          </a:prstGeom>
+          <a:ln w="28575">
+            <a:solidFill>
+              <a:srgbClr val="FF0000"/>
+            </a:solidFill>
+          </a:ln>
+        </p:spPr>
+        <p:style>
+          <a:lnRef idx="1">
+            <a:schemeClr val="accent1"/>
+          </a:lnRef>
+          <a:fillRef idx="0">
+            <a:schemeClr val="accent1"/>
+          </a:fillRef>
+          <a:effectRef idx="0">
+            <a:schemeClr val="accent1"/>
+          </a:effectRef>
+          <a:fontRef idx="minor">
+            <a:schemeClr val="tx1"/>
+          </a:fontRef>
+        </p:style>
+      </p:cxnSp>
+      <p:sp>
+        <p:nvSpPr>
+          <p:cNvPr id="96" name="Elipsa 95">
+            <a:extLst>
+              <a:ext uri="{FF2B5EF4-FFF2-40B4-BE49-F238E27FC236}">
+                <a16:creationId xmlns:a16="http://schemas.microsoft.com/office/drawing/2014/main" id="{C8DCB05A-745E-4E5E-B3B1-90D34A44DAF1}"/>
+              </a:ext>
+            </a:extLst>
+          </p:cNvPr>
+          <p:cNvSpPr/>
+          <p:nvPr/>
+        </p:nvSpPr>
+        <p:spPr>
+          <a:xfrm>
+            <a:off x="8952631" y="2043807"/>
+            <a:ext cx="417964" cy="417964"/>
+          </a:xfrm>
+          <a:prstGeom prst="ellipse">
+            <a:avLst/>
+          </a:prstGeom>
+          <a:solidFill>
+            <a:schemeClr val="tx1"/>
+          </a:solidFill>
+        </p:spPr>
+        <p:style>
+          <a:lnRef idx="2">
+            <a:schemeClr val="accent1">
+              <a:shade val="50000"/>
+            </a:schemeClr>
+          </a:lnRef>
+          <a:fillRef idx="1">
+            <a:schemeClr val="accent1"/>
+          </a:fillRef>
+          <a:effectRef idx="0">
+            <a:schemeClr val="accent1"/>
+          </a:effectRef>
+          <a:fontRef idx="minor">
+            <a:schemeClr val="lt1"/>
+          </a:fontRef>
+        </p:style>
+        <p:txBody>
+          <a:bodyPr rtlCol="0" anchor="ctr"/>
+          <a:lstStyle/>
+          <a:p>
+            <a:pPr algn="ctr"/>
+            <a:endParaRPr lang="hr-HR"/>
+          </a:p>
+        </p:txBody>
+      </p:sp>
+      <p:cxnSp>
+        <p:nvCxnSpPr>
+          <p:cNvPr id="97" name="Ravni poveznik 96">
+            <a:extLst>
+              <a:ext uri="{FF2B5EF4-FFF2-40B4-BE49-F238E27FC236}">
+                <a16:creationId xmlns:a16="http://schemas.microsoft.com/office/drawing/2014/main" id="{94609357-2B81-413C-9B31-77C8F3911A95}"/>
+              </a:ext>
+            </a:extLst>
+          </p:cNvPr>
+          <p:cNvCxnSpPr>
+            <a:cxnSpLocks/>
+          </p:cNvCxnSpPr>
+          <p:nvPr/>
+        </p:nvCxnSpPr>
+        <p:spPr>
+          <a:xfrm flipH="1" flipV="1">
+            <a:off x="7748860" y="2214335"/>
+            <a:ext cx="1433240" cy="10247"/>
+          </a:xfrm>
+          <a:prstGeom prst="line">
+            <a:avLst/>
+          </a:prstGeom>
+          <a:ln w="28575">
+            <a:solidFill>
+              <a:srgbClr val="FF0000"/>
+            </a:solidFill>
+          </a:ln>
+        </p:spPr>
+        <p:style>
+          <a:lnRef idx="1">
+            <a:schemeClr val="accent1"/>
+          </a:lnRef>
+          <a:fillRef idx="0">
+            <a:schemeClr val="accent1"/>
+          </a:fillRef>
+          <a:effectRef idx="0">
+            <a:schemeClr val="accent1"/>
+          </a:effectRef>
+          <a:fontRef idx="minor">
+            <a:schemeClr val="tx1"/>
+          </a:fontRef>
+        </p:style>
+      </p:cxnSp>
+      <p:sp>
+        <p:nvSpPr>
+          <p:cNvPr id="103" name="TekstniOkvir 102">
+            <a:extLst>
+              <a:ext uri="{FF2B5EF4-FFF2-40B4-BE49-F238E27FC236}">
+                <a16:creationId xmlns:a16="http://schemas.microsoft.com/office/drawing/2014/main" id="{8A491FD3-74F6-4AA8-8D8E-7C2C472AAC98}"/>
+              </a:ext>
+            </a:extLst>
+          </p:cNvPr>
+          <p:cNvSpPr txBox="1"/>
+          <p:nvPr/>
+        </p:nvSpPr>
+        <p:spPr>
+          <a:xfrm>
+            <a:off x="8630438" y="1337900"/>
+            <a:ext cx="1244891" cy="646331"/>
+          </a:xfrm>
+          <a:prstGeom prst="rect">
+            <a:avLst/>
+          </a:prstGeom>
+          <a:noFill/>
+        </p:spPr>
+        <p:txBody>
+          <a:bodyPr wrap="square" rtlCol="0">
+            <a:spAutoFit/>
+          </a:bodyPr>
+          <a:lstStyle/>
+          <a:p>
+            <a:r>
+              <a:rPr lang="hr-HR" dirty="0"/>
+              <a:t>Referentna elektroda </a:t>
+            </a:r>
+          </a:p>
+        </p:txBody>
+      </p:sp>
+      <p:sp>
+        <p:nvSpPr>
+          <p:cNvPr id="104" name="Pravokutnik 103">
+            <a:extLst>
+              <a:ext uri="{FF2B5EF4-FFF2-40B4-BE49-F238E27FC236}">
+                <a16:creationId xmlns:a16="http://schemas.microsoft.com/office/drawing/2014/main" id="{1701C6C9-7CB0-499B-8C25-FF2E7A39E051}"/>
+              </a:ext>
+            </a:extLst>
+          </p:cNvPr>
+          <p:cNvSpPr/>
+          <p:nvPr/>
+        </p:nvSpPr>
+        <p:spPr>
+          <a:xfrm rot="5400000">
+            <a:off x="5804425" y="5855433"/>
+            <a:ext cx="794415" cy="315682"/>
+          </a:xfrm>
+          <a:prstGeom prst="rect">
+            <a:avLst/>
+          </a:prstGeom>
+          <a:noFill/>
+        </p:spPr>
+        <p:style>
+          <a:lnRef idx="2">
+            <a:schemeClr val="accent1">
+              <a:shade val="50000"/>
+            </a:schemeClr>
+          </a:lnRef>
+          <a:fillRef idx="1">
+            <a:schemeClr val="accent1"/>
+          </a:fillRef>
+          <a:effectRef idx="0">
+            <a:schemeClr val="accent1"/>
+          </a:effectRef>
+          <a:fontRef idx="minor">
+            <a:schemeClr val="lt1"/>
+          </a:fontRef>
+        </p:style>
+        <p:txBody>
+          <a:bodyPr rtlCol="0" anchor="ctr"/>
+          <a:lstStyle/>
+          <a:p>
+            <a:pPr algn="ctr"/>
+            <a:endParaRPr lang="hr-HR"/>
+          </a:p>
+        </p:txBody>
+      </p:sp>
+      <p:cxnSp>
+        <p:nvCxnSpPr>
+          <p:cNvPr id="106" name="Ravni poveznik 105">
+            <a:extLst>
+              <a:ext uri="{FF2B5EF4-FFF2-40B4-BE49-F238E27FC236}">
+                <a16:creationId xmlns:a16="http://schemas.microsoft.com/office/drawing/2014/main" id="{49524177-DE9A-4CBC-B54E-BB131BDD60AE}"/>
+              </a:ext>
+            </a:extLst>
+          </p:cNvPr>
+          <p:cNvCxnSpPr>
+            <a:cxnSpLocks/>
+          </p:cNvCxnSpPr>
+          <p:nvPr/>
+        </p:nvCxnSpPr>
+        <p:spPr>
+          <a:xfrm>
+            <a:off x="6049563" y="5890940"/>
+            <a:ext cx="292895" cy="0"/>
+          </a:xfrm>
+          <a:prstGeom prst="line">
+            <a:avLst/>
+          </a:prstGeom>
+        </p:spPr>
+        <p:style>
+          <a:lnRef idx="1">
+            <a:schemeClr val="accent1"/>
+          </a:lnRef>
+          <a:fillRef idx="0">
+            <a:schemeClr val="accent1"/>
+          </a:fillRef>
+          <a:effectRef idx="0">
+            <a:schemeClr val="accent1"/>
+          </a:effectRef>
+          <a:fontRef idx="minor">
+            <a:schemeClr val="tx1"/>
+          </a:fontRef>
+        </p:style>
+      </p:cxnSp>
+      <p:cxnSp>
+        <p:nvCxnSpPr>
+          <p:cNvPr id="109" name="Ravni poveznik 108">
+            <a:extLst>
+              <a:ext uri="{FF2B5EF4-FFF2-40B4-BE49-F238E27FC236}">
+                <a16:creationId xmlns:a16="http://schemas.microsoft.com/office/drawing/2014/main" id="{6505CA16-AC95-47BD-AFE4-BBEF33472ABA}"/>
+              </a:ext>
+            </a:extLst>
+          </p:cNvPr>
+          <p:cNvCxnSpPr>
+            <a:cxnSpLocks/>
+          </p:cNvCxnSpPr>
+          <p:nvPr/>
+        </p:nvCxnSpPr>
+        <p:spPr>
+          <a:xfrm>
+            <a:off x="6127750" y="5317116"/>
+            <a:ext cx="1" cy="287029"/>
+          </a:xfrm>
+          <a:prstGeom prst="line">
+            <a:avLst/>
+          </a:prstGeom>
+          <a:ln w="28575">
+            <a:solidFill>
+              <a:srgbClr val="FF0000"/>
+            </a:solidFill>
+          </a:ln>
+        </p:spPr>
+        <p:style>
+          <a:lnRef idx="1">
+            <a:schemeClr val="accent1"/>
+          </a:lnRef>
+          <a:fillRef idx="0">
+            <a:schemeClr val="accent1"/>
+          </a:fillRef>
+          <a:effectRef idx="0">
+            <a:schemeClr val="accent1"/>
+          </a:effectRef>
+          <a:fontRef idx="minor">
+            <a:schemeClr val="tx1"/>
+          </a:fontRef>
+        </p:style>
+      </p:cxnSp>
+      <p:cxnSp>
+        <p:nvCxnSpPr>
+          <p:cNvPr id="111" name="Ravni poveznik 110">
+            <a:extLst>
+              <a:ext uri="{FF2B5EF4-FFF2-40B4-BE49-F238E27FC236}">
+                <a16:creationId xmlns:a16="http://schemas.microsoft.com/office/drawing/2014/main" id="{4E6446A9-CB65-4C41-BEE1-667E9C91E511}"/>
+              </a:ext>
+            </a:extLst>
+          </p:cNvPr>
+          <p:cNvCxnSpPr>
+            <a:cxnSpLocks/>
+          </p:cNvCxnSpPr>
+          <p:nvPr/>
+        </p:nvCxnSpPr>
+        <p:spPr>
+          <a:xfrm flipH="1">
+            <a:off x="6127752" y="6542588"/>
+            <a:ext cx="565850" cy="0"/>
+          </a:xfrm>
+          <a:prstGeom prst="line">
+            <a:avLst/>
+          </a:prstGeom>
+          <a:ln w="28575">
+            <a:solidFill>
+              <a:srgbClr val="FF0000"/>
+            </a:solidFill>
+          </a:ln>
+        </p:spPr>
+        <p:style>
+          <a:lnRef idx="1">
+            <a:schemeClr val="accent1"/>
+          </a:lnRef>
+          <a:fillRef idx="0">
+            <a:schemeClr val="accent1"/>
+          </a:fillRef>
+          <a:effectRef idx="0">
+            <a:schemeClr val="accent1"/>
+          </a:effectRef>
+          <a:fontRef idx="minor">
+            <a:schemeClr val="tx1"/>
+          </a:fontRef>
+        </p:style>
+      </p:cxnSp>
+      <p:cxnSp>
+        <p:nvCxnSpPr>
+          <p:cNvPr id="113" name="Ravni poveznik 112">
+            <a:extLst>
+              <a:ext uri="{FF2B5EF4-FFF2-40B4-BE49-F238E27FC236}">
+                <a16:creationId xmlns:a16="http://schemas.microsoft.com/office/drawing/2014/main" id="{39805EDE-EC3F-4FE6-A27F-E54F7ED1E54F}"/>
+              </a:ext>
+            </a:extLst>
+          </p:cNvPr>
+          <p:cNvCxnSpPr>
+            <a:cxnSpLocks/>
+          </p:cNvCxnSpPr>
+          <p:nvPr/>
+        </p:nvCxnSpPr>
+        <p:spPr>
+          <a:xfrm>
+            <a:off x="6679038" y="5540569"/>
+            <a:ext cx="0" cy="1002019"/>
+          </a:xfrm>
+          <a:prstGeom prst="line">
+            <a:avLst/>
+          </a:prstGeom>
+          <a:ln w="28575">
+            <a:solidFill>
+              <a:srgbClr val="FF0000"/>
+            </a:solidFill>
+          </a:ln>
+        </p:spPr>
+        <p:style>
+          <a:lnRef idx="1">
+            <a:schemeClr val="accent1"/>
+          </a:lnRef>
+          <a:fillRef idx="0">
+            <a:schemeClr val="accent1"/>
+          </a:fillRef>
+          <a:effectRef idx="0">
+            <a:schemeClr val="accent1"/>
+          </a:effectRef>
+          <a:fontRef idx="minor">
+            <a:schemeClr val="tx1"/>
+          </a:fontRef>
+        </p:style>
+      </p:cxnSp>
+      <p:cxnSp>
+        <p:nvCxnSpPr>
+          <p:cNvPr id="116" name="Ravni poveznik 115">
+            <a:extLst>
+              <a:ext uri="{FF2B5EF4-FFF2-40B4-BE49-F238E27FC236}">
+                <a16:creationId xmlns:a16="http://schemas.microsoft.com/office/drawing/2014/main" id="{766310E1-6F4A-4A67-8F63-0FA1668B97D6}"/>
+              </a:ext>
+            </a:extLst>
+          </p:cNvPr>
+          <p:cNvCxnSpPr>
+            <a:cxnSpLocks/>
+          </p:cNvCxnSpPr>
+          <p:nvPr/>
+        </p:nvCxnSpPr>
+        <p:spPr>
+          <a:xfrm>
+            <a:off x="6302745" y="5546406"/>
+            <a:ext cx="376293" cy="0"/>
+          </a:xfrm>
+          <a:prstGeom prst="line">
+            <a:avLst/>
+          </a:prstGeom>
+          <a:ln w="28575">
+            <a:solidFill>
+              <a:srgbClr val="FF0000"/>
+            </a:solidFill>
+          </a:ln>
+        </p:spPr>
+        <p:style>
+          <a:lnRef idx="1">
+            <a:schemeClr val="accent1"/>
+          </a:lnRef>
+          <a:fillRef idx="0">
+            <a:schemeClr val="accent1"/>
+          </a:fillRef>
+          <a:effectRef idx="0">
+            <a:schemeClr val="accent1"/>
+          </a:effectRef>
+          <a:fontRef idx="minor">
+            <a:schemeClr val="tx1"/>
+          </a:fontRef>
+        </p:style>
+      </p:cxnSp>
+      <p:cxnSp>
+        <p:nvCxnSpPr>
+          <p:cNvPr id="120" name="Ravni poveznik 119">
+            <a:extLst>
+              <a:ext uri="{FF2B5EF4-FFF2-40B4-BE49-F238E27FC236}">
+                <a16:creationId xmlns:a16="http://schemas.microsoft.com/office/drawing/2014/main" id="{602F13D3-8010-4F37-A545-358C73C968F1}"/>
+              </a:ext>
+            </a:extLst>
+          </p:cNvPr>
+          <p:cNvCxnSpPr>
+            <a:cxnSpLocks/>
+          </p:cNvCxnSpPr>
+          <p:nvPr/>
+        </p:nvCxnSpPr>
+        <p:spPr>
+          <a:xfrm flipV="1">
+            <a:off x="6302745" y="5317116"/>
+            <a:ext cx="0" cy="239361"/>
+          </a:xfrm>
+          <a:prstGeom prst="line">
+            <a:avLst/>
+          </a:prstGeom>
+          <a:ln w="28575">
+            <a:solidFill>
+              <a:srgbClr val="FF0000"/>
+            </a:solidFill>
+          </a:ln>
+        </p:spPr>
+        <p:style>
+          <a:lnRef idx="1">
+            <a:schemeClr val="accent1"/>
+          </a:lnRef>
+          <a:fillRef idx="0">
+            <a:schemeClr val="accent1"/>
+          </a:fillRef>
+          <a:effectRef idx="0">
+            <a:schemeClr val="accent1"/>
+          </a:effectRef>
+          <a:fontRef idx="minor">
+            <a:schemeClr val="tx1"/>
+          </a:fontRef>
+        </p:style>
+      </p:cxnSp>
+      <p:cxnSp>
+        <p:nvCxnSpPr>
+          <p:cNvPr id="125" name="Ravni poveznik 124">
+            <a:extLst>
+              <a:ext uri="{FF2B5EF4-FFF2-40B4-BE49-F238E27FC236}">
+                <a16:creationId xmlns:a16="http://schemas.microsoft.com/office/drawing/2014/main" id="{5D57ACC2-DD79-488F-B06D-E1A6977CB8DC}"/>
+              </a:ext>
+            </a:extLst>
+          </p:cNvPr>
+          <p:cNvCxnSpPr>
+            <a:cxnSpLocks/>
+          </p:cNvCxnSpPr>
+          <p:nvPr/>
+        </p:nvCxnSpPr>
+        <p:spPr>
+          <a:xfrm>
+            <a:off x="6143804" y="6410482"/>
+            <a:ext cx="0" cy="122334"/>
+          </a:xfrm>
+          <a:prstGeom prst="line">
+            <a:avLst/>
+          </a:prstGeom>
+          <a:ln w="28575">
+            <a:solidFill>
+              <a:srgbClr val="FF0000"/>
+            </a:solidFill>
+          </a:ln>
+        </p:spPr>
+        <p:style>
+          <a:lnRef idx="1">
+            <a:schemeClr val="accent1"/>
+          </a:lnRef>
+          <a:fillRef idx="0">
+            <a:schemeClr val="accent1"/>
+          </a:fillRef>
+          <a:effectRef idx="0">
+            <a:schemeClr val="accent1"/>
+          </a:effectRef>
+          <a:fontRef idx="minor">
+            <a:schemeClr val="tx1"/>
+          </a:fontRef>
+        </p:style>
+      </p:cxnSp>
+      <p:cxnSp>
+        <p:nvCxnSpPr>
+          <p:cNvPr id="131" name="Ravni poveznik 130">
+            <a:extLst>
+              <a:ext uri="{FF2B5EF4-FFF2-40B4-BE49-F238E27FC236}">
+                <a16:creationId xmlns:a16="http://schemas.microsoft.com/office/drawing/2014/main" id="{6AC9B9CF-D828-4FB0-BC65-A5173986FB8B}"/>
+              </a:ext>
+            </a:extLst>
+          </p:cNvPr>
+          <p:cNvCxnSpPr>
+            <a:cxnSpLocks/>
+          </p:cNvCxnSpPr>
+          <p:nvPr/>
+        </p:nvCxnSpPr>
+        <p:spPr>
+          <a:xfrm flipV="1">
+            <a:off x="6196010" y="5651580"/>
+            <a:ext cx="0" cy="163433"/>
+          </a:xfrm>
+          <a:prstGeom prst="line">
+            <a:avLst/>
+          </a:prstGeom>
+          <a:ln w="28575">
+            <a:solidFill>
+              <a:schemeClr val="tx1"/>
+            </a:solidFill>
+          </a:ln>
+        </p:spPr>
+        <p:style>
+          <a:lnRef idx="1">
+            <a:schemeClr val="accent1"/>
+          </a:lnRef>
+          <a:fillRef idx="0">
+            <a:schemeClr val="accent1"/>
+          </a:fillRef>
+          <a:effectRef idx="0">
+            <a:schemeClr val="accent1"/>
+          </a:effectRef>
+          <a:fontRef idx="minor">
+            <a:schemeClr val="tx1"/>
+          </a:fontRef>
+        </p:style>
+      </p:cxnSp>
+      <p:cxnSp>
+        <p:nvCxnSpPr>
+          <p:cNvPr id="133" name="Ravni poveznik 132">
+            <a:extLst>
+              <a:ext uri="{FF2B5EF4-FFF2-40B4-BE49-F238E27FC236}">
+                <a16:creationId xmlns:a16="http://schemas.microsoft.com/office/drawing/2014/main" id="{E225B191-F24A-4D9F-9D25-4179729BB0A5}"/>
+              </a:ext>
+            </a:extLst>
+          </p:cNvPr>
+          <p:cNvCxnSpPr>
+            <a:cxnSpLocks/>
+          </p:cNvCxnSpPr>
+          <p:nvPr/>
+        </p:nvCxnSpPr>
+        <p:spPr>
+          <a:xfrm flipH="1">
+            <a:off x="6124724" y="5733296"/>
+            <a:ext cx="142571" cy="0"/>
+          </a:xfrm>
+          <a:prstGeom prst="line">
+            <a:avLst/>
+          </a:prstGeom>
+          <a:ln w="28575">
+            <a:solidFill>
+              <a:schemeClr val="tx1"/>
+            </a:solidFill>
+          </a:ln>
+        </p:spPr>
+        <p:style>
+          <a:lnRef idx="1">
+            <a:schemeClr val="accent1"/>
+          </a:lnRef>
+          <a:fillRef idx="0">
+            <a:schemeClr val="accent1"/>
+          </a:fillRef>
+          <a:effectRef idx="0">
+            <a:schemeClr val="accent1"/>
+          </a:effectRef>
+          <a:fontRef idx="minor">
+            <a:schemeClr val="tx1"/>
+          </a:fontRef>
+        </p:style>
+      </p:cxnSp>
     </p:spTree>
     <p:extLst>
       <p:ext uri="{BB962C8B-B14F-4D97-AF65-F5344CB8AC3E}">
-        <p14:creationId xmlns:p14="http://schemas.microsoft.com/office/powerpoint/2010/main" val="86388831"/>
+        <p14:creationId xmlns:p14="http://schemas.microsoft.com/office/powerpoint/2010/main" val="491654768"/>
       </p:ext>
     </p:extLst>
   </p:cSld>
@@ -5922,6 +8149,96 @@
           <p:cNvPr id="5" name="Slika 4">
             <a:extLst>
               <a:ext uri="{FF2B5EF4-FFF2-40B4-BE49-F238E27FC236}">
+                <a16:creationId xmlns:a16="http://schemas.microsoft.com/office/drawing/2014/main" id="{26367ECC-FFFB-406F-B574-0BB669418BE0}"/>
+              </a:ext>
+            </a:extLst>
+          </p:cNvPr>
+          <p:cNvPicPr>
+            <a:picLocks noChangeAspect="1"/>
+          </p:cNvPicPr>
+          <p:nvPr/>
+        </p:nvPicPr>
+        <p:blipFill>
+          <a:blip r:embed="rId2"/>
+          <a:stretch>
+            <a:fillRect/>
+          </a:stretch>
+        </p:blipFill>
+        <p:spPr>
+          <a:xfrm>
+            <a:off x="4260208" y="1245042"/>
+            <a:ext cx="7714221" cy="3998068"/>
+          </a:xfrm>
+          <a:prstGeom prst="rect">
+            <a:avLst/>
+          </a:prstGeom>
+        </p:spPr>
+      </p:pic>
+      <p:pic>
+        <p:nvPicPr>
+          <p:cNvPr id="7" name="Slika 6">
+            <a:extLst>
+              <a:ext uri="{FF2B5EF4-FFF2-40B4-BE49-F238E27FC236}">
+                <a16:creationId xmlns:a16="http://schemas.microsoft.com/office/drawing/2014/main" id="{EF15B450-E756-47AE-A35C-C8903CAA3722}"/>
+              </a:ext>
+            </a:extLst>
+          </p:cNvPr>
+          <p:cNvPicPr>
+            <a:picLocks noChangeAspect="1"/>
+          </p:cNvPicPr>
+          <p:nvPr/>
+        </p:nvPicPr>
+        <p:blipFill>
+          <a:blip r:embed="rId3"/>
+          <a:stretch>
+            <a:fillRect/>
+          </a:stretch>
+        </p:blipFill>
+        <p:spPr>
+          <a:xfrm>
+            <a:off x="1070043" y="518208"/>
+            <a:ext cx="3190165" cy="5451737"/>
+          </a:xfrm>
+          <a:prstGeom prst="rect">
+            <a:avLst/>
+          </a:prstGeom>
+        </p:spPr>
+      </p:pic>
+    </p:spTree>
+    <p:extLst>
+      <p:ext uri="{BB962C8B-B14F-4D97-AF65-F5344CB8AC3E}">
+        <p14:creationId xmlns:p14="http://schemas.microsoft.com/office/powerpoint/2010/main" val="86388831"/>
+      </p:ext>
+    </p:extLst>
+  </p:cSld>
+  <p:clrMapOvr>
+    <a:masterClrMapping/>
+  </p:clrMapOvr>
+</p:sld>
+</file>
+
+<file path=ppt/slides/slide14.xml><?xml version="1.0" encoding="utf-8"?>
+<p:sld xmlns:a="http://schemas.openxmlformats.org/drawingml/2006/main" xmlns:r="http://schemas.openxmlformats.org/officeDocument/2006/relationships" xmlns:p="http://schemas.openxmlformats.org/presentationml/2006/main">
+  <p:cSld>
+    <p:spTree>
+      <p:nvGrpSpPr>
+        <p:cNvPr id="1" name=""/>
+        <p:cNvGrpSpPr/>
+        <p:nvPr/>
+      </p:nvGrpSpPr>
+      <p:grpSpPr>
+        <a:xfrm>
+          <a:off x="0" y="0"/>
+          <a:ext cx="0" cy="0"/>
+          <a:chOff x="0" y="0"/>
+          <a:chExt cx="0" cy="0"/>
+        </a:xfrm>
+      </p:grpSpPr>
+      <p:pic>
+        <p:nvPicPr>
+          <p:cNvPr id="5" name="Slika 4">
+            <a:extLst>
+              <a:ext uri="{FF2B5EF4-FFF2-40B4-BE49-F238E27FC236}">
                 <a16:creationId xmlns:a16="http://schemas.microsoft.com/office/drawing/2014/main" id="{3545FC10-A1C1-4AC5-B64F-5631DB3030D8}"/>
               </a:ext>
             </a:extLst>
@@ -5990,7 +8307,7 @@
 </p:sld>
 </file>
 
-<file path=ppt/slides/slide14.xml><?xml version="1.0" encoding="utf-8"?>
+<file path=ppt/slides/slide15.xml><?xml version="1.0" encoding="utf-8"?>
 <p:sld xmlns:a="http://schemas.openxmlformats.org/drawingml/2006/main" xmlns:r="http://schemas.openxmlformats.org/officeDocument/2006/relationships" xmlns:p="http://schemas.openxmlformats.org/presentationml/2006/main">
   <p:cSld>
     <p:spTree>
@@ -6108,67 +8425,12 @@
                           </a:rPr>
                           <m:t>π</m:t>
                         </m:r>
-                        <m:rad>
-                          <m:radPr>
-                            <m:degHide m:val="on"/>
-                            <m:ctrlPr>
-                              <a:rPr lang="en-US" i="1">
-                                <a:latin typeface="Cambria Math" panose="02040503050406030204" pitchFamily="18" charset="0"/>
-                              </a:rPr>
-                            </m:ctrlPr>
-                          </m:radPr>
-                          <m:deg/>
-                          <m:e>
-                            <m:r>
-                              <a:rPr lang="hr-HR" b="0" i="1" smtClean="0">
-                                <a:latin typeface="Cambria Math" panose="02040503050406030204" pitchFamily="18" charset="0"/>
-                              </a:rPr>
-                              <m:t>𝑅</m:t>
-                            </m:r>
-                            <m:r>
-                              <a:rPr lang="hr-HR" b="0" i="1" smtClean="0">
-                                <a:latin typeface="Cambria Math" panose="02040503050406030204" pitchFamily="18" charset="0"/>
-                              </a:rPr>
-                              <m:t>1</m:t>
-                            </m:r>
-                            <m:r>
-                              <a:rPr lang="hr-HR" b="0" i="1" smtClean="0">
-                                <a:latin typeface="Cambria Math" panose="02040503050406030204" pitchFamily="18" charset="0"/>
-                              </a:rPr>
-                              <m:t>𝐶</m:t>
-                            </m:r>
-                            <m:r>
-                              <a:rPr lang="hr-HR" b="0" i="1" smtClean="0">
-                                <a:latin typeface="Cambria Math" panose="02040503050406030204" pitchFamily="18" charset="0"/>
-                              </a:rPr>
-                              <m:t>1</m:t>
-                            </m:r>
-                            <m:r>
-                              <a:rPr lang="hr-HR" b="0" i="1" smtClean="0">
-                                <a:latin typeface="Cambria Math" panose="02040503050406030204" pitchFamily="18" charset="0"/>
-                              </a:rPr>
-                              <m:t>𝑅</m:t>
-                            </m:r>
-                            <m:r>
-                              <a:rPr lang="hr-HR" b="0" i="1" smtClean="0">
-                                <a:latin typeface="Cambria Math" panose="02040503050406030204" pitchFamily="18" charset="0"/>
-                              </a:rPr>
-                              <m:t>2</m:t>
-                            </m:r>
-                            <m:r>
-                              <a:rPr lang="hr-HR" b="0" i="1" smtClean="0">
-                                <a:latin typeface="Cambria Math" panose="02040503050406030204" pitchFamily="18" charset="0"/>
-                              </a:rPr>
-                              <m:t>𝐶</m:t>
-                            </m:r>
-                            <m:r>
-                              <a:rPr lang="hr-HR" b="0" i="1" smtClean="0">
-                                <a:latin typeface="Cambria Math" panose="02040503050406030204" pitchFamily="18" charset="0"/>
-                              </a:rPr>
-                              <m:t>2</m:t>
-                            </m:r>
-                          </m:e>
-                        </m:rad>
+                        <m:r>
+                          <a:rPr lang="hr-HR" b="0" i="1" smtClean="0">
+                            <a:latin typeface="Cambria Math" panose="02040503050406030204" pitchFamily="18" charset="0"/>
+                          </a:rPr>
+                          <m:t>𝑅𝐶</m:t>
+                        </m:r>
                       </m:den>
                     </m:f>
                   </m:oMath>

--- a/Diplomski tekst/Blok sheme.pptx
+++ b/Diplomski tekst/Blok sheme.pptx
@@ -20,6 +20,8 @@
     <p:sldId id="267" r:id="rId14"/>
     <p:sldId id="268" r:id="rId15"/>
     <p:sldId id="269" r:id="rId16"/>
+    <p:sldId id="271" r:id="rId17"/>
+    <p:sldId id="272" r:id="rId18"/>
   </p:sldIdLst>
   <p:sldSz cx="12192000" cy="6858000"/>
   <p:notesSz cx="6858000" cy="9144000"/>
@@ -273,7 +275,7 @@
           <a:p>
             <a:fld id="{E41A3F50-E5FE-4EBE-A75B-86E2E3DC153B}" type="datetimeFigureOut">
               <a:rPr lang="hr-HR" smtClean="0"/>
-              <a:t>19.4.2021.</a:t>
+              <a:t>30.4.2021.</a:t>
             </a:fld>
             <a:endParaRPr lang="hr-HR"/>
           </a:p>
@@ -471,7 +473,7 @@
           <a:p>
             <a:fld id="{E41A3F50-E5FE-4EBE-A75B-86E2E3DC153B}" type="datetimeFigureOut">
               <a:rPr lang="hr-HR" smtClean="0"/>
-              <a:t>19.4.2021.</a:t>
+              <a:t>30.4.2021.</a:t>
             </a:fld>
             <a:endParaRPr lang="hr-HR"/>
           </a:p>
@@ -679,7 +681,7 @@
           <a:p>
             <a:fld id="{E41A3F50-E5FE-4EBE-A75B-86E2E3DC153B}" type="datetimeFigureOut">
               <a:rPr lang="hr-HR" smtClean="0"/>
-              <a:t>19.4.2021.</a:t>
+              <a:t>30.4.2021.</a:t>
             </a:fld>
             <a:endParaRPr lang="hr-HR"/>
           </a:p>
@@ -877,7 +879,7 @@
           <a:p>
             <a:fld id="{E41A3F50-E5FE-4EBE-A75B-86E2E3DC153B}" type="datetimeFigureOut">
               <a:rPr lang="hr-HR" smtClean="0"/>
-              <a:t>19.4.2021.</a:t>
+              <a:t>30.4.2021.</a:t>
             </a:fld>
             <a:endParaRPr lang="hr-HR"/>
           </a:p>
@@ -1152,7 +1154,7 @@
           <a:p>
             <a:fld id="{E41A3F50-E5FE-4EBE-A75B-86E2E3DC153B}" type="datetimeFigureOut">
               <a:rPr lang="hr-HR" smtClean="0"/>
-              <a:t>19.4.2021.</a:t>
+              <a:t>30.4.2021.</a:t>
             </a:fld>
             <a:endParaRPr lang="hr-HR"/>
           </a:p>
@@ -1417,7 +1419,7 @@
           <a:p>
             <a:fld id="{E41A3F50-E5FE-4EBE-A75B-86E2E3DC153B}" type="datetimeFigureOut">
               <a:rPr lang="hr-HR" smtClean="0"/>
-              <a:t>19.4.2021.</a:t>
+              <a:t>30.4.2021.</a:t>
             </a:fld>
             <a:endParaRPr lang="hr-HR"/>
           </a:p>
@@ -1829,7 +1831,7 @@
           <a:p>
             <a:fld id="{E41A3F50-E5FE-4EBE-A75B-86E2E3DC153B}" type="datetimeFigureOut">
               <a:rPr lang="hr-HR" smtClean="0"/>
-              <a:t>19.4.2021.</a:t>
+              <a:t>30.4.2021.</a:t>
             </a:fld>
             <a:endParaRPr lang="hr-HR"/>
           </a:p>
@@ -1970,7 +1972,7 @@
           <a:p>
             <a:fld id="{E41A3F50-E5FE-4EBE-A75B-86E2E3DC153B}" type="datetimeFigureOut">
               <a:rPr lang="hr-HR" smtClean="0"/>
-              <a:t>19.4.2021.</a:t>
+              <a:t>30.4.2021.</a:t>
             </a:fld>
             <a:endParaRPr lang="hr-HR"/>
           </a:p>
@@ -2083,7 +2085,7 @@
           <a:p>
             <a:fld id="{E41A3F50-E5FE-4EBE-A75B-86E2E3DC153B}" type="datetimeFigureOut">
               <a:rPr lang="hr-HR" smtClean="0"/>
-              <a:t>19.4.2021.</a:t>
+              <a:t>30.4.2021.</a:t>
             </a:fld>
             <a:endParaRPr lang="hr-HR"/>
           </a:p>
@@ -2394,7 +2396,7 @@
           <a:p>
             <a:fld id="{E41A3F50-E5FE-4EBE-A75B-86E2E3DC153B}" type="datetimeFigureOut">
               <a:rPr lang="hr-HR" smtClean="0"/>
-              <a:t>19.4.2021.</a:t>
+              <a:t>30.4.2021.</a:t>
             </a:fld>
             <a:endParaRPr lang="hr-HR"/>
           </a:p>
@@ -2682,7 +2684,7 @@
           <a:p>
             <a:fld id="{E41A3F50-E5FE-4EBE-A75B-86E2E3DC153B}" type="datetimeFigureOut">
               <a:rPr lang="hr-HR" smtClean="0"/>
-              <a:t>19.4.2021.</a:t>
+              <a:t>30.4.2021.</a:t>
             </a:fld>
             <a:endParaRPr lang="hr-HR"/>
           </a:p>
@@ -2923,7 +2925,7 @@
           <a:p>
             <a:fld id="{E41A3F50-E5FE-4EBE-A75B-86E2E3DC153B}" type="datetimeFigureOut">
               <a:rPr lang="hr-HR" smtClean="0"/>
-              <a:t>19.4.2021.</a:t>
+              <a:t>30.4.2021.</a:t>
             </a:fld>
             <a:endParaRPr lang="hr-HR"/>
           </a:p>
@@ -8349,8 +8351,8 @@
           </a:p>
         </p:txBody>
       </p:sp>
-      <mc:AlternateContent xmlns:mc="http://schemas.openxmlformats.org/markup-compatibility/2006">
-        <mc:Choice xmlns:a14="http://schemas.microsoft.com/office/drawing/2010/main" Requires="a14">
+      <mc:AlternateContent xmlns:mc="http://schemas.openxmlformats.org/markup-compatibility/2006" xmlns:a14="http://schemas.microsoft.com/office/drawing/2010/main">
+        <mc:Choice Requires="a14">
           <p:sp>
             <p:nvSpPr>
               <p:cNvPr id="3" name="Rezervirano mjesto sadržaja 2">
@@ -8440,7 +8442,7 @@
             </p:txBody>
           </p:sp>
         </mc:Choice>
-        <mc:Fallback>
+        <mc:Fallback xmlns="">
           <p:sp>
             <p:nvSpPr>
               <p:cNvPr id="3" name="Rezervirano mjesto sadržaja 2">
@@ -8484,6 +8486,176 @@
     <p:extLst>
       <p:ext uri="{BB962C8B-B14F-4D97-AF65-F5344CB8AC3E}">
         <p14:creationId xmlns:p14="http://schemas.microsoft.com/office/powerpoint/2010/main" val="3113038189"/>
+      </p:ext>
+    </p:extLst>
+  </p:cSld>
+  <p:clrMapOvr>
+    <a:masterClrMapping/>
+  </p:clrMapOvr>
+</p:sld>
+</file>
+
+<file path=ppt/slides/slide16.xml><?xml version="1.0" encoding="utf-8"?>
+<p:sld xmlns:a="http://schemas.openxmlformats.org/drawingml/2006/main" xmlns:r="http://schemas.openxmlformats.org/officeDocument/2006/relationships" xmlns:p="http://schemas.openxmlformats.org/presentationml/2006/main">
+  <p:cSld>
+    <p:spTree>
+      <p:nvGrpSpPr>
+        <p:cNvPr id="1" name=""/>
+        <p:cNvGrpSpPr/>
+        <p:nvPr/>
+      </p:nvGrpSpPr>
+      <p:grpSpPr>
+        <a:xfrm>
+          <a:off x="0" y="0"/>
+          <a:ext cx="0" cy="0"/>
+          <a:chOff x="0" y="0"/>
+          <a:chExt cx="0" cy="0"/>
+        </a:xfrm>
+      </p:grpSpPr>
+      <p:pic>
+        <p:nvPicPr>
+          <p:cNvPr id="1026" name="Slika 10">
+            <a:extLst>
+              <a:ext uri="{FF2B5EF4-FFF2-40B4-BE49-F238E27FC236}">
+                <a16:creationId xmlns:a16="http://schemas.microsoft.com/office/drawing/2014/main" id="{AD5F065A-E388-4589-91CF-AF13600AB6D3}"/>
+              </a:ext>
+            </a:extLst>
+          </p:cNvPr>
+          <p:cNvPicPr>
+            <a:picLocks noChangeAspect="1" noChangeArrowheads="1"/>
+          </p:cNvPicPr>
+          <p:nvPr/>
+        </p:nvPicPr>
+        <p:blipFill>
+          <a:blip r:embed="rId2">
+            <a:extLst>
+              <a:ext uri="{28A0092B-C50C-407E-A947-70E740481C1C}">
+                <a14:useLocalDpi xmlns:a14="http://schemas.microsoft.com/office/drawing/2010/main" val="0"/>
+              </a:ext>
+            </a:extLst>
+          </a:blip>
+          <a:srcRect/>
+          <a:stretch>
+            <a:fillRect/>
+          </a:stretch>
+        </p:blipFill>
+        <p:spPr bwMode="auto">
+          <a:xfrm>
+            <a:off x="3188042" y="608343"/>
+            <a:ext cx="5190848" cy="5080600"/>
+          </a:xfrm>
+          <a:prstGeom prst="rect">
+            <a:avLst/>
+          </a:prstGeom>
+          <a:noFill/>
+          <a:ln>
+            <a:noFill/>
+          </a:ln>
+          <a:extLst>
+            <a:ext uri="{909E8E84-426E-40DD-AFC4-6F175D3DCCD1}">
+              <a14:hiddenFill xmlns:a14="http://schemas.microsoft.com/office/drawing/2010/main">
+                <a:solidFill>
+                  <a:srgbClr val="FFFFFF"/>
+                </a:solidFill>
+              </a14:hiddenFill>
+            </a:ext>
+            <a:ext uri="{91240B29-F687-4F45-9708-019B960494DF}">
+              <a14:hiddenLine xmlns:a14="http://schemas.microsoft.com/office/drawing/2010/main" w="9525">
+                <a:solidFill>
+                  <a:srgbClr val="000000"/>
+                </a:solidFill>
+                <a:miter lim="800000"/>
+                <a:headEnd/>
+                <a:tailEnd/>
+              </a14:hiddenLine>
+            </a:ext>
+          </a:extLst>
+        </p:spPr>
+      </p:pic>
+    </p:spTree>
+    <p:extLst>
+      <p:ext uri="{BB962C8B-B14F-4D97-AF65-F5344CB8AC3E}">
+        <p14:creationId xmlns:p14="http://schemas.microsoft.com/office/powerpoint/2010/main" val="204754816"/>
+      </p:ext>
+    </p:extLst>
+  </p:cSld>
+  <p:clrMapOvr>
+    <a:masterClrMapping/>
+  </p:clrMapOvr>
+</p:sld>
+</file>
+
+<file path=ppt/slides/slide17.xml><?xml version="1.0" encoding="utf-8"?>
+<p:sld xmlns:a="http://schemas.openxmlformats.org/drawingml/2006/main" xmlns:r="http://schemas.openxmlformats.org/officeDocument/2006/relationships" xmlns:p="http://schemas.openxmlformats.org/presentationml/2006/main">
+  <p:cSld>
+    <p:spTree>
+      <p:nvGrpSpPr>
+        <p:cNvPr id="1" name=""/>
+        <p:cNvGrpSpPr/>
+        <p:nvPr/>
+      </p:nvGrpSpPr>
+      <p:grpSpPr>
+        <a:xfrm>
+          <a:off x="0" y="0"/>
+          <a:ext cx="0" cy="0"/>
+          <a:chOff x="0" y="0"/>
+          <a:chExt cx="0" cy="0"/>
+        </a:xfrm>
+      </p:grpSpPr>
+      <p:sp>
+        <p:nvSpPr>
+          <p:cNvPr id="2" name="Naslov 1">
+            <a:extLst>
+              <a:ext uri="{FF2B5EF4-FFF2-40B4-BE49-F238E27FC236}">
+                <a16:creationId xmlns:a16="http://schemas.microsoft.com/office/drawing/2014/main" id="{480471A8-65EE-4E4B-9BCF-AE19DC038840}"/>
+              </a:ext>
+            </a:extLst>
+          </p:cNvPr>
+          <p:cNvSpPr>
+            <a:spLocks noGrp="1"/>
+          </p:cNvSpPr>
+          <p:nvPr>
+            <p:ph type="title"/>
+          </p:nvPr>
+        </p:nvSpPr>
+        <p:spPr/>
+        <p:txBody>
+          <a:bodyPr/>
+          <a:lstStyle/>
+          <a:p>
+            <a:endParaRPr lang="hr-HR"/>
+          </a:p>
+        </p:txBody>
+      </p:sp>
+      <p:sp>
+        <p:nvSpPr>
+          <p:cNvPr id="3" name="Rezervirano mjesto sadržaja 2">
+            <a:extLst>
+              <a:ext uri="{FF2B5EF4-FFF2-40B4-BE49-F238E27FC236}">
+                <a16:creationId xmlns:a16="http://schemas.microsoft.com/office/drawing/2014/main" id="{EC79B147-9861-4472-B128-10035C213247}"/>
+              </a:ext>
+            </a:extLst>
+          </p:cNvPr>
+          <p:cNvSpPr>
+            <a:spLocks noGrp="1"/>
+          </p:cNvSpPr>
+          <p:nvPr>
+            <p:ph idx="1"/>
+          </p:nvPr>
+        </p:nvSpPr>
+        <p:spPr/>
+        <p:txBody>
+          <a:bodyPr/>
+          <a:lstStyle/>
+          <a:p>
+            <a:endParaRPr lang="hr-HR"/>
+          </a:p>
+        </p:txBody>
+      </p:sp>
+    </p:spTree>
+    <p:extLst>
+      <p:ext uri="{BB962C8B-B14F-4D97-AF65-F5344CB8AC3E}">
+        <p14:creationId xmlns:p14="http://schemas.microsoft.com/office/powerpoint/2010/main" val="2012733072"/>
       </p:ext>
     </p:extLst>
   </p:cSld>

--- a/Diplomski tekst/Blok sheme.pptx
+++ b/Diplomski tekst/Blok sheme.pptx
@@ -22,6 +22,7 @@
     <p:sldId id="269" r:id="rId16"/>
     <p:sldId id="271" r:id="rId17"/>
     <p:sldId id="272" r:id="rId18"/>
+    <p:sldId id="273" r:id="rId19"/>
   </p:sldIdLst>
   <p:sldSz cx="12192000" cy="6858000"/>
   <p:notesSz cx="6858000" cy="9144000"/>
@@ -275,7 +276,7 @@
           <a:p>
             <a:fld id="{E41A3F50-E5FE-4EBE-A75B-86E2E3DC153B}" type="datetimeFigureOut">
               <a:rPr lang="hr-HR" smtClean="0"/>
-              <a:t>30.4.2021.</a:t>
+              <a:t>18.5.2021.</a:t>
             </a:fld>
             <a:endParaRPr lang="hr-HR"/>
           </a:p>
@@ -473,7 +474,7 @@
           <a:p>
             <a:fld id="{E41A3F50-E5FE-4EBE-A75B-86E2E3DC153B}" type="datetimeFigureOut">
               <a:rPr lang="hr-HR" smtClean="0"/>
-              <a:t>30.4.2021.</a:t>
+              <a:t>18.5.2021.</a:t>
             </a:fld>
             <a:endParaRPr lang="hr-HR"/>
           </a:p>
@@ -681,7 +682,7 @@
           <a:p>
             <a:fld id="{E41A3F50-E5FE-4EBE-A75B-86E2E3DC153B}" type="datetimeFigureOut">
               <a:rPr lang="hr-HR" smtClean="0"/>
-              <a:t>30.4.2021.</a:t>
+              <a:t>18.5.2021.</a:t>
             </a:fld>
             <a:endParaRPr lang="hr-HR"/>
           </a:p>
@@ -879,7 +880,7 @@
           <a:p>
             <a:fld id="{E41A3F50-E5FE-4EBE-A75B-86E2E3DC153B}" type="datetimeFigureOut">
               <a:rPr lang="hr-HR" smtClean="0"/>
-              <a:t>30.4.2021.</a:t>
+              <a:t>18.5.2021.</a:t>
             </a:fld>
             <a:endParaRPr lang="hr-HR"/>
           </a:p>
@@ -1154,7 +1155,7 @@
           <a:p>
             <a:fld id="{E41A3F50-E5FE-4EBE-A75B-86E2E3DC153B}" type="datetimeFigureOut">
               <a:rPr lang="hr-HR" smtClean="0"/>
-              <a:t>30.4.2021.</a:t>
+              <a:t>18.5.2021.</a:t>
             </a:fld>
             <a:endParaRPr lang="hr-HR"/>
           </a:p>
@@ -1419,7 +1420,7 @@
           <a:p>
             <a:fld id="{E41A3F50-E5FE-4EBE-A75B-86E2E3DC153B}" type="datetimeFigureOut">
               <a:rPr lang="hr-HR" smtClean="0"/>
-              <a:t>30.4.2021.</a:t>
+              <a:t>18.5.2021.</a:t>
             </a:fld>
             <a:endParaRPr lang="hr-HR"/>
           </a:p>
@@ -1831,7 +1832,7 @@
           <a:p>
             <a:fld id="{E41A3F50-E5FE-4EBE-A75B-86E2E3DC153B}" type="datetimeFigureOut">
               <a:rPr lang="hr-HR" smtClean="0"/>
-              <a:t>30.4.2021.</a:t>
+              <a:t>18.5.2021.</a:t>
             </a:fld>
             <a:endParaRPr lang="hr-HR"/>
           </a:p>
@@ -1972,7 +1973,7 @@
           <a:p>
             <a:fld id="{E41A3F50-E5FE-4EBE-A75B-86E2E3DC153B}" type="datetimeFigureOut">
               <a:rPr lang="hr-HR" smtClean="0"/>
-              <a:t>30.4.2021.</a:t>
+              <a:t>18.5.2021.</a:t>
             </a:fld>
             <a:endParaRPr lang="hr-HR"/>
           </a:p>
@@ -2085,7 +2086,7 @@
           <a:p>
             <a:fld id="{E41A3F50-E5FE-4EBE-A75B-86E2E3DC153B}" type="datetimeFigureOut">
               <a:rPr lang="hr-HR" smtClean="0"/>
-              <a:t>30.4.2021.</a:t>
+              <a:t>18.5.2021.</a:t>
             </a:fld>
             <a:endParaRPr lang="hr-HR"/>
           </a:p>
@@ -2396,7 +2397,7 @@
           <a:p>
             <a:fld id="{E41A3F50-E5FE-4EBE-A75B-86E2E3DC153B}" type="datetimeFigureOut">
               <a:rPr lang="hr-HR" smtClean="0"/>
-              <a:t>30.4.2021.</a:t>
+              <a:t>18.5.2021.</a:t>
             </a:fld>
             <a:endParaRPr lang="hr-HR"/>
           </a:p>
@@ -2684,7 +2685,7 @@
           <a:p>
             <a:fld id="{E41A3F50-E5FE-4EBE-A75B-86E2E3DC153B}" type="datetimeFigureOut">
               <a:rPr lang="hr-HR" smtClean="0"/>
-              <a:t>30.4.2021.</a:t>
+              <a:t>18.5.2021.</a:t>
             </a:fld>
             <a:endParaRPr lang="hr-HR"/>
           </a:p>
@@ -2925,7 +2926,7 @@
           <a:p>
             <a:fld id="{E41A3F50-E5FE-4EBE-A75B-86E2E3DC153B}" type="datetimeFigureOut">
               <a:rPr lang="hr-HR" smtClean="0"/>
-              <a:t>30.4.2021.</a:t>
+              <a:t>18.5.2021.</a:t>
             </a:fld>
             <a:endParaRPr lang="hr-HR"/>
           </a:p>
@@ -8604,50 +8605,1680 @@
       </p:grpSpPr>
       <p:sp>
         <p:nvSpPr>
-          <p:cNvPr id="2" name="Naslov 1">
-            <a:extLst>
-              <a:ext uri="{FF2B5EF4-FFF2-40B4-BE49-F238E27FC236}">
-                <a16:creationId xmlns:a16="http://schemas.microsoft.com/office/drawing/2014/main" id="{480471A8-65EE-4E4B-9BCF-AE19DC038840}"/>
-              </a:ext>
-            </a:extLst>
-          </p:cNvPr>
-          <p:cNvSpPr>
-            <a:spLocks noGrp="1"/>
-          </p:cNvSpPr>
-          <p:nvPr>
-            <p:ph type="title"/>
-          </p:nvPr>
-        </p:nvSpPr>
-        <p:spPr/>
-        <p:txBody>
-          <a:bodyPr/>
-          <a:lstStyle/>
-          <a:p>
+          <p:cNvPr id="4" name="Pravokutnik 3">
+            <a:extLst>
+              <a:ext uri="{FF2B5EF4-FFF2-40B4-BE49-F238E27FC236}">
+                <a16:creationId xmlns:a16="http://schemas.microsoft.com/office/drawing/2014/main" id="{E44CB97C-A10E-4110-B391-2C4D82FF1CF7}"/>
+              </a:ext>
+            </a:extLst>
+          </p:cNvPr>
+          <p:cNvSpPr/>
+          <p:nvPr/>
+        </p:nvSpPr>
+        <p:spPr>
+          <a:xfrm>
+            <a:off x="2404372" y="1124349"/>
+            <a:ext cx="2033404" cy="1862132"/>
+          </a:xfrm>
+          <a:prstGeom prst="rect">
+            <a:avLst/>
+          </a:prstGeom>
+          <a:noFill/>
+          <a:ln>
+            <a:solidFill>
+              <a:schemeClr val="tx1"/>
+            </a:solidFill>
+          </a:ln>
+        </p:spPr>
+        <p:style>
+          <a:lnRef idx="2">
+            <a:schemeClr val="accent6">
+              <a:shade val="50000"/>
+            </a:schemeClr>
+          </a:lnRef>
+          <a:fillRef idx="1">
+            <a:schemeClr val="accent6"/>
+          </a:fillRef>
+          <a:effectRef idx="0">
+            <a:schemeClr val="accent6"/>
+          </a:effectRef>
+          <a:fontRef idx="minor">
+            <a:schemeClr val="lt1"/>
+          </a:fontRef>
+        </p:style>
+        <p:txBody>
+          <a:bodyPr rtlCol="0" anchor="ctr"/>
+          <a:lstStyle/>
+          <a:p>
+            <a:pPr algn="ctr"/>
+            <a:endParaRPr lang="hr-HR" b="1"/>
+          </a:p>
+        </p:txBody>
+      </p:sp>
+      <p:sp>
+        <p:nvSpPr>
+          <p:cNvPr id="5" name="TekstniOkvir 4">
+            <a:extLst>
+              <a:ext uri="{FF2B5EF4-FFF2-40B4-BE49-F238E27FC236}">
+                <a16:creationId xmlns:a16="http://schemas.microsoft.com/office/drawing/2014/main" id="{C8CD0BF5-1768-408A-8A77-A4665A88704B}"/>
+              </a:ext>
+            </a:extLst>
+          </p:cNvPr>
+          <p:cNvSpPr txBox="1"/>
+          <p:nvPr/>
+        </p:nvSpPr>
+        <p:spPr>
+          <a:xfrm>
+            <a:off x="2726483" y="1750254"/>
+            <a:ext cx="1055474" cy="369332"/>
+          </a:xfrm>
+          <a:prstGeom prst="rect">
+            <a:avLst/>
+          </a:prstGeom>
+          <a:noFill/>
+        </p:spPr>
+        <p:txBody>
+          <a:bodyPr wrap="square" rtlCol="0">
+            <a:spAutoFit/>
+          </a:bodyPr>
+          <a:lstStyle/>
+          <a:p>
+            <a:r>
+              <a:rPr lang="hr-HR" dirty="0"/>
+              <a:t>ADS1298</a:t>
+            </a:r>
+            <a:r>
+              <a:rPr lang="hr-HR" b="1" dirty="0"/>
+              <a:t> </a:t>
+            </a:r>
+          </a:p>
+        </p:txBody>
+      </p:sp>
+      <p:sp>
+        <p:nvSpPr>
+          <p:cNvPr id="8" name="TekstniOkvir 7">
+            <a:extLst>
+              <a:ext uri="{FF2B5EF4-FFF2-40B4-BE49-F238E27FC236}">
+                <a16:creationId xmlns:a16="http://schemas.microsoft.com/office/drawing/2014/main" id="{930D2D7C-7FFD-48CA-B5C1-9342296BB155}"/>
+              </a:ext>
+            </a:extLst>
+          </p:cNvPr>
+          <p:cNvSpPr txBox="1"/>
+          <p:nvPr/>
+        </p:nvSpPr>
+        <p:spPr>
+          <a:xfrm>
+            <a:off x="2753284" y="2119586"/>
+            <a:ext cx="1055474" cy="246221"/>
+          </a:xfrm>
+          <a:prstGeom prst="rect">
+            <a:avLst/>
+          </a:prstGeom>
+          <a:noFill/>
+        </p:spPr>
+        <p:txBody>
+          <a:bodyPr wrap="square" rtlCol="0">
+            <a:spAutoFit/>
+          </a:bodyPr>
+          <a:lstStyle/>
+          <a:p>
+            <a:r>
+              <a:rPr lang="hr-HR" sz="1000" b="1" dirty="0"/>
+              <a:t>Sklop 1 </a:t>
+            </a:r>
+          </a:p>
+        </p:txBody>
+      </p:sp>
+      <p:sp>
+        <p:nvSpPr>
+          <p:cNvPr id="9" name="TekstniOkvir 8">
+            <a:extLst>
+              <a:ext uri="{FF2B5EF4-FFF2-40B4-BE49-F238E27FC236}">
+                <a16:creationId xmlns:a16="http://schemas.microsoft.com/office/drawing/2014/main" id="{95B9B3B3-DCA7-4A2F-B57D-CC22C5292F39}"/>
+              </a:ext>
+            </a:extLst>
+          </p:cNvPr>
+          <p:cNvSpPr txBox="1"/>
+          <p:nvPr/>
+        </p:nvSpPr>
+        <p:spPr>
+          <a:xfrm>
+            <a:off x="2404372" y="1266753"/>
+            <a:ext cx="1055474" cy="276999"/>
+          </a:xfrm>
+          <a:prstGeom prst="rect">
+            <a:avLst/>
+          </a:prstGeom>
+          <a:noFill/>
+        </p:spPr>
+        <p:txBody>
+          <a:bodyPr wrap="square" rtlCol="0">
+            <a:spAutoFit/>
+          </a:bodyPr>
+          <a:lstStyle/>
+          <a:p>
+            <a:r>
+              <a:rPr lang="hr-HR" sz="1200" b="1" dirty="0"/>
+              <a:t>START</a:t>
+            </a:r>
+          </a:p>
+        </p:txBody>
+      </p:sp>
+      <p:sp>
+        <p:nvSpPr>
+          <p:cNvPr id="11" name="TekstniOkvir 10">
+            <a:extLst>
+              <a:ext uri="{FF2B5EF4-FFF2-40B4-BE49-F238E27FC236}">
+                <a16:creationId xmlns:a16="http://schemas.microsoft.com/office/drawing/2014/main" id="{7E87A5F0-7B0D-408A-B36B-12812E5E26A8}"/>
+              </a:ext>
+            </a:extLst>
+          </p:cNvPr>
+          <p:cNvSpPr txBox="1"/>
+          <p:nvPr/>
+        </p:nvSpPr>
+        <p:spPr>
+          <a:xfrm>
+            <a:off x="3910039" y="1258413"/>
+            <a:ext cx="1055474" cy="276999"/>
+          </a:xfrm>
+          <a:prstGeom prst="rect">
+            <a:avLst/>
+          </a:prstGeom>
+          <a:noFill/>
+        </p:spPr>
+        <p:txBody>
+          <a:bodyPr wrap="square" rtlCol="0">
+            <a:spAutoFit/>
+          </a:bodyPr>
+          <a:lstStyle/>
+          <a:p>
+            <a:r>
+              <a:rPr lang="hr-HR" sz="1200" b="1" dirty="0"/>
+              <a:t>/DRDY</a:t>
+            </a:r>
+          </a:p>
+        </p:txBody>
+      </p:sp>
+      <p:sp>
+        <p:nvSpPr>
+          <p:cNvPr id="12" name="TekstniOkvir 11">
+            <a:extLst>
+              <a:ext uri="{FF2B5EF4-FFF2-40B4-BE49-F238E27FC236}">
+                <a16:creationId xmlns:a16="http://schemas.microsoft.com/office/drawing/2014/main" id="{8378996D-A5F1-4A64-9E62-8A596C8D1552}"/>
+              </a:ext>
+            </a:extLst>
+          </p:cNvPr>
+          <p:cNvSpPr txBox="1"/>
+          <p:nvPr/>
+        </p:nvSpPr>
+        <p:spPr>
+          <a:xfrm>
+            <a:off x="3904979" y="1515587"/>
+            <a:ext cx="1055474" cy="276999"/>
+          </a:xfrm>
+          <a:prstGeom prst="rect">
+            <a:avLst/>
+          </a:prstGeom>
+          <a:noFill/>
+        </p:spPr>
+        <p:txBody>
+          <a:bodyPr wrap="square" rtlCol="0">
+            <a:spAutoFit/>
+          </a:bodyPr>
+          <a:lstStyle/>
+          <a:p>
+            <a:r>
+              <a:rPr lang="hr-HR" sz="1200" b="1" dirty="0"/>
+              <a:t>/CS1</a:t>
+            </a:r>
+          </a:p>
+        </p:txBody>
+      </p:sp>
+      <p:sp>
+        <p:nvSpPr>
+          <p:cNvPr id="13" name="TekstniOkvir 12">
+            <a:extLst>
+              <a:ext uri="{FF2B5EF4-FFF2-40B4-BE49-F238E27FC236}">
+                <a16:creationId xmlns:a16="http://schemas.microsoft.com/office/drawing/2014/main" id="{353821F7-D499-4AF3-8359-1DA20B7E26DB}"/>
+              </a:ext>
+            </a:extLst>
+          </p:cNvPr>
+          <p:cNvSpPr txBox="1"/>
+          <p:nvPr/>
+        </p:nvSpPr>
+        <p:spPr>
+          <a:xfrm>
+            <a:off x="3842470" y="2016756"/>
+            <a:ext cx="1055474" cy="276999"/>
+          </a:xfrm>
+          <a:prstGeom prst="rect">
+            <a:avLst/>
+          </a:prstGeom>
+          <a:noFill/>
+        </p:spPr>
+        <p:txBody>
+          <a:bodyPr wrap="square" rtlCol="0">
+            <a:spAutoFit/>
+          </a:bodyPr>
+          <a:lstStyle/>
+          <a:p>
+            <a:r>
+              <a:rPr lang="hr-HR" sz="1200" b="1" dirty="0"/>
+              <a:t>SCLK</a:t>
+            </a:r>
+          </a:p>
+        </p:txBody>
+      </p:sp>
+      <p:sp>
+        <p:nvSpPr>
+          <p:cNvPr id="14" name="TekstniOkvir 13">
+            <a:extLst>
+              <a:ext uri="{FF2B5EF4-FFF2-40B4-BE49-F238E27FC236}">
+                <a16:creationId xmlns:a16="http://schemas.microsoft.com/office/drawing/2014/main" id="{1556AA4A-343B-4E1E-9299-C322E1795C56}"/>
+              </a:ext>
+            </a:extLst>
+          </p:cNvPr>
+          <p:cNvSpPr txBox="1"/>
+          <p:nvPr/>
+        </p:nvSpPr>
+        <p:spPr>
+          <a:xfrm>
+            <a:off x="3808758" y="2283843"/>
+            <a:ext cx="1055474" cy="276999"/>
+          </a:xfrm>
+          <a:prstGeom prst="rect">
+            <a:avLst/>
+          </a:prstGeom>
+          <a:noFill/>
+        </p:spPr>
+        <p:txBody>
+          <a:bodyPr wrap="square" rtlCol="0">
+            <a:spAutoFit/>
+          </a:bodyPr>
+          <a:lstStyle/>
+          <a:p>
+            <a:r>
+              <a:rPr lang="hr-HR" sz="1200" b="1" dirty="0"/>
+              <a:t>DIN</a:t>
+            </a:r>
+          </a:p>
+        </p:txBody>
+      </p:sp>
+      <p:sp>
+        <p:nvSpPr>
+          <p:cNvPr id="15" name="TekstniOkvir 14">
+            <a:extLst>
+              <a:ext uri="{FF2B5EF4-FFF2-40B4-BE49-F238E27FC236}">
+                <a16:creationId xmlns:a16="http://schemas.microsoft.com/office/drawing/2014/main" id="{49A1AE10-8ECB-4F44-B175-8A963E72DC05}"/>
+              </a:ext>
+            </a:extLst>
+          </p:cNvPr>
+          <p:cNvSpPr txBox="1"/>
+          <p:nvPr/>
+        </p:nvSpPr>
+        <p:spPr>
+          <a:xfrm>
+            <a:off x="3806968" y="2537213"/>
+            <a:ext cx="1055474" cy="276999"/>
+          </a:xfrm>
+          <a:prstGeom prst="rect">
+            <a:avLst/>
+          </a:prstGeom>
+          <a:noFill/>
+        </p:spPr>
+        <p:txBody>
+          <a:bodyPr wrap="square" rtlCol="0">
+            <a:spAutoFit/>
+          </a:bodyPr>
+          <a:lstStyle/>
+          <a:p>
+            <a:r>
+              <a:rPr lang="hr-HR" sz="1200" b="1" dirty="0"/>
+              <a:t>DOUT</a:t>
+            </a:r>
+          </a:p>
+        </p:txBody>
+      </p:sp>
+      <p:sp>
+        <p:nvSpPr>
+          <p:cNvPr id="16" name="Pravokutnik 15">
+            <a:extLst>
+              <a:ext uri="{FF2B5EF4-FFF2-40B4-BE49-F238E27FC236}">
+                <a16:creationId xmlns:a16="http://schemas.microsoft.com/office/drawing/2014/main" id="{7C0991D4-AA3F-4349-BF38-5B5BC8C85BAA}"/>
+              </a:ext>
+            </a:extLst>
+          </p:cNvPr>
+          <p:cNvSpPr/>
+          <p:nvPr/>
+        </p:nvSpPr>
+        <p:spPr>
+          <a:xfrm>
+            <a:off x="2399312" y="3612386"/>
+            <a:ext cx="2033404" cy="1862132"/>
+          </a:xfrm>
+          <a:prstGeom prst="rect">
+            <a:avLst/>
+          </a:prstGeom>
+          <a:noFill/>
+          <a:ln>
+            <a:solidFill>
+              <a:schemeClr val="tx1"/>
+            </a:solidFill>
+          </a:ln>
+        </p:spPr>
+        <p:style>
+          <a:lnRef idx="2">
+            <a:schemeClr val="accent6">
+              <a:shade val="50000"/>
+            </a:schemeClr>
+          </a:lnRef>
+          <a:fillRef idx="1">
+            <a:schemeClr val="accent6"/>
+          </a:fillRef>
+          <a:effectRef idx="0">
+            <a:schemeClr val="accent6"/>
+          </a:effectRef>
+          <a:fontRef idx="minor">
+            <a:schemeClr val="lt1"/>
+          </a:fontRef>
+        </p:style>
+        <p:txBody>
+          <a:bodyPr rtlCol="0" anchor="ctr"/>
+          <a:lstStyle/>
+          <a:p>
+            <a:pPr algn="ctr"/>
+            <a:endParaRPr lang="hr-HR" b="1"/>
+          </a:p>
+        </p:txBody>
+      </p:sp>
+      <p:sp>
+        <p:nvSpPr>
+          <p:cNvPr id="17" name="TekstniOkvir 16">
+            <a:extLst>
+              <a:ext uri="{FF2B5EF4-FFF2-40B4-BE49-F238E27FC236}">
+                <a16:creationId xmlns:a16="http://schemas.microsoft.com/office/drawing/2014/main" id="{256C4600-31C0-4C76-A315-940DB53034B9}"/>
+              </a:ext>
+            </a:extLst>
+          </p:cNvPr>
+          <p:cNvSpPr txBox="1"/>
+          <p:nvPr/>
+        </p:nvSpPr>
+        <p:spPr>
+          <a:xfrm>
+            <a:off x="2721423" y="4238291"/>
+            <a:ext cx="1055474" cy="369332"/>
+          </a:xfrm>
+          <a:prstGeom prst="rect">
+            <a:avLst/>
+          </a:prstGeom>
+          <a:noFill/>
+        </p:spPr>
+        <p:txBody>
+          <a:bodyPr wrap="square" rtlCol="0">
+            <a:spAutoFit/>
+          </a:bodyPr>
+          <a:lstStyle/>
+          <a:p>
+            <a:r>
+              <a:rPr lang="hr-HR" dirty="0"/>
+              <a:t>ADS1298</a:t>
+            </a:r>
+            <a:r>
+              <a:rPr lang="hr-HR" b="1" dirty="0"/>
+              <a:t> </a:t>
+            </a:r>
+          </a:p>
+        </p:txBody>
+      </p:sp>
+      <p:sp>
+        <p:nvSpPr>
+          <p:cNvPr id="18" name="TekstniOkvir 17">
+            <a:extLst>
+              <a:ext uri="{FF2B5EF4-FFF2-40B4-BE49-F238E27FC236}">
+                <a16:creationId xmlns:a16="http://schemas.microsoft.com/office/drawing/2014/main" id="{580A9C93-92C6-4ECE-A925-2619313D771B}"/>
+              </a:ext>
+            </a:extLst>
+          </p:cNvPr>
+          <p:cNvSpPr txBox="1"/>
+          <p:nvPr/>
+        </p:nvSpPr>
+        <p:spPr>
+          <a:xfrm>
+            <a:off x="2748224" y="4607623"/>
+            <a:ext cx="1055474" cy="246221"/>
+          </a:xfrm>
+          <a:prstGeom prst="rect">
+            <a:avLst/>
+          </a:prstGeom>
+          <a:noFill/>
+        </p:spPr>
+        <p:txBody>
+          <a:bodyPr wrap="square" rtlCol="0">
+            <a:spAutoFit/>
+          </a:bodyPr>
+          <a:lstStyle/>
+          <a:p>
+            <a:r>
+              <a:rPr lang="hr-HR" sz="1000" b="1" dirty="0"/>
+              <a:t>Sklop 2</a:t>
+            </a:r>
+          </a:p>
+        </p:txBody>
+      </p:sp>
+      <p:sp>
+        <p:nvSpPr>
+          <p:cNvPr id="19" name="TekstniOkvir 18">
+            <a:extLst>
+              <a:ext uri="{FF2B5EF4-FFF2-40B4-BE49-F238E27FC236}">
+                <a16:creationId xmlns:a16="http://schemas.microsoft.com/office/drawing/2014/main" id="{81AA28D7-1CFB-41E8-9351-0542EA22FE1E}"/>
+              </a:ext>
+            </a:extLst>
+          </p:cNvPr>
+          <p:cNvSpPr txBox="1"/>
+          <p:nvPr/>
+        </p:nvSpPr>
+        <p:spPr>
+          <a:xfrm>
+            <a:off x="2399312" y="3754790"/>
+            <a:ext cx="1055474" cy="276999"/>
+          </a:xfrm>
+          <a:prstGeom prst="rect">
+            <a:avLst/>
+          </a:prstGeom>
+          <a:noFill/>
+        </p:spPr>
+        <p:txBody>
+          <a:bodyPr wrap="square" rtlCol="0">
+            <a:spAutoFit/>
+          </a:bodyPr>
+          <a:lstStyle/>
+          <a:p>
+            <a:r>
+              <a:rPr lang="hr-HR" sz="1200" b="1" dirty="0"/>
+              <a:t>START</a:t>
+            </a:r>
+          </a:p>
+        </p:txBody>
+      </p:sp>
+      <p:sp>
+        <p:nvSpPr>
+          <p:cNvPr id="21" name="TekstniOkvir 20">
+            <a:extLst>
+              <a:ext uri="{FF2B5EF4-FFF2-40B4-BE49-F238E27FC236}">
+                <a16:creationId xmlns:a16="http://schemas.microsoft.com/office/drawing/2014/main" id="{9D95AEA0-E20E-4958-9FD0-3CDF69C4EC1F}"/>
+              </a:ext>
+            </a:extLst>
+          </p:cNvPr>
+          <p:cNvSpPr txBox="1"/>
+          <p:nvPr/>
+        </p:nvSpPr>
+        <p:spPr>
+          <a:xfrm>
+            <a:off x="3904979" y="3746450"/>
+            <a:ext cx="1055474" cy="276999"/>
+          </a:xfrm>
+          <a:prstGeom prst="rect">
+            <a:avLst/>
+          </a:prstGeom>
+          <a:noFill/>
+        </p:spPr>
+        <p:txBody>
+          <a:bodyPr wrap="square" rtlCol="0">
+            <a:spAutoFit/>
+          </a:bodyPr>
+          <a:lstStyle/>
+          <a:p>
+            <a:r>
+              <a:rPr lang="hr-HR" sz="1200" b="1" dirty="0"/>
+              <a:t>/DRDY</a:t>
+            </a:r>
+          </a:p>
+        </p:txBody>
+      </p:sp>
+      <p:sp>
+        <p:nvSpPr>
+          <p:cNvPr id="22" name="TekstniOkvir 21">
+            <a:extLst>
+              <a:ext uri="{FF2B5EF4-FFF2-40B4-BE49-F238E27FC236}">
+                <a16:creationId xmlns:a16="http://schemas.microsoft.com/office/drawing/2014/main" id="{7B6818CA-B31C-4B81-B5E2-54F2175AA23C}"/>
+              </a:ext>
+            </a:extLst>
+          </p:cNvPr>
+          <p:cNvSpPr txBox="1"/>
+          <p:nvPr/>
+        </p:nvSpPr>
+        <p:spPr>
+          <a:xfrm>
+            <a:off x="3899919" y="4003624"/>
+            <a:ext cx="1055474" cy="276999"/>
+          </a:xfrm>
+          <a:prstGeom prst="rect">
+            <a:avLst/>
+          </a:prstGeom>
+          <a:noFill/>
+        </p:spPr>
+        <p:txBody>
+          <a:bodyPr wrap="square" rtlCol="0">
+            <a:spAutoFit/>
+          </a:bodyPr>
+          <a:lstStyle/>
+          <a:p>
+            <a:r>
+              <a:rPr lang="hr-HR" sz="1200" b="1" dirty="0"/>
+              <a:t>/CS2</a:t>
+            </a:r>
+          </a:p>
+        </p:txBody>
+      </p:sp>
+      <p:sp>
+        <p:nvSpPr>
+          <p:cNvPr id="23" name="TekstniOkvir 22">
+            <a:extLst>
+              <a:ext uri="{FF2B5EF4-FFF2-40B4-BE49-F238E27FC236}">
+                <a16:creationId xmlns:a16="http://schemas.microsoft.com/office/drawing/2014/main" id="{A988745B-BC0A-4F65-AF0A-E28CA9CE74F7}"/>
+              </a:ext>
+            </a:extLst>
+          </p:cNvPr>
+          <p:cNvSpPr txBox="1"/>
+          <p:nvPr/>
+        </p:nvSpPr>
+        <p:spPr>
+          <a:xfrm>
+            <a:off x="3830499" y="4481897"/>
+            <a:ext cx="1055474" cy="276999"/>
+          </a:xfrm>
+          <a:prstGeom prst="rect">
+            <a:avLst/>
+          </a:prstGeom>
+          <a:noFill/>
+        </p:spPr>
+        <p:txBody>
+          <a:bodyPr wrap="square" rtlCol="0">
+            <a:spAutoFit/>
+          </a:bodyPr>
+          <a:lstStyle/>
+          <a:p>
+            <a:r>
+              <a:rPr lang="hr-HR" sz="1200" b="1" dirty="0"/>
+              <a:t>SCLK</a:t>
+            </a:r>
+          </a:p>
+        </p:txBody>
+      </p:sp>
+      <p:sp>
+        <p:nvSpPr>
+          <p:cNvPr id="24" name="TekstniOkvir 23">
+            <a:extLst>
+              <a:ext uri="{FF2B5EF4-FFF2-40B4-BE49-F238E27FC236}">
+                <a16:creationId xmlns:a16="http://schemas.microsoft.com/office/drawing/2014/main" id="{000D9923-8A77-4C09-845A-8A45A0A97550}"/>
+              </a:ext>
+            </a:extLst>
+          </p:cNvPr>
+          <p:cNvSpPr txBox="1"/>
+          <p:nvPr/>
+        </p:nvSpPr>
+        <p:spPr>
+          <a:xfrm>
+            <a:off x="3801908" y="4752639"/>
+            <a:ext cx="1055474" cy="276999"/>
+          </a:xfrm>
+          <a:prstGeom prst="rect">
+            <a:avLst/>
+          </a:prstGeom>
+          <a:noFill/>
+        </p:spPr>
+        <p:txBody>
+          <a:bodyPr wrap="square" rtlCol="0">
+            <a:spAutoFit/>
+          </a:bodyPr>
+          <a:lstStyle/>
+          <a:p>
+            <a:r>
+              <a:rPr lang="hr-HR" sz="1200" b="1" dirty="0"/>
+              <a:t>DIN</a:t>
+            </a:r>
+          </a:p>
+        </p:txBody>
+      </p:sp>
+      <p:sp>
+        <p:nvSpPr>
+          <p:cNvPr id="25" name="TekstniOkvir 24">
+            <a:extLst>
+              <a:ext uri="{FF2B5EF4-FFF2-40B4-BE49-F238E27FC236}">
+                <a16:creationId xmlns:a16="http://schemas.microsoft.com/office/drawing/2014/main" id="{EDB66E01-ADB2-4CA2-BF77-86A064BD89F7}"/>
+              </a:ext>
+            </a:extLst>
+          </p:cNvPr>
+          <p:cNvSpPr txBox="1"/>
+          <p:nvPr/>
+        </p:nvSpPr>
+        <p:spPr>
+          <a:xfrm>
+            <a:off x="3801908" y="5025250"/>
+            <a:ext cx="1055474" cy="276999"/>
+          </a:xfrm>
+          <a:prstGeom prst="rect">
+            <a:avLst/>
+          </a:prstGeom>
+          <a:noFill/>
+        </p:spPr>
+        <p:txBody>
+          <a:bodyPr wrap="square" rtlCol="0">
+            <a:spAutoFit/>
+          </a:bodyPr>
+          <a:lstStyle/>
+          <a:p>
+            <a:r>
+              <a:rPr lang="hr-HR" sz="1200" b="1" dirty="0"/>
+              <a:t>DOUT</a:t>
+            </a:r>
+          </a:p>
+        </p:txBody>
+      </p:sp>
+      <p:sp>
+        <p:nvSpPr>
+          <p:cNvPr id="26" name="Pravokutnik 25">
+            <a:extLst>
+              <a:ext uri="{FF2B5EF4-FFF2-40B4-BE49-F238E27FC236}">
+                <a16:creationId xmlns:a16="http://schemas.microsoft.com/office/drawing/2014/main" id="{99A540EA-BAC4-4927-8DDF-7C2786CFC4C9}"/>
+              </a:ext>
+            </a:extLst>
+          </p:cNvPr>
+          <p:cNvSpPr/>
+          <p:nvPr/>
+        </p:nvSpPr>
+        <p:spPr>
+          <a:xfrm>
+            <a:off x="6737524" y="1118363"/>
+            <a:ext cx="2033404" cy="3119928"/>
+          </a:xfrm>
+          <a:prstGeom prst="rect">
+            <a:avLst/>
+          </a:prstGeom>
+          <a:noFill/>
+          <a:ln>
+            <a:solidFill>
+              <a:schemeClr val="tx1"/>
+            </a:solidFill>
+          </a:ln>
+        </p:spPr>
+        <p:style>
+          <a:lnRef idx="2">
+            <a:schemeClr val="accent6">
+              <a:shade val="50000"/>
+            </a:schemeClr>
+          </a:lnRef>
+          <a:fillRef idx="1">
+            <a:schemeClr val="accent6"/>
+          </a:fillRef>
+          <a:effectRef idx="0">
+            <a:schemeClr val="accent6"/>
+          </a:effectRef>
+          <a:fontRef idx="minor">
+            <a:schemeClr val="lt1"/>
+          </a:fontRef>
+        </p:style>
+        <p:txBody>
+          <a:bodyPr rtlCol="0" anchor="ctr"/>
+          <a:lstStyle/>
+          <a:p>
+            <a:pPr algn="ctr"/>
+            <a:endParaRPr lang="hr-HR" b="1"/>
+          </a:p>
+        </p:txBody>
+      </p:sp>
+      <p:sp>
+        <p:nvSpPr>
+          <p:cNvPr id="27" name="TekstniOkvir 26">
+            <a:extLst>
+              <a:ext uri="{FF2B5EF4-FFF2-40B4-BE49-F238E27FC236}">
+                <a16:creationId xmlns:a16="http://schemas.microsoft.com/office/drawing/2014/main" id="{084CE5C0-85CB-4F6E-972F-EBEF88197D02}"/>
+              </a:ext>
+            </a:extLst>
+          </p:cNvPr>
+          <p:cNvSpPr txBox="1"/>
+          <p:nvPr/>
+        </p:nvSpPr>
+        <p:spPr>
+          <a:xfrm>
+            <a:off x="7400050" y="3218789"/>
+            <a:ext cx="1055474" cy="369332"/>
+          </a:xfrm>
+          <a:prstGeom prst="rect">
+            <a:avLst/>
+          </a:prstGeom>
+          <a:noFill/>
+        </p:spPr>
+        <p:txBody>
+          <a:bodyPr wrap="square" rtlCol="0">
+            <a:spAutoFit/>
+          </a:bodyPr>
+          <a:lstStyle/>
+          <a:p>
+            <a:r>
+              <a:rPr lang="hr-HR" dirty="0"/>
+              <a:t>ESP32</a:t>
+            </a:r>
+            <a:r>
+              <a:rPr lang="hr-HR" b="1" dirty="0"/>
+              <a:t> </a:t>
+            </a:r>
+          </a:p>
+        </p:txBody>
+      </p:sp>
+      <p:sp>
+        <p:nvSpPr>
+          <p:cNvPr id="29" name="TekstniOkvir 28">
+            <a:extLst>
+              <a:ext uri="{FF2B5EF4-FFF2-40B4-BE49-F238E27FC236}">
+                <a16:creationId xmlns:a16="http://schemas.microsoft.com/office/drawing/2014/main" id="{0461C72E-9B40-460E-854C-69103EAD0E80}"/>
+              </a:ext>
+            </a:extLst>
+          </p:cNvPr>
+          <p:cNvSpPr txBox="1"/>
+          <p:nvPr/>
+        </p:nvSpPr>
+        <p:spPr>
+          <a:xfrm>
+            <a:off x="6737524" y="1260767"/>
+            <a:ext cx="1055474" cy="276999"/>
+          </a:xfrm>
+          <a:prstGeom prst="rect">
+            <a:avLst/>
+          </a:prstGeom>
+          <a:noFill/>
+        </p:spPr>
+        <p:txBody>
+          <a:bodyPr wrap="square" rtlCol="0">
+            <a:spAutoFit/>
+          </a:bodyPr>
+          <a:lstStyle/>
+          <a:p>
+            <a:r>
+              <a:rPr lang="hr-HR" sz="1200" b="1" dirty="0"/>
+              <a:t>/INT</a:t>
+            </a:r>
+          </a:p>
+        </p:txBody>
+      </p:sp>
+      <p:sp>
+        <p:nvSpPr>
+          <p:cNvPr id="30" name="TekstniOkvir 29">
+            <a:extLst>
+              <a:ext uri="{FF2B5EF4-FFF2-40B4-BE49-F238E27FC236}">
+                <a16:creationId xmlns:a16="http://schemas.microsoft.com/office/drawing/2014/main" id="{3D4933C5-BE61-420F-AA3B-D22BB2ADF965}"/>
+              </a:ext>
+            </a:extLst>
+          </p:cNvPr>
+          <p:cNvSpPr txBox="1"/>
+          <p:nvPr/>
+        </p:nvSpPr>
+        <p:spPr>
+          <a:xfrm>
+            <a:off x="6737524" y="1478938"/>
+            <a:ext cx="1055474" cy="276999"/>
+          </a:xfrm>
+          <a:prstGeom prst="rect">
+            <a:avLst/>
+          </a:prstGeom>
+          <a:noFill/>
+        </p:spPr>
+        <p:txBody>
+          <a:bodyPr wrap="square" rtlCol="0">
+            <a:spAutoFit/>
+          </a:bodyPr>
+          <a:lstStyle/>
+          <a:p>
+            <a:r>
+              <a:rPr lang="hr-HR" sz="1200" b="1" dirty="0"/>
+              <a:t>GPIO0</a:t>
+            </a:r>
+          </a:p>
+        </p:txBody>
+      </p:sp>
+      <p:sp>
+        <p:nvSpPr>
+          <p:cNvPr id="31" name="TekstniOkvir 30">
+            <a:extLst>
+              <a:ext uri="{FF2B5EF4-FFF2-40B4-BE49-F238E27FC236}">
+                <a16:creationId xmlns:a16="http://schemas.microsoft.com/office/drawing/2014/main" id="{85052859-A41D-4748-A056-C338004649C8}"/>
+              </a:ext>
+            </a:extLst>
+          </p:cNvPr>
+          <p:cNvSpPr txBox="1"/>
+          <p:nvPr/>
+        </p:nvSpPr>
+        <p:spPr>
+          <a:xfrm>
+            <a:off x="6703812" y="1758870"/>
+            <a:ext cx="1055474" cy="276999"/>
+          </a:xfrm>
+          <a:prstGeom prst="rect">
+            <a:avLst/>
+          </a:prstGeom>
+          <a:noFill/>
+        </p:spPr>
+        <p:txBody>
+          <a:bodyPr wrap="square" rtlCol="0">
+            <a:spAutoFit/>
+          </a:bodyPr>
+          <a:lstStyle/>
+          <a:p>
+            <a:r>
+              <a:rPr lang="hr-HR" sz="1200" b="1" dirty="0"/>
+              <a:t>/GPIO1</a:t>
+            </a:r>
+          </a:p>
+        </p:txBody>
+      </p:sp>
+      <p:sp>
+        <p:nvSpPr>
+          <p:cNvPr id="32" name="TekstniOkvir 31">
+            <a:extLst>
+              <a:ext uri="{FF2B5EF4-FFF2-40B4-BE49-F238E27FC236}">
+                <a16:creationId xmlns:a16="http://schemas.microsoft.com/office/drawing/2014/main" id="{15D77CEF-F892-449F-BF86-849F0B1F5D7D}"/>
+              </a:ext>
+            </a:extLst>
+          </p:cNvPr>
+          <p:cNvSpPr txBox="1"/>
+          <p:nvPr/>
+        </p:nvSpPr>
+        <p:spPr>
+          <a:xfrm>
+            <a:off x="6724886" y="2017142"/>
+            <a:ext cx="1055474" cy="276999"/>
+          </a:xfrm>
+          <a:prstGeom prst="rect">
+            <a:avLst/>
+          </a:prstGeom>
+          <a:noFill/>
+        </p:spPr>
+        <p:txBody>
+          <a:bodyPr wrap="square" rtlCol="0">
+            <a:spAutoFit/>
+          </a:bodyPr>
+          <a:lstStyle/>
+          <a:p>
+            <a:r>
+              <a:rPr lang="hr-HR" sz="1200" b="1" dirty="0"/>
+              <a:t>SCLK</a:t>
+            </a:r>
+          </a:p>
+        </p:txBody>
+      </p:sp>
+      <p:sp>
+        <p:nvSpPr>
+          <p:cNvPr id="33" name="TekstniOkvir 32">
+            <a:extLst>
+              <a:ext uri="{FF2B5EF4-FFF2-40B4-BE49-F238E27FC236}">
+                <a16:creationId xmlns:a16="http://schemas.microsoft.com/office/drawing/2014/main" id="{063C3A8D-07B0-4621-902E-75711B687C9D}"/>
+              </a:ext>
+            </a:extLst>
+          </p:cNvPr>
+          <p:cNvSpPr txBox="1"/>
+          <p:nvPr/>
+        </p:nvSpPr>
+        <p:spPr>
+          <a:xfrm>
+            <a:off x="6698444" y="2292687"/>
+            <a:ext cx="1055474" cy="276999"/>
+          </a:xfrm>
+          <a:prstGeom prst="rect">
+            <a:avLst/>
+          </a:prstGeom>
+          <a:noFill/>
+        </p:spPr>
+        <p:txBody>
+          <a:bodyPr wrap="square" rtlCol="0">
+            <a:spAutoFit/>
+          </a:bodyPr>
+          <a:lstStyle/>
+          <a:p>
+            <a:r>
+              <a:rPr lang="hr-HR" sz="1200" b="1" dirty="0"/>
+              <a:t>MOSI</a:t>
+            </a:r>
+          </a:p>
+        </p:txBody>
+      </p:sp>
+      <p:sp>
+        <p:nvSpPr>
+          <p:cNvPr id="34" name="TekstniOkvir 33">
+            <a:extLst>
+              <a:ext uri="{FF2B5EF4-FFF2-40B4-BE49-F238E27FC236}">
+                <a16:creationId xmlns:a16="http://schemas.microsoft.com/office/drawing/2014/main" id="{4A8342B6-B1D4-428A-9879-938441194C44}"/>
+              </a:ext>
+            </a:extLst>
+          </p:cNvPr>
+          <p:cNvSpPr txBox="1"/>
+          <p:nvPr/>
+        </p:nvSpPr>
+        <p:spPr>
+          <a:xfrm>
+            <a:off x="6724886" y="2537212"/>
+            <a:ext cx="1055474" cy="276999"/>
+          </a:xfrm>
+          <a:prstGeom prst="rect">
+            <a:avLst/>
+          </a:prstGeom>
+          <a:noFill/>
+        </p:spPr>
+        <p:txBody>
+          <a:bodyPr wrap="square" rtlCol="0">
+            <a:spAutoFit/>
+          </a:bodyPr>
+          <a:lstStyle/>
+          <a:p>
+            <a:r>
+              <a:rPr lang="hr-HR" sz="1200" b="1" dirty="0"/>
+              <a:t>MISO</a:t>
+            </a:r>
+          </a:p>
+        </p:txBody>
+      </p:sp>
+      <p:cxnSp>
+        <p:nvCxnSpPr>
+          <p:cNvPr id="37" name="Ravni poveznik sa strelicom 36">
+            <a:extLst>
+              <a:ext uri="{FF2B5EF4-FFF2-40B4-BE49-F238E27FC236}">
+                <a16:creationId xmlns:a16="http://schemas.microsoft.com/office/drawing/2014/main" id="{67C22C80-4828-4D12-B3A5-5FFD304E7070}"/>
+              </a:ext>
+            </a:extLst>
+          </p:cNvPr>
+          <p:cNvCxnSpPr>
+            <a:cxnSpLocks/>
+          </p:cNvCxnSpPr>
+          <p:nvPr/>
+        </p:nvCxnSpPr>
+        <p:spPr>
+          <a:xfrm>
+            <a:off x="4437776" y="1396912"/>
+            <a:ext cx="2260668" cy="0"/>
+          </a:xfrm>
+          <a:prstGeom prst="straightConnector1">
+            <a:avLst/>
+          </a:prstGeom>
+          <a:ln w="12700">
+            <a:tailEnd type="triangle"/>
+          </a:ln>
+        </p:spPr>
+        <p:style>
+          <a:lnRef idx="1">
+            <a:schemeClr val="dk1"/>
+          </a:lnRef>
+          <a:fillRef idx="0">
+            <a:schemeClr val="dk1"/>
+          </a:fillRef>
+          <a:effectRef idx="0">
+            <a:schemeClr val="dk1"/>
+          </a:effectRef>
+          <a:fontRef idx="minor">
+            <a:schemeClr val="tx1"/>
+          </a:fontRef>
+        </p:style>
+      </p:cxnSp>
+      <p:cxnSp>
+        <p:nvCxnSpPr>
+          <p:cNvPr id="38" name="Ravni poveznik sa strelicom 37">
+            <a:extLst>
+              <a:ext uri="{FF2B5EF4-FFF2-40B4-BE49-F238E27FC236}">
+                <a16:creationId xmlns:a16="http://schemas.microsoft.com/office/drawing/2014/main" id="{49365F0D-7430-4580-AC32-BA65147C4102}"/>
+              </a:ext>
+            </a:extLst>
+          </p:cNvPr>
+          <p:cNvCxnSpPr>
+            <a:cxnSpLocks/>
+            <a:stCxn id="30" idx="1"/>
+          </p:cNvCxnSpPr>
+          <p:nvPr/>
+        </p:nvCxnSpPr>
+        <p:spPr>
+          <a:xfrm flipH="1">
+            <a:off x="4437776" y="1617438"/>
+            <a:ext cx="2299748" cy="7712"/>
+          </a:xfrm>
+          <a:prstGeom prst="straightConnector1">
+            <a:avLst/>
+          </a:prstGeom>
+          <a:ln w="12700">
+            <a:tailEnd type="triangle"/>
+          </a:ln>
+        </p:spPr>
+        <p:style>
+          <a:lnRef idx="1">
+            <a:schemeClr val="dk1"/>
+          </a:lnRef>
+          <a:fillRef idx="0">
+            <a:schemeClr val="dk1"/>
+          </a:fillRef>
+          <a:effectRef idx="0">
+            <a:schemeClr val="dk1"/>
+          </a:effectRef>
+          <a:fontRef idx="minor">
+            <a:schemeClr val="tx1"/>
+          </a:fontRef>
+        </p:style>
+      </p:cxnSp>
+      <p:cxnSp>
+        <p:nvCxnSpPr>
+          <p:cNvPr id="46" name="Poveznik: kutno 45">
+            <a:extLst>
+              <a:ext uri="{FF2B5EF4-FFF2-40B4-BE49-F238E27FC236}">
+                <a16:creationId xmlns:a16="http://schemas.microsoft.com/office/drawing/2014/main" id="{A80F132C-9823-4B71-B648-92E6B939A3D2}"/>
+              </a:ext>
+            </a:extLst>
+          </p:cNvPr>
+          <p:cNvCxnSpPr>
+            <a:cxnSpLocks/>
+          </p:cNvCxnSpPr>
+          <p:nvPr/>
+        </p:nvCxnSpPr>
+        <p:spPr>
+          <a:xfrm rot="5400000">
+            <a:off x="3907636" y="2421308"/>
+            <a:ext cx="2247685" cy="1193944"/>
+          </a:xfrm>
+          <a:prstGeom prst="bentConnector3">
+            <a:avLst>
+              <a:gd name="adj1" fmla="val 100005"/>
+            </a:avLst>
+          </a:prstGeom>
+          <a:ln w="12700">
+            <a:solidFill>
+              <a:schemeClr val="tx1"/>
+            </a:solidFill>
+            <a:tailEnd type="triangle"/>
+          </a:ln>
+        </p:spPr>
+        <p:style>
+          <a:lnRef idx="1">
+            <a:schemeClr val="accent1"/>
+          </a:lnRef>
+          <a:fillRef idx="0">
+            <a:schemeClr val="accent1"/>
+          </a:fillRef>
+          <a:effectRef idx="0">
+            <a:schemeClr val="accent1"/>
+          </a:effectRef>
+          <a:fontRef idx="minor">
+            <a:schemeClr val="tx1"/>
+          </a:fontRef>
+        </p:style>
+      </p:cxnSp>
+      <p:cxnSp>
+        <p:nvCxnSpPr>
+          <p:cNvPr id="54" name="Ravni poveznik 53">
+            <a:extLst>
+              <a:ext uri="{FF2B5EF4-FFF2-40B4-BE49-F238E27FC236}">
+                <a16:creationId xmlns:a16="http://schemas.microsoft.com/office/drawing/2014/main" id="{F5F317F7-5405-454E-8BC4-77404F8667D8}"/>
+              </a:ext>
+            </a:extLst>
+          </p:cNvPr>
+          <p:cNvCxnSpPr>
+            <a:cxnSpLocks/>
+            <a:endCxn id="31" idx="1"/>
+          </p:cNvCxnSpPr>
+          <p:nvPr/>
+        </p:nvCxnSpPr>
+        <p:spPr>
+          <a:xfrm>
+            <a:off x="5628449" y="1897370"/>
+            <a:ext cx="1075363" cy="0"/>
+          </a:xfrm>
+          <a:prstGeom prst="line">
+            <a:avLst/>
+          </a:prstGeom>
+          <a:ln w="12700">
+            <a:solidFill>
+              <a:schemeClr val="tx1"/>
+            </a:solidFill>
+          </a:ln>
+        </p:spPr>
+        <p:style>
+          <a:lnRef idx="1">
+            <a:schemeClr val="accent1"/>
+          </a:lnRef>
+          <a:fillRef idx="0">
+            <a:schemeClr val="accent1"/>
+          </a:fillRef>
+          <a:effectRef idx="0">
+            <a:schemeClr val="accent1"/>
+          </a:effectRef>
+          <a:fontRef idx="minor">
+            <a:schemeClr val="tx1"/>
+          </a:fontRef>
+        </p:style>
+      </p:cxnSp>
+      <p:cxnSp>
+        <p:nvCxnSpPr>
+          <p:cNvPr id="71" name="Ravni poveznik sa strelicom 70">
+            <a:extLst>
+              <a:ext uri="{FF2B5EF4-FFF2-40B4-BE49-F238E27FC236}">
+                <a16:creationId xmlns:a16="http://schemas.microsoft.com/office/drawing/2014/main" id="{3D0BE79D-8C75-4E06-AEC1-56CCA9D67373}"/>
+              </a:ext>
+            </a:extLst>
+          </p:cNvPr>
+          <p:cNvCxnSpPr>
+            <a:cxnSpLocks/>
+            <a:stCxn id="32" idx="1"/>
+          </p:cNvCxnSpPr>
+          <p:nvPr/>
+        </p:nvCxnSpPr>
+        <p:spPr>
+          <a:xfrm flipH="1" flipV="1">
+            <a:off x="4432924" y="2145414"/>
+            <a:ext cx="2291962" cy="10228"/>
+          </a:xfrm>
+          <a:prstGeom prst="straightConnector1">
+            <a:avLst/>
+          </a:prstGeom>
+          <a:ln w="12700">
+            <a:tailEnd type="triangle"/>
+          </a:ln>
+        </p:spPr>
+        <p:style>
+          <a:lnRef idx="1">
+            <a:schemeClr val="dk1"/>
+          </a:lnRef>
+          <a:fillRef idx="0">
+            <a:schemeClr val="dk1"/>
+          </a:fillRef>
+          <a:effectRef idx="0">
+            <a:schemeClr val="dk1"/>
+          </a:effectRef>
+          <a:fontRef idx="minor">
+            <a:schemeClr val="tx1"/>
+          </a:fontRef>
+        </p:style>
+      </p:cxnSp>
+      <p:cxnSp>
+        <p:nvCxnSpPr>
+          <p:cNvPr id="72" name="Ravni poveznik sa strelicom 71">
+            <a:extLst>
+              <a:ext uri="{FF2B5EF4-FFF2-40B4-BE49-F238E27FC236}">
+                <a16:creationId xmlns:a16="http://schemas.microsoft.com/office/drawing/2014/main" id="{ACFFA504-8CCC-4E47-BC67-0A8B030A8384}"/>
+              </a:ext>
+            </a:extLst>
+          </p:cNvPr>
+          <p:cNvCxnSpPr>
+            <a:cxnSpLocks/>
+            <a:stCxn id="33" idx="1"/>
+          </p:cNvCxnSpPr>
+          <p:nvPr/>
+        </p:nvCxnSpPr>
+        <p:spPr>
+          <a:xfrm flipH="1">
+            <a:off x="4427656" y="2431187"/>
+            <a:ext cx="2270788" cy="11835"/>
+          </a:xfrm>
+          <a:prstGeom prst="straightConnector1">
+            <a:avLst/>
+          </a:prstGeom>
+          <a:ln w="12700">
+            <a:tailEnd type="triangle"/>
+          </a:ln>
+        </p:spPr>
+        <p:style>
+          <a:lnRef idx="1">
+            <a:schemeClr val="dk1"/>
+          </a:lnRef>
+          <a:fillRef idx="0">
+            <a:schemeClr val="dk1"/>
+          </a:fillRef>
+          <a:effectRef idx="0">
+            <a:schemeClr val="dk1"/>
+          </a:effectRef>
+          <a:fontRef idx="minor">
+            <a:schemeClr val="tx1"/>
+          </a:fontRef>
+        </p:style>
+      </p:cxnSp>
+      <p:cxnSp>
+        <p:nvCxnSpPr>
+          <p:cNvPr id="73" name="Ravni poveznik sa strelicom 72">
+            <a:extLst>
+              <a:ext uri="{FF2B5EF4-FFF2-40B4-BE49-F238E27FC236}">
+                <a16:creationId xmlns:a16="http://schemas.microsoft.com/office/drawing/2014/main" id="{AA35BE3B-C16D-4AB6-9118-8960B8DA96E0}"/>
+              </a:ext>
+            </a:extLst>
+          </p:cNvPr>
+          <p:cNvCxnSpPr>
+            <a:cxnSpLocks/>
+            <a:endCxn id="34" idx="1"/>
+          </p:cNvCxnSpPr>
+          <p:nvPr/>
+        </p:nvCxnSpPr>
+        <p:spPr>
+          <a:xfrm>
+            <a:off x="4437776" y="2675711"/>
+            <a:ext cx="2287110" cy="1"/>
+          </a:xfrm>
+          <a:prstGeom prst="straightConnector1">
+            <a:avLst/>
+          </a:prstGeom>
+          <a:ln w="12700">
+            <a:tailEnd type="triangle"/>
+          </a:ln>
+        </p:spPr>
+        <p:style>
+          <a:lnRef idx="1">
+            <a:schemeClr val="dk1"/>
+          </a:lnRef>
+          <a:fillRef idx="0">
+            <a:schemeClr val="dk1"/>
+          </a:fillRef>
+          <a:effectRef idx="0">
+            <a:schemeClr val="dk1"/>
+          </a:effectRef>
+          <a:fontRef idx="minor">
+            <a:schemeClr val="tx1"/>
+          </a:fontRef>
+        </p:style>
+      </p:cxnSp>
+      <p:cxnSp>
+        <p:nvCxnSpPr>
+          <p:cNvPr id="90" name="Poveznik: kutno 89">
+            <a:extLst>
+              <a:ext uri="{FF2B5EF4-FFF2-40B4-BE49-F238E27FC236}">
+                <a16:creationId xmlns:a16="http://schemas.microsoft.com/office/drawing/2014/main" id="{1F460D90-4E18-461C-A3DC-AD7202DAFCB7}"/>
+              </a:ext>
+            </a:extLst>
+          </p:cNvPr>
+          <p:cNvCxnSpPr>
+            <a:cxnSpLocks/>
+          </p:cNvCxnSpPr>
+          <p:nvPr/>
+        </p:nvCxnSpPr>
+        <p:spPr>
+          <a:xfrm rot="5400000">
+            <a:off x="3982023" y="2606840"/>
+            <a:ext cx="2465141" cy="1578911"/>
+          </a:xfrm>
+          <a:prstGeom prst="bentConnector3">
+            <a:avLst>
+              <a:gd name="adj1" fmla="val 99844"/>
+            </a:avLst>
+          </a:prstGeom>
+          <a:ln w="12700">
+            <a:solidFill>
+              <a:schemeClr val="tx1"/>
+            </a:solidFill>
+            <a:tailEnd type="triangle"/>
+          </a:ln>
+        </p:spPr>
+        <p:style>
+          <a:lnRef idx="1">
+            <a:schemeClr val="accent1"/>
+          </a:lnRef>
+          <a:fillRef idx="0">
+            <a:schemeClr val="accent1"/>
+          </a:fillRef>
+          <a:effectRef idx="0">
+            <a:schemeClr val="accent1"/>
+          </a:effectRef>
+          <a:fontRef idx="minor">
+            <a:schemeClr val="tx1"/>
+          </a:fontRef>
+        </p:style>
+      </p:cxnSp>
+      <p:cxnSp>
+        <p:nvCxnSpPr>
+          <p:cNvPr id="93" name="Poveznik: kutno 92">
+            <a:extLst>
+              <a:ext uri="{FF2B5EF4-FFF2-40B4-BE49-F238E27FC236}">
+                <a16:creationId xmlns:a16="http://schemas.microsoft.com/office/drawing/2014/main" id="{0FE93D36-8A20-432B-8A37-D7BB97E18AF5}"/>
+              </a:ext>
+            </a:extLst>
+          </p:cNvPr>
+          <p:cNvCxnSpPr>
+            <a:cxnSpLocks/>
+          </p:cNvCxnSpPr>
+          <p:nvPr/>
+        </p:nvCxnSpPr>
+        <p:spPr>
+          <a:xfrm rot="5400000">
+            <a:off x="4123416" y="2740493"/>
+            <a:ext cx="2485735" cy="1832494"/>
+          </a:xfrm>
+          <a:prstGeom prst="bentConnector3">
+            <a:avLst>
+              <a:gd name="adj1" fmla="val 100197"/>
+            </a:avLst>
+          </a:prstGeom>
+          <a:ln w="12700">
+            <a:solidFill>
+              <a:schemeClr val="tx1"/>
+            </a:solidFill>
+            <a:tailEnd type="triangle"/>
+          </a:ln>
+        </p:spPr>
+        <p:style>
+          <a:lnRef idx="1">
+            <a:schemeClr val="accent1"/>
+          </a:lnRef>
+          <a:fillRef idx="0">
+            <a:schemeClr val="accent1"/>
+          </a:fillRef>
+          <a:effectRef idx="0">
+            <a:schemeClr val="accent1"/>
+          </a:effectRef>
+          <a:fontRef idx="minor">
+            <a:schemeClr val="tx1"/>
+          </a:fontRef>
+        </p:style>
+      </p:cxnSp>
+      <p:cxnSp>
+        <p:nvCxnSpPr>
+          <p:cNvPr id="97" name="Poveznik: kutno 96">
+            <a:extLst>
+              <a:ext uri="{FF2B5EF4-FFF2-40B4-BE49-F238E27FC236}">
+                <a16:creationId xmlns:a16="http://schemas.microsoft.com/office/drawing/2014/main" id="{C6F5769A-27AF-427E-986B-4626FEC4E821}"/>
+              </a:ext>
+            </a:extLst>
+          </p:cNvPr>
+          <p:cNvCxnSpPr>
+            <a:cxnSpLocks/>
+          </p:cNvCxnSpPr>
+          <p:nvPr/>
+        </p:nvCxnSpPr>
+        <p:spPr>
+          <a:xfrm rot="5400000">
+            <a:off x="4233019" y="2872205"/>
+            <a:ext cx="2497585" cy="2108310"/>
+          </a:xfrm>
+          <a:prstGeom prst="bentConnector3">
+            <a:avLst>
+              <a:gd name="adj1" fmla="val 99959"/>
+            </a:avLst>
+          </a:prstGeom>
+          <a:ln w="12700">
+            <a:solidFill>
+              <a:schemeClr val="tx1"/>
+            </a:solidFill>
+            <a:tailEnd type="triangle"/>
+          </a:ln>
+        </p:spPr>
+        <p:style>
+          <a:lnRef idx="1">
+            <a:schemeClr val="accent1"/>
+          </a:lnRef>
+          <a:fillRef idx="0">
+            <a:schemeClr val="accent1"/>
+          </a:fillRef>
+          <a:effectRef idx="0">
+            <a:schemeClr val="accent1"/>
+          </a:effectRef>
+          <a:fontRef idx="minor">
+            <a:schemeClr val="tx1"/>
+          </a:fontRef>
+        </p:style>
+      </p:cxnSp>
+      <p:sp>
+        <p:nvSpPr>
+          <p:cNvPr id="103" name="Elipsa 102">
+            <a:extLst>
+              <a:ext uri="{FF2B5EF4-FFF2-40B4-BE49-F238E27FC236}">
+                <a16:creationId xmlns:a16="http://schemas.microsoft.com/office/drawing/2014/main" id="{E6C2E8FE-728D-4696-8EB1-1FA762415EB2}"/>
+              </a:ext>
+            </a:extLst>
+          </p:cNvPr>
+          <p:cNvSpPr/>
+          <p:nvPr/>
+        </p:nvSpPr>
+        <p:spPr>
+          <a:xfrm>
+            <a:off x="5981402" y="2138149"/>
+            <a:ext cx="58993" cy="58993"/>
+          </a:xfrm>
+          <a:prstGeom prst="ellipse">
+            <a:avLst/>
+          </a:prstGeom>
+        </p:spPr>
+        <p:style>
+          <a:lnRef idx="2">
+            <a:schemeClr val="dk1">
+              <a:shade val="50000"/>
+            </a:schemeClr>
+          </a:lnRef>
+          <a:fillRef idx="1">
+            <a:schemeClr val="dk1"/>
+          </a:fillRef>
+          <a:effectRef idx="0">
+            <a:schemeClr val="dk1"/>
+          </a:effectRef>
+          <a:fontRef idx="minor">
+            <a:schemeClr val="lt1"/>
+          </a:fontRef>
+        </p:style>
+        <p:txBody>
+          <a:bodyPr rtlCol="0" anchor="ctr"/>
+          <a:lstStyle/>
+          <a:p>
+            <a:pPr algn="ctr"/>
             <a:endParaRPr lang="hr-HR"/>
           </a:p>
         </p:txBody>
       </p:sp>
       <p:sp>
         <p:nvSpPr>
-          <p:cNvPr id="3" name="Rezervirano mjesto sadržaja 2">
-            <a:extLst>
-              <a:ext uri="{FF2B5EF4-FFF2-40B4-BE49-F238E27FC236}">
-                <a16:creationId xmlns:a16="http://schemas.microsoft.com/office/drawing/2014/main" id="{EC79B147-9861-4472-B128-10035C213247}"/>
-              </a:ext>
-            </a:extLst>
-          </p:cNvPr>
-          <p:cNvSpPr>
-            <a:spLocks noGrp="1"/>
-          </p:cNvSpPr>
-          <p:nvPr>
-            <p:ph idx="1"/>
-          </p:nvPr>
-        </p:nvSpPr>
-        <p:spPr/>
-        <p:txBody>
-          <a:bodyPr/>
-          <a:lstStyle/>
-          <a:p>
+          <p:cNvPr id="104" name="Elipsa 103">
+            <a:extLst>
+              <a:ext uri="{FF2B5EF4-FFF2-40B4-BE49-F238E27FC236}">
+                <a16:creationId xmlns:a16="http://schemas.microsoft.com/office/drawing/2014/main" id="{B2C19EA4-8D5E-49BD-B7FF-41CC13796F9A}"/>
+              </a:ext>
+            </a:extLst>
+          </p:cNvPr>
+          <p:cNvSpPr/>
+          <p:nvPr/>
+        </p:nvSpPr>
+        <p:spPr>
+          <a:xfrm>
+            <a:off x="6251503" y="2416905"/>
+            <a:ext cx="58993" cy="58993"/>
+          </a:xfrm>
+          <a:prstGeom prst="ellipse">
+            <a:avLst/>
+          </a:prstGeom>
+        </p:spPr>
+        <p:style>
+          <a:lnRef idx="2">
+            <a:schemeClr val="dk1">
+              <a:shade val="50000"/>
+            </a:schemeClr>
+          </a:lnRef>
+          <a:fillRef idx="1">
+            <a:schemeClr val="dk1"/>
+          </a:fillRef>
+          <a:effectRef idx="0">
+            <a:schemeClr val="dk1"/>
+          </a:effectRef>
+          <a:fontRef idx="minor">
+            <a:schemeClr val="lt1"/>
+          </a:fontRef>
+        </p:style>
+        <p:txBody>
+          <a:bodyPr rtlCol="0" anchor="ctr"/>
+          <a:lstStyle/>
+          <a:p>
+            <a:pPr algn="ctr"/>
+            <a:endParaRPr lang="hr-HR"/>
+          </a:p>
+        </p:txBody>
+      </p:sp>
+      <p:sp>
+        <p:nvSpPr>
+          <p:cNvPr id="105" name="Elipsa 104">
+            <a:extLst>
+              <a:ext uri="{FF2B5EF4-FFF2-40B4-BE49-F238E27FC236}">
+                <a16:creationId xmlns:a16="http://schemas.microsoft.com/office/drawing/2014/main" id="{21FABD7E-07A1-4C8D-A433-5B9A1C1048AD}"/>
+              </a:ext>
+            </a:extLst>
+          </p:cNvPr>
+          <p:cNvSpPr/>
+          <p:nvPr/>
+        </p:nvSpPr>
+        <p:spPr>
+          <a:xfrm>
+            <a:off x="6499771" y="2659752"/>
+            <a:ext cx="58993" cy="58993"/>
+          </a:xfrm>
+          <a:prstGeom prst="ellipse">
+            <a:avLst/>
+          </a:prstGeom>
+        </p:spPr>
+        <p:style>
+          <a:lnRef idx="2">
+            <a:schemeClr val="dk1">
+              <a:shade val="50000"/>
+            </a:schemeClr>
+          </a:lnRef>
+          <a:fillRef idx="1">
+            <a:schemeClr val="dk1"/>
+          </a:fillRef>
+          <a:effectRef idx="0">
+            <a:schemeClr val="dk1"/>
+          </a:effectRef>
+          <a:fontRef idx="minor">
+            <a:schemeClr val="lt1"/>
+          </a:fontRef>
+        </p:style>
+        <p:txBody>
+          <a:bodyPr rtlCol="0" anchor="ctr"/>
+          <a:lstStyle/>
+          <a:p>
+            <a:pPr algn="ctr"/>
+            <a:endParaRPr lang="hr-HR"/>
+          </a:p>
+        </p:txBody>
+      </p:sp>
+      <p:cxnSp>
+        <p:nvCxnSpPr>
+          <p:cNvPr id="106" name="Poveznik: kutno 105">
+            <a:extLst>
+              <a:ext uri="{FF2B5EF4-FFF2-40B4-BE49-F238E27FC236}">
+                <a16:creationId xmlns:a16="http://schemas.microsoft.com/office/drawing/2014/main" id="{F7F9172C-A994-4BD5-84AB-B47556A879FC}"/>
+              </a:ext>
+            </a:extLst>
+          </p:cNvPr>
+          <p:cNvCxnSpPr>
+            <a:cxnSpLocks/>
+            <a:endCxn id="19" idx="1"/>
+          </p:cNvCxnSpPr>
+          <p:nvPr/>
+        </p:nvCxnSpPr>
+        <p:spPr>
+          <a:xfrm rot="16200000" flipH="1">
+            <a:off x="885599" y="2379577"/>
+            <a:ext cx="2509808" cy="517617"/>
+          </a:xfrm>
+          <a:prstGeom prst="bentConnector2">
+            <a:avLst/>
+          </a:prstGeom>
+          <a:ln w="12700">
+            <a:solidFill>
+              <a:schemeClr val="tx1"/>
+            </a:solidFill>
+            <a:tailEnd type="triangle"/>
+          </a:ln>
+        </p:spPr>
+        <p:style>
+          <a:lnRef idx="1">
+            <a:schemeClr val="accent1"/>
+          </a:lnRef>
+          <a:fillRef idx="0">
+            <a:schemeClr val="accent1"/>
+          </a:fillRef>
+          <a:effectRef idx="0">
+            <a:schemeClr val="accent1"/>
+          </a:effectRef>
+          <a:fontRef idx="minor">
+            <a:schemeClr val="tx1"/>
+          </a:fontRef>
+        </p:style>
+      </p:cxnSp>
+      <p:cxnSp>
+        <p:nvCxnSpPr>
+          <p:cNvPr id="109" name="Ravni poveznik sa strelicom 108">
+            <a:extLst>
+              <a:ext uri="{FF2B5EF4-FFF2-40B4-BE49-F238E27FC236}">
+                <a16:creationId xmlns:a16="http://schemas.microsoft.com/office/drawing/2014/main" id="{FFCD91C7-E295-49BD-AF3B-5A3C4BB52526}"/>
+              </a:ext>
+            </a:extLst>
+          </p:cNvPr>
+          <p:cNvCxnSpPr>
+            <a:cxnSpLocks/>
+          </p:cNvCxnSpPr>
+          <p:nvPr/>
+        </p:nvCxnSpPr>
+        <p:spPr>
+          <a:xfrm>
+            <a:off x="1196340" y="1383481"/>
+            <a:ext cx="1202972" cy="0"/>
+          </a:xfrm>
+          <a:prstGeom prst="straightConnector1">
+            <a:avLst/>
+          </a:prstGeom>
+          <a:ln w="12700">
+            <a:tailEnd type="triangle"/>
+          </a:ln>
+        </p:spPr>
+        <p:style>
+          <a:lnRef idx="1">
+            <a:schemeClr val="dk1"/>
+          </a:lnRef>
+          <a:fillRef idx="0">
+            <a:schemeClr val="dk1"/>
+          </a:fillRef>
+          <a:effectRef idx="0">
+            <a:schemeClr val="dk1"/>
+          </a:effectRef>
+          <a:fontRef idx="minor">
+            <a:schemeClr val="tx1"/>
+          </a:fontRef>
+        </p:style>
+      </p:cxnSp>
+      <p:sp>
+        <p:nvSpPr>
+          <p:cNvPr id="112" name="Elipsa 111">
+            <a:extLst>
+              <a:ext uri="{FF2B5EF4-FFF2-40B4-BE49-F238E27FC236}">
+                <a16:creationId xmlns:a16="http://schemas.microsoft.com/office/drawing/2014/main" id="{912ED9BE-B746-4B18-98A5-7EE0270B5932}"/>
+              </a:ext>
+            </a:extLst>
+          </p:cNvPr>
+          <p:cNvSpPr/>
+          <p:nvPr/>
+        </p:nvSpPr>
+        <p:spPr>
+          <a:xfrm>
+            <a:off x="1859585" y="1353983"/>
+            <a:ext cx="58993" cy="58993"/>
+          </a:xfrm>
+          <a:prstGeom prst="ellipse">
+            <a:avLst/>
+          </a:prstGeom>
+        </p:spPr>
+        <p:style>
+          <a:lnRef idx="2">
+            <a:schemeClr val="dk1">
+              <a:shade val="50000"/>
+            </a:schemeClr>
+          </a:lnRef>
+          <a:fillRef idx="1">
+            <a:schemeClr val="dk1"/>
+          </a:fillRef>
+          <a:effectRef idx="0">
+            <a:schemeClr val="dk1"/>
+          </a:effectRef>
+          <a:fontRef idx="minor">
+            <a:schemeClr val="lt1"/>
+          </a:fontRef>
+        </p:style>
+        <p:txBody>
+          <a:bodyPr rtlCol="0" anchor="ctr"/>
+          <a:lstStyle/>
+          <a:p>
+            <a:pPr algn="ctr"/>
             <a:endParaRPr lang="hr-HR"/>
           </a:p>
         </p:txBody>
@@ -8656,6 +10287,96 @@
     <p:extLst>
       <p:ext uri="{BB962C8B-B14F-4D97-AF65-F5344CB8AC3E}">
         <p14:creationId xmlns:p14="http://schemas.microsoft.com/office/powerpoint/2010/main" val="2012733072"/>
+      </p:ext>
+    </p:extLst>
+  </p:cSld>
+  <p:clrMapOvr>
+    <a:masterClrMapping/>
+  </p:clrMapOvr>
+</p:sld>
+</file>
+
+<file path=ppt/slides/slide18.xml><?xml version="1.0" encoding="utf-8"?>
+<p:sld xmlns:a="http://schemas.openxmlformats.org/drawingml/2006/main" xmlns:r="http://schemas.openxmlformats.org/officeDocument/2006/relationships" xmlns:p="http://schemas.openxmlformats.org/presentationml/2006/main">
+  <p:cSld>
+    <p:spTree>
+      <p:nvGrpSpPr>
+        <p:cNvPr id="1" name=""/>
+        <p:cNvGrpSpPr/>
+        <p:nvPr/>
+      </p:nvGrpSpPr>
+      <p:grpSpPr>
+        <a:xfrm>
+          <a:off x="0" y="0"/>
+          <a:ext cx="0" cy="0"/>
+          <a:chOff x="0" y="0"/>
+          <a:chExt cx="0" cy="0"/>
+        </a:xfrm>
+      </p:grpSpPr>
+      <p:pic>
+        <p:nvPicPr>
+          <p:cNvPr id="5" name="Slika 4">
+            <a:extLst>
+              <a:ext uri="{FF2B5EF4-FFF2-40B4-BE49-F238E27FC236}">
+                <a16:creationId xmlns:a16="http://schemas.microsoft.com/office/drawing/2014/main" id="{DF31DB29-D4E9-4BA4-BB3A-9097741E5B0F}"/>
+              </a:ext>
+            </a:extLst>
+          </p:cNvPr>
+          <p:cNvPicPr>
+            <a:picLocks noChangeAspect="1"/>
+          </p:cNvPicPr>
+          <p:nvPr/>
+        </p:nvPicPr>
+        <p:blipFill>
+          <a:blip r:embed="rId2"/>
+          <a:stretch>
+            <a:fillRect/>
+          </a:stretch>
+        </p:blipFill>
+        <p:spPr>
+          <a:xfrm>
+            <a:off x="1179409" y="393877"/>
+            <a:ext cx="7079823" cy="2902480"/>
+          </a:xfrm>
+          <a:prstGeom prst="rect">
+            <a:avLst/>
+          </a:prstGeom>
+        </p:spPr>
+      </p:pic>
+      <p:pic>
+        <p:nvPicPr>
+          <p:cNvPr id="7" name="Slika 6">
+            <a:extLst>
+              <a:ext uri="{FF2B5EF4-FFF2-40B4-BE49-F238E27FC236}">
+                <a16:creationId xmlns:a16="http://schemas.microsoft.com/office/drawing/2014/main" id="{5AE929A9-760D-479D-A21C-B4EDB41F919F}"/>
+              </a:ext>
+            </a:extLst>
+          </p:cNvPr>
+          <p:cNvPicPr>
+            <a:picLocks noChangeAspect="1"/>
+          </p:cNvPicPr>
+          <p:nvPr/>
+        </p:nvPicPr>
+        <p:blipFill>
+          <a:blip r:embed="rId3"/>
+          <a:stretch>
+            <a:fillRect/>
+          </a:stretch>
+        </p:blipFill>
+        <p:spPr>
+          <a:xfrm>
+            <a:off x="1070681" y="3463683"/>
+            <a:ext cx="7188552" cy="3000439"/>
+          </a:xfrm>
+          <a:prstGeom prst="rect">
+            <a:avLst/>
+          </a:prstGeom>
+        </p:spPr>
+      </p:pic>
+    </p:spTree>
+    <p:extLst>
+      <p:ext uri="{BB962C8B-B14F-4D97-AF65-F5344CB8AC3E}">
+        <p14:creationId xmlns:p14="http://schemas.microsoft.com/office/powerpoint/2010/main" val="1318858315"/>
       </p:ext>
     </p:extLst>
   </p:cSld>

--- a/Diplomski tekst/Blok sheme.pptx
+++ b/Diplomski tekst/Blok sheme.pptx
@@ -23,6 +23,8 @@
     <p:sldId id="271" r:id="rId17"/>
     <p:sldId id="272" r:id="rId18"/>
     <p:sldId id="273" r:id="rId19"/>
+    <p:sldId id="274" r:id="rId20"/>
+    <p:sldId id="275" r:id="rId21"/>
   </p:sldIdLst>
   <p:sldSz cx="12192000" cy="6858000"/>
   <p:notesSz cx="6858000" cy="9144000"/>
@@ -276,7 +278,7 @@
           <a:p>
             <a:fld id="{E41A3F50-E5FE-4EBE-A75B-86E2E3DC153B}" type="datetimeFigureOut">
               <a:rPr lang="hr-HR" smtClean="0"/>
-              <a:t>18.5.2021.</a:t>
+              <a:t>13.6.2021.</a:t>
             </a:fld>
             <a:endParaRPr lang="hr-HR"/>
           </a:p>
@@ -474,7 +476,7 @@
           <a:p>
             <a:fld id="{E41A3F50-E5FE-4EBE-A75B-86E2E3DC153B}" type="datetimeFigureOut">
               <a:rPr lang="hr-HR" smtClean="0"/>
-              <a:t>18.5.2021.</a:t>
+              <a:t>13.6.2021.</a:t>
             </a:fld>
             <a:endParaRPr lang="hr-HR"/>
           </a:p>
@@ -682,7 +684,7 @@
           <a:p>
             <a:fld id="{E41A3F50-E5FE-4EBE-A75B-86E2E3DC153B}" type="datetimeFigureOut">
               <a:rPr lang="hr-HR" smtClean="0"/>
-              <a:t>18.5.2021.</a:t>
+              <a:t>13.6.2021.</a:t>
             </a:fld>
             <a:endParaRPr lang="hr-HR"/>
           </a:p>
@@ -880,7 +882,7 @@
           <a:p>
             <a:fld id="{E41A3F50-E5FE-4EBE-A75B-86E2E3DC153B}" type="datetimeFigureOut">
               <a:rPr lang="hr-HR" smtClean="0"/>
-              <a:t>18.5.2021.</a:t>
+              <a:t>13.6.2021.</a:t>
             </a:fld>
             <a:endParaRPr lang="hr-HR"/>
           </a:p>
@@ -1155,7 +1157,7 @@
           <a:p>
             <a:fld id="{E41A3F50-E5FE-4EBE-A75B-86E2E3DC153B}" type="datetimeFigureOut">
               <a:rPr lang="hr-HR" smtClean="0"/>
-              <a:t>18.5.2021.</a:t>
+              <a:t>13.6.2021.</a:t>
             </a:fld>
             <a:endParaRPr lang="hr-HR"/>
           </a:p>
@@ -1420,7 +1422,7 @@
           <a:p>
             <a:fld id="{E41A3F50-E5FE-4EBE-A75B-86E2E3DC153B}" type="datetimeFigureOut">
               <a:rPr lang="hr-HR" smtClean="0"/>
-              <a:t>18.5.2021.</a:t>
+              <a:t>13.6.2021.</a:t>
             </a:fld>
             <a:endParaRPr lang="hr-HR"/>
           </a:p>
@@ -1832,7 +1834,7 @@
           <a:p>
             <a:fld id="{E41A3F50-E5FE-4EBE-A75B-86E2E3DC153B}" type="datetimeFigureOut">
               <a:rPr lang="hr-HR" smtClean="0"/>
-              <a:t>18.5.2021.</a:t>
+              <a:t>13.6.2021.</a:t>
             </a:fld>
             <a:endParaRPr lang="hr-HR"/>
           </a:p>
@@ -1973,7 +1975,7 @@
           <a:p>
             <a:fld id="{E41A3F50-E5FE-4EBE-A75B-86E2E3DC153B}" type="datetimeFigureOut">
               <a:rPr lang="hr-HR" smtClean="0"/>
-              <a:t>18.5.2021.</a:t>
+              <a:t>13.6.2021.</a:t>
             </a:fld>
             <a:endParaRPr lang="hr-HR"/>
           </a:p>
@@ -2086,7 +2088,7 @@
           <a:p>
             <a:fld id="{E41A3F50-E5FE-4EBE-A75B-86E2E3DC153B}" type="datetimeFigureOut">
               <a:rPr lang="hr-HR" smtClean="0"/>
-              <a:t>18.5.2021.</a:t>
+              <a:t>13.6.2021.</a:t>
             </a:fld>
             <a:endParaRPr lang="hr-HR"/>
           </a:p>
@@ -2397,7 +2399,7 @@
           <a:p>
             <a:fld id="{E41A3F50-E5FE-4EBE-A75B-86E2E3DC153B}" type="datetimeFigureOut">
               <a:rPr lang="hr-HR" smtClean="0"/>
-              <a:t>18.5.2021.</a:t>
+              <a:t>13.6.2021.</a:t>
             </a:fld>
             <a:endParaRPr lang="hr-HR"/>
           </a:p>
@@ -2685,7 +2687,7 @@
           <a:p>
             <a:fld id="{E41A3F50-E5FE-4EBE-A75B-86E2E3DC153B}" type="datetimeFigureOut">
               <a:rPr lang="hr-HR" smtClean="0"/>
-              <a:t>18.5.2021.</a:t>
+              <a:t>13.6.2021.</a:t>
             </a:fld>
             <a:endParaRPr lang="hr-HR"/>
           </a:p>
@@ -2926,7 +2928,7 @@
           <a:p>
             <a:fld id="{E41A3F50-E5FE-4EBE-A75B-86E2E3DC153B}" type="datetimeFigureOut">
               <a:rPr lang="hr-HR" smtClean="0"/>
-              <a:t>18.5.2021.</a:t>
+              <a:t>13.6.2021.</a:t>
             </a:fld>
             <a:endParaRPr lang="hr-HR"/>
           </a:p>
@@ -10386,6 +10388,66 @@
 </p:sld>
 </file>
 
+<file path=ppt/slides/slide19.xml><?xml version="1.0" encoding="utf-8"?>
+<p:sld xmlns:a="http://schemas.openxmlformats.org/drawingml/2006/main" xmlns:r="http://schemas.openxmlformats.org/officeDocument/2006/relationships" xmlns:p="http://schemas.openxmlformats.org/presentationml/2006/main">
+  <p:cSld>
+    <p:spTree>
+      <p:nvGrpSpPr>
+        <p:cNvPr id="1" name=""/>
+        <p:cNvGrpSpPr/>
+        <p:nvPr/>
+      </p:nvGrpSpPr>
+      <p:grpSpPr>
+        <a:xfrm>
+          <a:off x="0" y="0"/>
+          <a:ext cx="0" cy="0"/>
+          <a:chOff x="0" y="0"/>
+          <a:chExt cx="0" cy="0"/>
+        </a:xfrm>
+      </p:grpSpPr>
+      <p:pic>
+        <p:nvPicPr>
+          <p:cNvPr id="5" name="Slika 4">
+            <a:extLst>
+              <a:ext uri="{FF2B5EF4-FFF2-40B4-BE49-F238E27FC236}">
+                <a16:creationId xmlns:a16="http://schemas.microsoft.com/office/drawing/2014/main" id="{71880AB9-CE11-411F-96FC-FA3F30C928BE}"/>
+              </a:ext>
+            </a:extLst>
+          </p:cNvPr>
+          <p:cNvPicPr>
+            <a:picLocks noChangeAspect="1"/>
+          </p:cNvPicPr>
+          <p:nvPr/>
+        </p:nvPicPr>
+        <p:blipFill>
+          <a:blip r:embed="rId2"/>
+          <a:stretch>
+            <a:fillRect/>
+          </a:stretch>
+        </p:blipFill>
+        <p:spPr>
+          <a:xfrm>
+            <a:off x="2823157" y="83890"/>
+            <a:ext cx="6228564" cy="6508742"/>
+          </a:xfrm>
+          <a:prstGeom prst="rect">
+            <a:avLst/>
+          </a:prstGeom>
+        </p:spPr>
+      </p:pic>
+    </p:spTree>
+    <p:extLst>
+      <p:ext uri="{BB962C8B-B14F-4D97-AF65-F5344CB8AC3E}">
+        <p14:creationId xmlns:p14="http://schemas.microsoft.com/office/powerpoint/2010/main" val="2459314689"/>
+      </p:ext>
+    </p:extLst>
+  </p:cSld>
+  <p:clrMapOvr>
+    <a:masterClrMapping/>
+  </p:clrMapOvr>
+</p:sld>
+</file>
+
 <file path=ppt/slides/slide2.xml><?xml version="1.0" encoding="utf-8"?>
 <p:sld xmlns:a="http://schemas.openxmlformats.org/drawingml/2006/main" xmlns:r="http://schemas.openxmlformats.org/officeDocument/2006/relationships" xmlns:p="http://schemas.openxmlformats.org/presentationml/2006/main">
   <p:cSld>
@@ -10946,6 +11008,1724 @@
     <p:extLst>
       <p:ext uri="{BB962C8B-B14F-4D97-AF65-F5344CB8AC3E}">
         <p14:creationId xmlns:p14="http://schemas.microsoft.com/office/powerpoint/2010/main" val="1056868750"/>
+      </p:ext>
+    </p:extLst>
+  </p:cSld>
+  <p:clrMapOvr>
+    <a:masterClrMapping/>
+  </p:clrMapOvr>
+</p:sld>
+</file>
+
+<file path=ppt/slides/slide20.xml><?xml version="1.0" encoding="utf-8"?>
+<p:sld xmlns:a="http://schemas.openxmlformats.org/drawingml/2006/main" xmlns:r="http://schemas.openxmlformats.org/officeDocument/2006/relationships" xmlns:p="http://schemas.openxmlformats.org/presentationml/2006/main">
+  <p:cSld>
+    <p:spTree>
+      <p:nvGrpSpPr>
+        <p:cNvPr id="1" name=""/>
+        <p:cNvGrpSpPr/>
+        <p:nvPr/>
+      </p:nvGrpSpPr>
+      <p:grpSpPr>
+        <a:xfrm>
+          <a:off x="0" y="0"/>
+          <a:ext cx="0" cy="0"/>
+          <a:chOff x="0" y="0"/>
+          <a:chExt cx="0" cy="0"/>
+        </a:xfrm>
+      </p:grpSpPr>
+      <p:pic>
+        <p:nvPicPr>
+          <p:cNvPr id="4" name="Slika 3">
+            <a:extLst>
+              <a:ext uri="{FF2B5EF4-FFF2-40B4-BE49-F238E27FC236}">
+                <a16:creationId xmlns:a16="http://schemas.microsoft.com/office/drawing/2014/main" id="{0398FE2B-896C-4693-83A2-C49D594B4B7A}"/>
+              </a:ext>
+            </a:extLst>
+          </p:cNvPr>
+          <p:cNvPicPr>
+            <a:picLocks noChangeAspect="1"/>
+          </p:cNvPicPr>
+          <p:nvPr/>
+        </p:nvPicPr>
+        <p:blipFill>
+          <a:blip r:embed="rId2"/>
+          <a:stretch>
+            <a:fillRect/>
+          </a:stretch>
+        </p:blipFill>
+        <p:spPr>
+          <a:xfrm>
+            <a:off x="7023967" y="914400"/>
+            <a:ext cx="3583145" cy="5029200"/>
+          </a:xfrm>
+          <a:prstGeom prst="rect">
+            <a:avLst/>
+          </a:prstGeom>
+        </p:spPr>
+      </p:pic>
+      <p:pic>
+        <p:nvPicPr>
+          <p:cNvPr id="6" name="Slika 5">
+            <a:extLst>
+              <a:ext uri="{FF2B5EF4-FFF2-40B4-BE49-F238E27FC236}">
+                <a16:creationId xmlns:a16="http://schemas.microsoft.com/office/drawing/2014/main" id="{61FAF5FA-4295-4375-AA5C-0A1A071332B2}"/>
+              </a:ext>
+            </a:extLst>
+          </p:cNvPr>
+          <p:cNvPicPr>
+            <a:picLocks noChangeAspect="1"/>
+          </p:cNvPicPr>
+          <p:nvPr/>
+        </p:nvPicPr>
+        <p:blipFill>
+          <a:blip r:embed="rId3"/>
+          <a:stretch>
+            <a:fillRect/>
+          </a:stretch>
+        </p:blipFill>
+        <p:spPr>
+          <a:xfrm>
+            <a:off x="771369" y="582969"/>
+            <a:ext cx="5324631" cy="5499783"/>
+          </a:xfrm>
+          <a:prstGeom prst="rect">
+            <a:avLst/>
+          </a:prstGeom>
+        </p:spPr>
+      </p:pic>
+      <p:cxnSp>
+        <p:nvCxnSpPr>
+          <p:cNvPr id="8" name="Ravni poveznik 7">
+            <a:extLst>
+              <a:ext uri="{FF2B5EF4-FFF2-40B4-BE49-F238E27FC236}">
+                <a16:creationId xmlns:a16="http://schemas.microsoft.com/office/drawing/2014/main" id="{1AA9F56D-DFCC-4A1E-93AA-F7142E3CC87E}"/>
+              </a:ext>
+            </a:extLst>
+          </p:cNvPr>
+          <p:cNvCxnSpPr/>
+          <p:nvPr/>
+        </p:nvCxnSpPr>
+        <p:spPr>
+          <a:xfrm>
+            <a:off x="10548389" y="5366044"/>
+            <a:ext cx="710921" cy="0"/>
+          </a:xfrm>
+          <a:prstGeom prst="line">
+            <a:avLst/>
+          </a:prstGeom>
+          <a:ln w="38100">
+            <a:solidFill>
+              <a:srgbClr val="FF0000"/>
+            </a:solidFill>
+          </a:ln>
+        </p:spPr>
+        <p:style>
+          <a:lnRef idx="1">
+            <a:schemeClr val="accent1"/>
+          </a:lnRef>
+          <a:fillRef idx="0">
+            <a:schemeClr val="accent1"/>
+          </a:fillRef>
+          <a:effectRef idx="0">
+            <a:schemeClr val="accent1"/>
+          </a:effectRef>
+          <a:fontRef idx="minor">
+            <a:schemeClr val="tx1"/>
+          </a:fontRef>
+        </p:style>
+      </p:cxnSp>
+      <p:cxnSp>
+        <p:nvCxnSpPr>
+          <p:cNvPr id="10" name="Ravni poveznik 9">
+            <a:extLst>
+              <a:ext uri="{FF2B5EF4-FFF2-40B4-BE49-F238E27FC236}">
+                <a16:creationId xmlns:a16="http://schemas.microsoft.com/office/drawing/2014/main" id="{9AB55DA9-76AD-47EA-BE81-D0867C7A8B5A}"/>
+              </a:ext>
+            </a:extLst>
+          </p:cNvPr>
+          <p:cNvCxnSpPr/>
+          <p:nvPr/>
+        </p:nvCxnSpPr>
+        <p:spPr>
+          <a:xfrm>
+            <a:off x="11259310" y="5366044"/>
+            <a:ext cx="0" cy="934088"/>
+          </a:xfrm>
+          <a:prstGeom prst="line">
+            <a:avLst/>
+          </a:prstGeom>
+          <a:ln w="38100">
+            <a:solidFill>
+              <a:srgbClr val="FF0000"/>
+            </a:solidFill>
+          </a:ln>
+        </p:spPr>
+        <p:style>
+          <a:lnRef idx="1">
+            <a:schemeClr val="accent1"/>
+          </a:lnRef>
+          <a:fillRef idx="0">
+            <a:schemeClr val="accent1"/>
+          </a:fillRef>
+          <a:effectRef idx="0">
+            <a:schemeClr val="accent1"/>
+          </a:effectRef>
+          <a:fontRef idx="minor">
+            <a:schemeClr val="tx1"/>
+          </a:fontRef>
+        </p:style>
+      </p:cxnSp>
+      <p:cxnSp>
+        <p:nvCxnSpPr>
+          <p:cNvPr id="12" name="Ravni poveznik 11">
+            <a:extLst>
+              <a:ext uri="{FF2B5EF4-FFF2-40B4-BE49-F238E27FC236}">
+                <a16:creationId xmlns:a16="http://schemas.microsoft.com/office/drawing/2014/main" id="{2BCD5B7C-48A6-46ED-8BCA-E08A6606B122}"/>
+              </a:ext>
+            </a:extLst>
+          </p:cNvPr>
+          <p:cNvCxnSpPr>
+            <a:cxnSpLocks/>
+          </p:cNvCxnSpPr>
+          <p:nvPr/>
+        </p:nvCxnSpPr>
+        <p:spPr>
+          <a:xfrm flipH="1">
+            <a:off x="2843868" y="6300132"/>
+            <a:ext cx="8415443" cy="0"/>
+          </a:xfrm>
+          <a:prstGeom prst="line">
+            <a:avLst/>
+          </a:prstGeom>
+          <a:ln w="38100">
+            <a:solidFill>
+              <a:srgbClr val="FF0000"/>
+            </a:solidFill>
+          </a:ln>
+        </p:spPr>
+        <p:style>
+          <a:lnRef idx="1">
+            <a:schemeClr val="accent1"/>
+          </a:lnRef>
+          <a:fillRef idx="0">
+            <a:schemeClr val="accent1"/>
+          </a:fillRef>
+          <a:effectRef idx="0">
+            <a:schemeClr val="accent1"/>
+          </a:effectRef>
+          <a:fontRef idx="minor">
+            <a:schemeClr val="tx1"/>
+          </a:fontRef>
+        </p:style>
+      </p:cxnSp>
+      <p:cxnSp>
+        <p:nvCxnSpPr>
+          <p:cNvPr id="14" name="Ravni poveznik 13">
+            <a:extLst>
+              <a:ext uri="{FF2B5EF4-FFF2-40B4-BE49-F238E27FC236}">
+                <a16:creationId xmlns:a16="http://schemas.microsoft.com/office/drawing/2014/main" id="{D1453161-09BF-4039-88C9-ECC6447DB60A}"/>
+              </a:ext>
+            </a:extLst>
+          </p:cNvPr>
+          <p:cNvCxnSpPr>
+            <a:cxnSpLocks/>
+          </p:cNvCxnSpPr>
+          <p:nvPr/>
+        </p:nvCxnSpPr>
+        <p:spPr>
+          <a:xfrm>
+            <a:off x="2843868" y="3551033"/>
+            <a:ext cx="0" cy="2749099"/>
+          </a:xfrm>
+          <a:prstGeom prst="line">
+            <a:avLst/>
+          </a:prstGeom>
+          <a:ln w="38100">
+            <a:solidFill>
+              <a:srgbClr val="FF0000"/>
+            </a:solidFill>
+          </a:ln>
+        </p:spPr>
+        <p:style>
+          <a:lnRef idx="1">
+            <a:schemeClr val="accent1"/>
+          </a:lnRef>
+          <a:fillRef idx="0">
+            <a:schemeClr val="accent1"/>
+          </a:fillRef>
+          <a:effectRef idx="0">
+            <a:schemeClr val="accent1"/>
+          </a:effectRef>
+          <a:fontRef idx="minor">
+            <a:schemeClr val="tx1"/>
+          </a:fontRef>
+        </p:style>
+      </p:cxnSp>
+      <p:cxnSp>
+        <p:nvCxnSpPr>
+          <p:cNvPr id="19" name="Ravni poveznik 18">
+            <a:extLst>
+              <a:ext uri="{FF2B5EF4-FFF2-40B4-BE49-F238E27FC236}">
+                <a16:creationId xmlns:a16="http://schemas.microsoft.com/office/drawing/2014/main" id="{028119EB-4C18-4AA3-B761-1C06507FAFE6}"/>
+              </a:ext>
+            </a:extLst>
+          </p:cNvPr>
+          <p:cNvCxnSpPr>
+            <a:cxnSpLocks/>
+          </p:cNvCxnSpPr>
+          <p:nvPr/>
+        </p:nvCxnSpPr>
+        <p:spPr>
+          <a:xfrm>
+            <a:off x="2544136" y="3551033"/>
+            <a:ext cx="380187" cy="0"/>
+          </a:xfrm>
+          <a:prstGeom prst="line">
+            <a:avLst/>
+          </a:prstGeom>
+          <a:ln w="38100">
+            <a:solidFill>
+              <a:srgbClr val="FF0000"/>
+            </a:solidFill>
+          </a:ln>
+        </p:spPr>
+        <p:style>
+          <a:lnRef idx="1">
+            <a:schemeClr val="accent1"/>
+          </a:lnRef>
+          <a:fillRef idx="0">
+            <a:schemeClr val="accent1"/>
+          </a:fillRef>
+          <a:effectRef idx="0">
+            <a:schemeClr val="accent1"/>
+          </a:effectRef>
+          <a:fontRef idx="minor">
+            <a:schemeClr val="tx1"/>
+          </a:fontRef>
+        </p:style>
+      </p:cxnSp>
+      <p:cxnSp>
+        <p:nvCxnSpPr>
+          <p:cNvPr id="22" name="Ravni poveznik 21">
+            <a:extLst>
+              <a:ext uri="{FF2B5EF4-FFF2-40B4-BE49-F238E27FC236}">
+                <a16:creationId xmlns:a16="http://schemas.microsoft.com/office/drawing/2014/main" id="{8BD9A5D5-B779-48BB-AAB1-29E13B825C53}"/>
+              </a:ext>
+            </a:extLst>
+          </p:cNvPr>
+          <p:cNvCxnSpPr>
+            <a:cxnSpLocks/>
+          </p:cNvCxnSpPr>
+          <p:nvPr/>
+        </p:nvCxnSpPr>
+        <p:spPr>
+          <a:xfrm>
+            <a:off x="3172437" y="3248025"/>
+            <a:ext cx="0" cy="2818584"/>
+          </a:xfrm>
+          <a:prstGeom prst="line">
+            <a:avLst/>
+          </a:prstGeom>
+          <a:ln w="38100">
+            <a:solidFill>
+              <a:schemeClr val="tx1"/>
+            </a:solidFill>
+          </a:ln>
+        </p:spPr>
+        <p:style>
+          <a:lnRef idx="1">
+            <a:schemeClr val="accent1"/>
+          </a:lnRef>
+          <a:fillRef idx="0">
+            <a:schemeClr val="accent1"/>
+          </a:fillRef>
+          <a:effectRef idx="0">
+            <a:schemeClr val="accent1"/>
+          </a:effectRef>
+          <a:fontRef idx="minor">
+            <a:schemeClr val="tx1"/>
+          </a:fontRef>
+        </p:style>
+      </p:cxnSp>
+      <p:cxnSp>
+        <p:nvCxnSpPr>
+          <p:cNvPr id="23" name="Ravni poveznik 22">
+            <a:extLst>
+              <a:ext uri="{FF2B5EF4-FFF2-40B4-BE49-F238E27FC236}">
+                <a16:creationId xmlns:a16="http://schemas.microsoft.com/office/drawing/2014/main" id="{49C91263-39B8-4104-8FC9-F0E14A22DBE8}"/>
+              </a:ext>
+            </a:extLst>
+          </p:cNvPr>
+          <p:cNvCxnSpPr>
+            <a:cxnSpLocks/>
+          </p:cNvCxnSpPr>
+          <p:nvPr/>
+        </p:nvCxnSpPr>
+        <p:spPr>
+          <a:xfrm flipV="1">
+            <a:off x="3143601" y="6066609"/>
+            <a:ext cx="7829199" cy="16144"/>
+          </a:xfrm>
+          <a:prstGeom prst="line">
+            <a:avLst/>
+          </a:prstGeom>
+          <a:ln w="38100">
+            <a:solidFill>
+              <a:schemeClr val="tx1"/>
+            </a:solidFill>
+          </a:ln>
+        </p:spPr>
+        <p:style>
+          <a:lnRef idx="1">
+            <a:schemeClr val="accent1"/>
+          </a:lnRef>
+          <a:fillRef idx="0">
+            <a:schemeClr val="accent1"/>
+          </a:fillRef>
+          <a:effectRef idx="0">
+            <a:schemeClr val="accent1"/>
+          </a:effectRef>
+          <a:fontRef idx="minor">
+            <a:schemeClr val="tx1"/>
+          </a:fontRef>
+        </p:style>
+      </p:cxnSp>
+      <p:cxnSp>
+        <p:nvCxnSpPr>
+          <p:cNvPr id="28" name="Ravni poveznik 27">
+            <a:extLst>
+              <a:ext uri="{FF2B5EF4-FFF2-40B4-BE49-F238E27FC236}">
+                <a16:creationId xmlns:a16="http://schemas.microsoft.com/office/drawing/2014/main" id="{431317EB-68BD-482C-82F5-DCFB301CF4A3}"/>
+              </a:ext>
+            </a:extLst>
+          </p:cNvPr>
+          <p:cNvCxnSpPr>
+            <a:cxnSpLocks/>
+          </p:cNvCxnSpPr>
+          <p:nvPr/>
+        </p:nvCxnSpPr>
+        <p:spPr>
+          <a:xfrm>
+            <a:off x="10971309" y="5068447"/>
+            <a:ext cx="1" cy="1018931"/>
+          </a:xfrm>
+          <a:prstGeom prst="line">
+            <a:avLst/>
+          </a:prstGeom>
+          <a:ln w="38100">
+            <a:solidFill>
+              <a:schemeClr val="tx1"/>
+            </a:solidFill>
+          </a:ln>
+        </p:spPr>
+        <p:style>
+          <a:lnRef idx="1">
+            <a:schemeClr val="accent1"/>
+          </a:lnRef>
+          <a:fillRef idx="0">
+            <a:schemeClr val="accent1"/>
+          </a:fillRef>
+          <a:effectRef idx="0">
+            <a:schemeClr val="accent1"/>
+          </a:effectRef>
+          <a:fontRef idx="minor">
+            <a:schemeClr val="tx1"/>
+          </a:fontRef>
+        </p:style>
+      </p:cxnSp>
+      <p:cxnSp>
+        <p:nvCxnSpPr>
+          <p:cNvPr id="31" name="Ravni poveznik 30">
+            <a:extLst>
+              <a:ext uri="{FF2B5EF4-FFF2-40B4-BE49-F238E27FC236}">
+                <a16:creationId xmlns:a16="http://schemas.microsoft.com/office/drawing/2014/main" id="{3E983892-9EE7-493A-9211-1A66195DFBEA}"/>
+              </a:ext>
+            </a:extLst>
+          </p:cNvPr>
+          <p:cNvCxnSpPr>
+            <a:cxnSpLocks/>
+          </p:cNvCxnSpPr>
+          <p:nvPr/>
+        </p:nvCxnSpPr>
+        <p:spPr>
+          <a:xfrm>
+            <a:off x="10504881" y="5068447"/>
+            <a:ext cx="466428" cy="0"/>
+          </a:xfrm>
+          <a:prstGeom prst="line">
+            <a:avLst/>
+          </a:prstGeom>
+          <a:ln w="38100">
+            <a:solidFill>
+              <a:schemeClr val="tx1"/>
+            </a:solidFill>
+          </a:ln>
+        </p:spPr>
+        <p:style>
+          <a:lnRef idx="1">
+            <a:schemeClr val="accent1"/>
+          </a:lnRef>
+          <a:fillRef idx="0">
+            <a:schemeClr val="accent1"/>
+          </a:fillRef>
+          <a:effectRef idx="0">
+            <a:schemeClr val="accent1"/>
+          </a:effectRef>
+          <a:fontRef idx="minor">
+            <a:schemeClr val="tx1"/>
+          </a:fontRef>
+        </p:style>
+      </p:cxnSp>
+      <p:cxnSp>
+        <p:nvCxnSpPr>
+          <p:cNvPr id="33" name="Ravni poveznik 32">
+            <a:extLst>
+              <a:ext uri="{FF2B5EF4-FFF2-40B4-BE49-F238E27FC236}">
+                <a16:creationId xmlns:a16="http://schemas.microsoft.com/office/drawing/2014/main" id="{95B4D4BD-2AEF-467A-8194-AD98922BAD46}"/>
+              </a:ext>
+            </a:extLst>
+          </p:cNvPr>
+          <p:cNvCxnSpPr>
+            <a:cxnSpLocks/>
+          </p:cNvCxnSpPr>
+          <p:nvPr/>
+        </p:nvCxnSpPr>
+        <p:spPr>
+          <a:xfrm>
+            <a:off x="2873375" y="3248025"/>
+            <a:ext cx="327633" cy="0"/>
+          </a:xfrm>
+          <a:prstGeom prst="line">
+            <a:avLst/>
+          </a:prstGeom>
+          <a:ln w="38100">
+            <a:solidFill>
+              <a:schemeClr val="tx1"/>
+            </a:solidFill>
+          </a:ln>
+        </p:spPr>
+        <p:style>
+          <a:lnRef idx="1">
+            <a:schemeClr val="accent1"/>
+          </a:lnRef>
+          <a:fillRef idx="0">
+            <a:schemeClr val="accent1"/>
+          </a:fillRef>
+          <a:effectRef idx="0">
+            <a:schemeClr val="accent1"/>
+          </a:effectRef>
+          <a:fontRef idx="minor">
+            <a:schemeClr val="tx1"/>
+          </a:fontRef>
+        </p:style>
+      </p:cxnSp>
+      <p:cxnSp>
+        <p:nvCxnSpPr>
+          <p:cNvPr id="36" name="Ravni poveznik 35">
+            <a:extLst>
+              <a:ext uri="{FF2B5EF4-FFF2-40B4-BE49-F238E27FC236}">
+                <a16:creationId xmlns:a16="http://schemas.microsoft.com/office/drawing/2014/main" id="{7843AF28-8149-4C3A-AD8B-7FCF18DD66AC}"/>
+              </a:ext>
+            </a:extLst>
+          </p:cNvPr>
+          <p:cNvCxnSpPr>
+            <a:cxnSpLocks/>
+          </p:cNvCxnSpPr>
+          <p:nvPr/>
+        </p:nvCxnSpPr>
+        <p:spPr>
+          <a:xfrm>
+            <a:off x="11106931" y="3322760"/>
+            <a:ext cx="0" cy="3190127"/>
+          </a:xfrm>
+          <a:prstGeom prst="line">
+            <a:avLst/>
+          </a:prstGeom>
+          <a:ln w="38100">
+            <a:solidFill>
+              <a:srgbClr val="00B0F0"/>
+            </a:solidFill>
+          </a:ln>
+        </p:spPr>
+        <p:style>
+          <a:lnRef idx="1">
+            <a:schemeClr val="accent1"/>
+          </a:lnRef>
+          <a:fillRef idx="0">
+            <a:schemeClr val="accent1"/>
+          </a:fillRef>
+          <a:effectRef idx="0">
+            <a:schemeClr val="accent1"/>
+          </a:effectRef>
+          <a:fontRef idx="minor">
+            <a:schemeClr val="tx1"/>
+          </a:fontRef>
+        </p:style>
+      </p:cxnSp>
+      <p:cxnSp>
+        <p:nvCxnSpPr>
+          <p:cNvPr id="38" name="Ravni poveznik 37">
+            <a:extLst>
+              <a:ext uri="{FF2B5EF4-FFF2-40B4-BE49-F238E27FC236}">
+                <a16:creationId xmlns:a16="http://schemas.microsoft.com/office/drawing/2014/main" id="{87AD6EA8-F92B-4F61-A728-4230C2732AF1}"/>
+              </a:ext>
+            </a:extLst>
+          </p:cNvPr>
+          <p:cNvCxnSpPr>
+            <a:cxnSpLocks/>
+          </p:cNvCxnSpPr>
+          <p:nvPr/>
+        </p:nvCxnSpPr>
+        <p:spPr>
+          <a:xfrm>
+            <a:off x="11418721" y="3062253"/>
+            <a:ext cx="0" cy="3125101"/>
+          </a:xfrm>
+          <a:prstGeom prst="line">
+            <a:avLst/>
+          </a:prstGeom>
+          <a:ln w="38100">
+            <a:solidFill>
+              <a:srgbClr val="7030A0"/>
+            </a:solidFill>
+          </a:ln>
+        </p:spPr>
+        <p:style>
+          <a:lnRef idx="1">
+            <a:schemeClr val="accent1"/>
+          </a:lnRef>
+          <a:fillRef idx="0">
+            <a:schemeClr val="accent1"/>
+          </a:fillRef>
+          <a:effectRef idx="0">
+            <a:schemeClr val="accent1"/>
+          </a:effectRef>
+          <a:fontRef idx="minor">
+            <a:schemeClr val="tx1"/>
+          </a:fontRef>
+        </p:style>
+      </p:cxnSp>
+      <p:cxnSp>
+        <p:nvCxnSpPr>
+          <p:cNvPr id="39" name="Ravni poveznik 38">
+            <a:extLst>
+              <a:ext uri="{FF2B5EF4-FFF2-40B4-BE49-F238E27FC236}">
+                <a16:creationId xmlns:a16="http://schemas.microsoft.com/office/drawing/2014/main" id="{BBF7B0F5-14D6-4C36-BA52-68AA2C7FC97C}"/>
+              </a:ext>
+            </a:extLst>
+          </p:cNvPr>
+          <p:cNvCxnSpPr>
+            <a:cxnSpLocks/>
+          </p:cNvCxnSpPr>
+          <p:nvPr/>
+        </p:nvCxnSpPr>
+        <p:spPr>
+          <a:xfrm>
+            <a:off x="11695558" y="2764586"/>
+            <a:ext cx="0" cy="3895294"/>
+          </a:xfrm>
+          <a:prstGeom prst="line">
+            <a:avLst/>
+          </a:prstGeom>
+          <a:ln w="38100">
+            <a:solidFill>
+              <a:srgbClr val="00B050"/>
+            </a:solidFill>
+          </a:ln>
+        </p:spPr>
+        <p:style>
+          <a:lnRef idx="1">
+            <a:schemeClr val="accent1"/>
+          </a:lnRef>
+          <a:fillRef idx="0">
+            <a:schemeClr val="accent1"/>
+          </a:fillRef>
+          <a:effectRef idx="0">
+            <a:schemeClr val="accent1"/>
+          </a:effectRef>
+          <a:fontRef idx="minor">
+            <a:schemeClr val="tx1"/>
+          </a:fontRef>
+        </p:style>
+      </p:cxnSp>
+      <p:cxnSp>
+        <p:nvCxnSpPr>
+          <p:cNvPr id="40" name="Ravni poveznik 39">
+            <a:extLst>
+              <a:ext uri="{FF2B5EF4-FFF2-40B4-BE49-F238E27FC236}">
+                <a16:creationId xmlns:a16="http://schemas.microsoft.com/office/drawing/2014/main" id="{AC42C060-53E5-456E-89FF-0F5D0B0C2C84}"/>
+              </a:ext>
+            </a:extLst>
+          </p:cNvPr>
+          <p:cNvCxnSpPr>
+            <a:cxnSpLocks/>
+          </p:cNvCxnSpPr>
+          <p:nvPr/>
+        </p:nvCxnSpPr>
+        <p:spPr>
+          <a:xfrm flipV="1">
+            <a:off x="1498030" y="6519492"/>
+            <a:ext cx="9608901" cy="3495"/>
+          </a:xfrm>
+          <a:prstGeom prst="line">
+            <a:avLst/>
+          </a:prstGeom>
+          <a:ln w="38100">
+            <a:solidFill>
+              <a:srgbClr val="00B0F0"/>
+            </a:solidFill>
+          </a:ln>
+        </p:spPr>
+        <p:style>
+          <a:lnRef idx="1">
+            <a:schemeClr val="accent1"/>
+          </a:lnRef>
+          <a:fillRef idx="0">
+            <a:schemeClr val="accent1"/>
+          </a:fillRef>
+          <a:effectRef idx="0">
+            <a:schemeClr val="accent1"/>
+          </a:effectRef>
+          <a:fontRef idx="minor">
+            <a:schemeClr val="tx1"/>
+          </a:fontRef>
+        </p:style>
+      </p:cxnSp>
+      <p:cxnSp>
+        <p:nvCxnSpPr>
+          <p:cNvPr id="42" name="Ravni poveznik 41">
+            <a:extLst>
+              <a:ext uri="{FF2B5EF4-FFF2-40B4-BE49-F238E27FC236}">
+                <a16:creationId xmlns:a16="http://schemas.microsoft.com/office/drawing/2014/main" id="{D2B7EFE7-9030-40BE-9523-B368482FC9EF}"/>
+              </a:ext>
+            </a:extLst>
+          </p:cNvPr>
+          <p:cNvCxnSpPr>
+            <a:cxnSpLocks/>
+          </p:cNvCxnSpPr>
+          <p:nvPr/>
+        </p:nvCxnSpPr>
+        <p:spPr>
+          <a:xfrm>
+            <a:off x="1035946" y="6171854"/>
+            <a:ext cx="10382775" cy="15502"/>
+          </a:xfrm>
+          <a:prstGeom prst="line">
+            <a:avLst/>
+          </a:prstGeom>
+          <a:ln w="38100">
+            <a:solidFill>
+              <a:srgbClr val="7030A0"/>
+            </a:solidFill>
+          </a:ln>
+        </p:spPr>
+        <p:style>
+          <a:lnRef idx="1">
+            <a:schemeClr val="accent1"/>
+          </a:lnRef>
+          <a:fillRef idx="0">
+            <a:schemeClr val="accent1"/>
+          </a:fillRef>
+          <a:effectRef idx="0">
+            <a:schemeClr val="accent1"/>
+          </a:effectRef>
+          <a:fontRef idx="minor">
+            <a:schemeClr val="tx1"/>
+          </a:fontRef>
+        </p:style>
+      </p:cxnSp>
+      <p:cxnSp>
+        <p:nvCxnSpPr>
+          <p:cNvPr id="47" name="Ravni poveznik 46">
+            <a:extLst>
+              <a:ext uri="{FF2B5EF4-FFF2-40B4-BE49-F238E27FC236}">
+                <a16:creationId xmlns:a16="http://schemas.microsoft.com/office/drawing/2014/main" id="{34CCBCD7-784C-4C2D-B94B-E9B98155F292}"/>
+              </a:ext>
+            </a:extLst>
+          </p:cNvPr>
+          <p:cNvCxnSpPr>
+            <a:cxnSpLocks/>
+          </p:cNvCxnSpPr>
+          <p:nvPr/>
+        </p:nvCxnSpPr>
+        <p:spPr>
+          <a:xfrm flipV="1">
+            <a:off x="10590356" y="3332860"/>
+            <a:ext cx="516575" cy="12995"/>
+          </a:xfrm>
+          <a:prstGeom prst="line">
+            <a:avLst/>
+          </a:prstGeom>
+          <a:ln w="38100">
+            <a:solidFill>
+              <a:srgbClr val="00B0F0"/>
+            </a:solidFill>
+          </a:ln>
+        </p:spPr>
+        <p:style>
+          <a:lnRef idx="1">
+            <a:schemeClr val="accent1"/>
+          </a:lnRef>
+          <a:fillRef idx="0">
+            <a:schemeClr val="accent1"/>
+          </a:fillRef>
+          <a:effectRef idx="0">
+            <a:schemeClr val="accent1"/>
+          </a:effectRef>
+          <a:fontRef idx="minor">
+            <a:schemeClr val="tx1"/>
+          </a:fontRef>
+        </p:style>
+      </p:cxnSp>
+      <p:cxnSp>
+        <p:nvCxnSpPr>
+          <p:cNvPr id="49" name="Ravni poveznik 48">
+            <a:extLst>
+              <a:ext uri="{FF2B5EF4-FFF2-40B4-BE49-F238E27FC236}">
+                <a16:creationId xmlns:a16="http://schemas.microsoft.com/office/drawing/2014/main" id="{0805808E-725E-4BC9-B081-D21EFC51452B}"/>
+              </a:ext>
+            </a:extLst>
+          </p:cNvPr>
+          <p:cNvCxnSpPr>
+            <a:cxnSpLocks/>
+          </p:cNvCxnSpPr>
+          <p:nvPr/>
+        </p:nvCxnSpPr>
+        <p:spPr>
+          <a:xfrm>
+            <a:off x="10590356" y="3062253"/>
+            <a:ext cx="828365" cy="0"/>
+          </a:xfrm>
+          <a:prstGeom prst="line">
+            <a:avLst/>
+          </a:prstGeom>
+          <a:ln w="38100">
+            <a:solidFill>
+              <a:srgbClr val="7030A0"/>
+            </a:solidFill>
+          </a:ln>
+        </p:spPr>
+        <p:style>
+          <a:lnRef idx="1">
+            <a:schemeClr val="accent1"/>
+          </a:lnRef>
+          <a:fillRef idx="0">
+            <a:schemeClr val="accent1"/>
+          </a:fillRef>
+          <a:effectRef idx="0">
+            <a:schemeClr val="accent1"/>
+          </a:effectRef>
+          <a:fontRef idx="minor">
+            <a:schemeClr val="tx1"/>
+          </a:fontRef>
+        </p:style>
+      </p:cxnSp>
+      <p:cxnSp>
+        <p:nvCxnSpPr>
+          <p:cNvPr id="51" name="Ravni poveznik 50">
+            <a:extLst>
+              <a:ext uri="{FF2B5EF4-FFF2-40B4-BE49-F238E27FC236}">
+                <a16:creationId xmlns:a16="http://schemas.microsoft.com/office/drawing/2014/main" id="{82F75A25-E406-445B-9062-84D7AD62184E}"/>
+              </a:ext>
+            </a:extLst>
+          </p:cNvPr>
+          <p:cNvCxnSpPr>
+            <a:cxnSpLocks/>
+          </p:cNvCxnSpPr>
+          <p:nvPr/>
+        </p:nvCxnSpPr>
+        <p:spPr>
+          <a:xfrm>
+            <a:off x="10573578" y="2784259"/>
+            <a:ext cx="1121980" cy="0"/>
+          </a:xfrm>
+          <a:prstGeom prst="line">
+            <a:avLst/>
+          </a:prstGeom>
+          <a:ln w="38100">
+            <a:solidFill>
+              <a:srgbClr val="00B050"/>
+            </a:solidFill>
+          </a:ln>
+        </p:spPr>
+        <p:style>
+          <a:lnRef idx="1">
+            <a:schemeClr val="accent1"/>
+          </a:lnRef>
+          <a:fillRef idx="0">
+            <a:schemeClr val="accent1"/>
+          </a:fillRef>
+          <a:effectRef idx="0">
+            <a:schemeClr val="accent1"/>
+          </a:effectRef>
+          <a:fontRef idx="minor">
+            <a:schemeClr val="tx1"/>
+          </a:fontRef>
+        </p:style>
+      </p:cxnSp>
+      <p:cxnSp>
+        <p:nvCxnSpPr>
+          <p:cNvPr id="53" name="Ravni poveznik 52">
+            <a:extLst>
+              <a:ext uri="{FF2B5EF4-FFF2-40B4-BE49-F238E27FC236}">
+                <a16:creationId xmlns:a16="http://schemas.microsoft.com/office/drawing/2014/main" id="{EC655708-62C7-4C4D-B78D-F9AA5D8A34B0}"/>
+              </a:ext>
+            </a:extLst>
+          </p:cNvPr>
+          <p:cNvCxnSpPr>
+            <a:cxnSpLocks/>
+          </p:cNvCxnSpPr>
+          <p:nvPr/>
+        </p:nvCxnSpPr>
+        <p:spPr>
+          <a:xfrm flipV="1">
+            <a:off x="1498030" y="5107566"/>
+            <a:ext cx="6571" cy="1451044"/>
+          </a:xfrm>
+          <a:prstGeom prst="line">
+            <a:avLst/>
+          </a:prstGeom>
+          <a:ln w="38100">
+            <a:solidFill>
+              <a:srgbClr val="00B0F0"/>
+            </a:solidFill>
+          </a:ln>
+        </p:spPr>
+        <p:style>
+          <a:lnRef idx="1">
+            <a:schemeClr val="accent1"/>
+          </a:lnRef>
+          <a:fillRef idx="0">
+            <a:schemeClr val="accent1"/>
+          </a:fillRef>
+          <a:effectRef idx="0">
+            <a:schemeClr val="accent1"/>
+          </a:effectRef>
+          <a:fontRef idx="minor">
+            <a:schemeClr val="tx1"/>
+          </a:fontRef>
+        </p:style>
+      </p:cxnSp>
+      <p:sp>
+        <p:nvSpPr>
+          <p:cNvPr id="56" name="Elipsa 55">
+            <a:extLst>
+              <a:ext uri="{FF2B5EF4-FFF2-40B4-BE49-F238E27FC236}">
+                <a16:creationId xmlns:a16="http://schemas.microsoft.com/office/drawing/2014/main" id="{695BD553-04B1-4AD0-A1F4-D6010C286865}"/>
+              </a:ext>
+            </a:extLst>
+          </p:cNvPr>
+          <p:cNvSpPr/>
+          <p:nvPr/>
+        </p:nvSpPr>
+        <p:spPr>
+          <a:xfrm>
+            <a:off x="1425675" y="4998870"/>
+            <a:ext cx="157851" cy="139153"/>
+          </a:xfrm>
+          <a:prstGeom prst="ellipse">
+            <a:avLst/>
+          </a:prstGeom>
+          <a:solidFill>
+            <a:srgbClr val="00B0F0"/>
+          </a:solidFill>
+        </p:spPr>
+        <p:style>
+          <a:lnRef idx="2">
+            <a:schemeClr val="accent1">
+              <a:shade val="50000"/>
+            </a:schemeClr>
+          </a:lnRef>
+          <a:fillRef idx="1">
+            <a:schemeClr val="accent1"/>
+          </a:fillRef>
+          <a:effectRef idx="0">
+            <a:schemeClr val="accent1"/>
+          </a:effectRef>
+          <a:fontRef idx="minor">
+            <a:schemeClr val="lt1"/>
+          </a:fontRef>
+        </p:style>
+        <p:txBody>
+          <a:bodyPr rtlCol="0" anchor="ctr"/>
+          <a:lstStyle/>
+          <a:p>
+            <a:pPr algn="ctr"/>
+            <a:endParaRPr lang="hr-HR"/>
+          </a:p>
+        </p:txBody>
+      </p:sp>
+      <p:sp>
+        <p:nvSpPr>
+          <p:cNvPr id="57" name="Elipsa 56">
+            <a:extLst>
+              <a:ext uri="{FF2B5EF4-FFF2-40B4-BE49-F238E27FC236}">
+                <a16:creationId xmlns:a16="http://schemas.microsoft.com/office/drawing/2014/main" id="{02D74038-E37E-4343-930D-70D50BA4435C}"/>
+              </a:ext>
+            </a:extLst>
+          </p:cNvPr>
+          <p:cNvSpPr/>
+          <p:nvPr/>
+        </p:nvSpPr>
+        <p:spPr>
+          <a:xfrm>
+            <a:off x="955121" y="4968413"/>
+            <a:ext cx="157851" cy="139153"/>
+          </a:xfrm>
+          <a:prstGeom prst="ellipse">
+            <a:avLst/>
+          </a:prstGeom>
+          <a:solidFill>
+            <a:srgbClr val="7030A0"/>
+          </a:solidFill>
+          <a:ln>
+            <a:solidFill>
+              <a:srgbClr val="7030A0"/>
+            </a:solidFill>
+          </a:ln>
+        </p:spPr>
+        <p:style>
+          <a:lnRef idx="2">
+            <a:schemeClr val="accent1">
+              <a:shade val="50000"/>
+            </a:schemeClr>
+          </a:lnRef>
+          <a:fillRef idx="1">
+            <a:schemeClr val="accent1"/>
+          </a:fillRef>
+          <a:effectRef idx="0">
+            <a:schemeClr val="accent1"/>
+          </a:effectRef>
+          <a:fontRef idx="minor">
+            <a:schemeClr val="lt1"/>
+          </a:fontRef>
+        </p:style>
+        <p:txBody>
+          <a:bodyPr rtlCol="0" anchor="ctr"/>
+          <a:lstStyle/>
+          <a:p>
+            <a:pPr algn="ctr"/>
+            <a:endParaRPr lang="hr-HR"/>
+          </a:p>
+        </p:txBody>
+      </p:sp>
+      <p:sp>
+        <p:nvSpPr>
+          <p:cNvPr id="58" name="Elipsa 57">
+            <a:extLst>
+              <a:ext uri="{FF2B5EF4-FFF2-40B4-BE49-F238E27FC236}">
+                <a16:creationId xmlns:a16="http://schemas.microsoft.com/office/drawing/2014/main" id="{2EB32116-4A6C-45CA-A278-EA418523339A}"/>
+              </a:ext>
+            </a:extLst>
+          </p:cNvPr>
+          <p:cNvSpPr/>
+          <p:nvPr/>
+        </p:nvSpPr>
+        <p:spPr>
+          <a:xfrm>
+            <a:off x="2457561" y="3481456"/>
+            <a:ext cx="157851" cy="139153"/>
+          </a:xfrm>
+          <a:prstGeom prst="ellipse">
+            <a:avLst/>
+          </a:prstGeom>
+          <a:solidFill>
+            <a:srgbClr val="FF0000"/>
+          </a:solidFill>
+        </p:spPr>
+        <p:style>
+          <a:lnRef idx="2">
+            <a:schemeClr val="accent1">
+              <a:shade val="50000"/>
+            </a:schemeClr>
+          </a:lnRef>
+          <a:fillRef idx="1">
+            <a:schemeClr val="accent1"/>
+          </a:fillRef>
+          <a:effectRef idx="0">
+            <a:schemeClr val="accent1"/>
+          </a:effectRef>
+          <a:fontRef idx="minor">
+            <a:schemeClr val="lt1"/>
+          </a:fontRef>
+        </p:style>
+        <p:txBody>
+          <a:bodyPr rtlCol="0" anchor="ctr"/>
+          <a:lstStyle/>
+          <a:p>
+            <a:pPr algn="ctr"/>
+            <a:endParaRPr lang="hr-HR"/>
+          </a:p>
+        </p:txBody>
+      </p:sp>
+      <p:sp>
+        <p:nvSpPr>
+          <p:cNvPr id="59" name="Elipsa 58">
+            <a:extLst>
+              <a:ext uri="{FF2B5EF4-FFF2-40B4-BE49-F238E27FC236}">
+                <a16:creationId xmlns:a16="http://schemas.microsoft.com/office/drawing/2014/main" id="{2B99959F-82AE-4BAB-8C17-31FA20994A4C}"/>
+              </a:ext>
+            </a:extLst>
+          </p:cNvPr>
+          <p:cNvSpPr/>
+          <p:nvPr/>
+        </p:nvSpPr>
+        <p:spPr>
+          <a:xfrm>
+            <a:off x="2794449" y="3183607"/>
+            <a:ext cx="157851" cy="139153"/>
+          </a:xfrm>
+          <a:prstGeom prst="ellipse">
+            <a:avLst/>
+          </a:prstGeom>
+          <a:solidFill>
+            <a:schemeClr val="tx1"/>
+          </a:solidFill>
+        </p:spPr>
+        <p:style>
+          <a:lnRef idx="2">
+            <a:schemeClr val="accent1">
+              <a:shade val="50000"/>
+            </a:schemeClr>
+          </a:lnRef>
+          <a:fillRef idx="1">
+            <a:schemeClr val="accent1"/>
+          </a:fillRef>
+          <a:effectRef idx="0">
+            <a:schemeClr val="accent1"/>
+          </a:effectRef>
+          <a:fontRef idx="minor">
+            <a:schemeClr val="lt1"/>
+          </a:fontRef>
+        </p:style>
+        <p:txBody>
+          <a:bodyPr rtlCol="0" anchor="ctr"/>
+          <a:lstStyle/>
+          <a:p>
+            <a:pPr algn="ctr"/>
+            <a:endParaRPr lang="hr-HR"/>
+          </a:p>
+        </p:txBody>
+      </p:sp>
+      <p:sp>
+        <p:nvSpPr>
+          <p:cNvPr id="60" name="Elipsa 59">
+            <a:extLst>
+              <a:ext uri="{FF2B5EF4-FFF2-40B4-BE49-F238E27FC236}">
+                <a16:creationId xmlns:a16="http://schemas.microsoft.com/office/drawing/2014/main" id="{113DCA68-883D-4361-9B73-90B974ABF8EF}"/>
+              </a:ext>
+            </a:extLst>
+          </p:cNvPr>
+          <p:cNvSpPr/>
+          <p:nvPr/>
+        </p:nvSpPr>
+        <p:spPr>
+          <a:xfrm>
+            <a:off x="1912300" y="4972614"/>
+            <a:ext cx="157851" cy="139153"/>
+          </a:xfrm>
+          <a:prstGeom prst="ellipse">
+            <a:avLst/>
+          </a:prstGeom>
+          <a:solidFill>
+            <a:srgbClr val="00B050"/>
+          </a:solidFill>
+        </p:spPr>
+        <p:style>
+          <a:lnRef idx="2">
+            <a:schemeClr val="accent1">
+              <a:shade val="50000"/>
+            </a:schemeClr>
+          </a:lnRef>
+          <a:fillRef idx="1">
+            <a:schemeClr val="accent1"/>
+          </a:fillRef>
+          <a:effectRef idx="0">
+            <a:schemeClr val="accent1"/>
+          </a:effectRef>
+          <a:fontRef idx="minor">
+            <a:schemeClr val="lt1"/>
+          </a:fontRef>
+        </p:style>
+        <p:txBody>
+          <a:bodyPr rtlCol="0" anchor="ctr"/>
+          <a:lstStyle/>
+          <a:p>
+            <a:pPr algn="ctr"/>
+            <a:endParaRPr lang="hr-HR"/>
+          </a:p>
+        </p:txBody>
+      </p:sp>
+      <p:cxnSp>
+        <p:nvCxnSpPr>
+          <p:cNvPr id="65" name="Ravni poveznik 64">
+            <a:extLst>
+              <a:ext uri="{FF2B5EF4-FFF2-40B4-BE49-F238E27FC236}">
+                <a16:creationId xmlns:a16="http://schemas.microsoft.com/office/drawing/2014/main" id="{70F5200B-E5BA-4627-B98E-7FDA67920A8E}"/>
+              </a:ext>
+            </a:extLst>
+          </p:cNvPr>
+          <p:cNvCxnSpPr>
+            <a:cxnSpLocks/>
+          </p:cNvCxnSpPr>
+          <p:nvPr/>
+        </p:nvCxnSpPr>
+        <p:spPr>
+          <a:xfrm flipV="1">
+            <a:off x="1035946" y="5107566"/>
+            <a:ext cx="0" cy="1037766"/>
+          </a:xfrm>
+          <a:prstGeom prst="line">
+            <a:avLst/>
+          </a:prstGeom>
+          <a:ln w="38100">
+            <a:solidFill>
+              <a:srgbClr val="7030A0"/>
+            </a:solidFill>
+          </a:ln>
+        </p:spPr>
+        <p:style>
+          <a:lnRef idx="1">
+            <a:schemeClr val="accent1"/>
+          </a:lnRef>
+          <a:fillRef idx="0">
+            <a:schemeClr val="accent1"/>
+          </a:fillRef>
+          <a:effectRef idx="0">
+            <a:schemeClr val="accent1"/>
+          </a:effectRef>
+          <a:fontRef idx="minor">
+            <a:schemeClr val="tx1"/>
+          </a:fontRef>
+        </p:style>
+      </p:cxnSp>
+      <p:sp>
+        <p:nvSpPr>
+          <p:cNvPr id="71" name="Elipsa 70">
+            <a:extLst>
+              <a:ext uri="{FF2B5EF4-FFF2-40B4-BE49-F238E27FC236}">
+                <a16:creationId xmlns:a16="http://schemas.microsoft.com/office/drawing/2014/main" id="{63651664-E6DB-4373-979D-2E983516DFA4}"/>
+              </a:ext>
+            </a:extLst>
+          </p:cNvPr>
+          <p:cNvSpPr/>
+          <p:nvPr/>
+        </p:nvSpPr>
+        <p:spPr>
+          <a:xfrm>
+            <a:off x="2762882" y="3499173"/>
+            <a:ext cx="157851" cy="139153"/>
+          </a:xfrm>
+          <a:prstGeom prst="ellipse">
+            <a:avLst/>
+          </a:prstGeom>
+          <a:solidFill>
+            <a:srgbClr val="FF0000"/>
+          </a:solidFill>
+        </p:spPr>
+        <p:style>
+          <a:lnRef idx="2">
+            <a:schemeClr val="accent1">
+              <a:shade val="50000"/>
+            </a:schemeClr>
+          </a:lnRef>
+          <a:fillRef idx="1">
+            <a:schemeClr val="accent1"/>
+          </a:fillRef>
+          <a:effectRef idx="0">
+            <a:schemeClr val="accent1"/>
+          </a:effectRef>
+          <a:fontRef idx="minor">
+            <a:schemeClr val="lt1"/>
+          </a:fontRef>
+        </p:style>
+        <p:txBody>
+          <a:bodyPr rtlCol="0" anchor="ctr"/>
+          <a:lstStyle/>
+          <a:p>
+            <a:pPr algn="ctr"/>
+            <a:endParaRPr lang="hr-HR"/>
+          </a:p>
+        </p:txBody>
+      </p:sp>
+      <p:cxnSp>
+        <p:nvCxnSpPr>
+          <p:cNvPr id="73" name="Ravni poveznik 72">
+            <a:extLst>
+              <a:ext uri="{FF2B5EF4-FFF2-40B4-BE49-F238E27FC236}">
+                <a16:creationId xmlns:a16="http://schemas.microsoft.com/office/drawing/2014/main" id="{65F36D11-9902-4B0A-83A2-10402E22B7C9}"/>
+              </a:ext>
+            </a:extLst>
+          </p:cNvPr>
+          <p:cNvCxnSpPr>
+            <a:cxnSpLocks/>
+          </p:cNvCxnSpPr>
+          <p:nvPr/>
+        </p:nvCxnSpPr>
+        <p:spPr>
+          <a:xfrm flipV="1">
+            <a:off x="1962457" y="6680978"/>
+            <a:ext cx="9749856" cy="15381"/>
+          </a:xfrm>
+          <a:prstGeom prst="line">
+            <a:avLst/>
+          </a:prstGeom>
+          <a:ln w="38100">
+            <a:solidFill>
+              <a:srgbClr val="00B050"/>
+            </a:solidFill>
+          </a:ln>
+        </p:spPr>
+        <p:style>
+          <a:lnRef idx="1">
+            <a:schemeClr val="accent1"/>
+          </a:lnRef>
+          <a:fillRef idx="0">
+            <a:schemeClr val="accent1"/>
+          </a:fillRef>
+          <a:effectRef idx="0">
+            <a:schemeClr val="accent1"/>
+          </a:effectRef>
+          <a:fontRef idx="minor">
+            <a:schemeClr val="tx1"/>
+          </a:fontRef>
+        </p:style>
+      </p:cxnSp>
+      <p:cxnSp>
+        <p:nvCxnSpPr>
+          <p:cNvPr id="75" name="Ravni poveznik 74">
+            <a:extLst>
+              <a:ext uri="{FF2B5EF4-FFF2-40B4-BE49-F238E27FC236}">
+                <a16:creationId xmlns:a16="http://schemas.microsoft.com/office/drawing/2014/main" id="{DECD262C-ECE5-4D31-9C6F-9DE76E74B37F}"/>
+              </a:ext>
+            </a:extLst>
+          </p:cNvPr>
+          <p:cNvCxnSpPr>
+            <a:cxnSpLocks/>
+          </p:cNvCxnSpPr>
+          <p:nvPr/>
+        </p:nvCxnSpPr>
+        <p:spPr>
+          <a:xfrm flipV="1">
+            <a:off x="1962457" y="5068446"/>
+            <a:ext cx="12678" cy="1643294"/>
+          </a:xfrm>
+          <a:prstGeom prst="line">
+            <a:avLst/>
+          </a:prstGeom>
+          <a:ln w="38100">
+            <a:solidFill>
+              <a:srgbClr val="00B050"/>
+            </a:solidFill>
+          </a:ln>
+        </p:spPr>
+        <p:style>
+          <a:lnRef idx="1">
+            <a:schemeClr val="accent1"/>
+          </a:lnRef>
+          <a:fillRef idx="0">
+            <a:schemeClr val="accent1"/>
+          </a:fillRef>
+          <a:effectRef idx="0">
+            <a:schemeClr val="accent1"/>
+          </a:effectRef>
+          <a:fontRef idx="minor">
+            <a:schemeClr val="tx1"/>
+          </a:fontRef>
+        </p:style>
+      </p:cxnSp>
+      <p:sp>
+        <p:nvSpPr>
+          <p:cNvPr id="78" name="Elipsa 77">
+            <a:extLst>
+              <a:ext uri="{FF2B5EF4-FFF2-40B4-BE49-F238E27FC236}">
+                <a16:creationId xmlns:a16="http://schemas.microsoft.com/office/drawing/2014/main" id="{F5ADDD38-0F8C-4DA3-8C11-4A70DA40D7FA}"/>
+              </a:ext>
+            </a:extLst>
+          </p:cNvPr>
+          <p:cNvSpPr/>
+          <p:nvPr/>
+        </p:nvSpPr>
+        <p:spPr>
+          <a:xfrm>
+            <a:off x="1766730" y="4957460"/>
+            <a:ext cx="157851" cy="139153"/>
+          </a:xfrm>
+          <a:prstGeom prst="ellipse">
+            <a:avLst/>
+          </a:prstGeom>
+          <a:solidFill>
+            <a:srgbClr val="FFC000"/>
+          </a:solidFill>
+        </p:spPr>
+        <p:style>
+          <a:lnRef idx="2">
+            <a:schemeClr val="accent1">
+              <a:shade val="50000"/>
+            </a:schemeClr>
+          </a:lnRef>
+          <a:fillRef idx="1">
+            <a:schemeClr val="accent1"/>
+          </a:fillRef>
+          <a:effectRef idx="0">
+            <a:schemeClr val="accent1"/>
+          </a:effectRef>
+          <a:fontRef idx="minor">
+            <a:schemeClr val="lt1"/>
+          </a:fontRef>
+        </p:style>
+        <p:txBody>
+          <a:bodyPr rtlCol="0" anchor="ctr"/>
+          <a:lstStyle/>
+          <a:p>
+            <a:pPr algn="ctr"/>
+            <a:endParaRPr lang="hr-HR"/>
+          </a:p>
+        </p:txBody>
+      </p:sp>
+      <p:cxnSp>
+        <p:nvCxnSpPr>
+          <p:cNvPr id="81" name="Ravni poveznik 80">
+            <a:extLst>
+              <a:ext uri="{FF2B5EF4-FFF2-40B4-BE49-F238E27FC236}">
+                <a16:creationId xmlns:a16="http://schemas.microsoft.com/office/drawing/2014/main" id="{0E8CBD51-D8CA-4A38-BA55-D7D4376B4998}"/>
+              </a:ext>
+            </a:extLst>
+          </p:cNvPr>
+          <p:cNvCxnSpPr>
+            <a:cxnSpLocks/>
+          </p:cNvCxnSpPr>
+          <p:nvPr/>
+        </p:nvCxnSpPr>
+        <p:spPr>
+          <a:xfrm>
+            <a:off x="10573578" y="1302023"/>
+            <a:ext cx="685732" cy="0"/>
+          </a:xfrm>
+          <a:prstGeom prst="line">
+            <a:avLst/>
+          </a:prstGeom>
+          <a:ln w="38100">
+            <a:solidFill>
+              <a:schemeClr val="accent4"/>
+            </a:solidFill>
+          </a:ln>
+        </p:spPr>
+        <p:style>
+          <a:lnRef idx="1">
+            <a:schemeClr val="accent1"/>
+          </a:lnRef>
+          <a:fillRef idx="0">
+            <a:schemeClr val="accent1"/>
+          </a:fillRef>
+          <a:effectRef idx="0">
+            <a:schemeClr val="accent1"/>
+          </a:effectRef>
+          <a:fontRef idx="minor">
+            <a:schemeClr val="tx1"/>
+          </a:fontRef>
+        </p:style>
+      </p:cxnSp>
+      <p:cxnSp>
+        <p:nvCxnSpPr>
+          <p:cNvPr id="84" name="Ravni poveznik 83">
+            <a:extLst>
+              <a:ext uri="{FF2B5EF4-FFF2-40B4-BE49-F238E27FC236}">
+                <a16:creationId xmlns:a16="http://schemas.microsoft.com/office/drawing/2014/main" id="{CAAC5C90-8206-4139-8BEE-4E9C25B58B4B}"/>
+              </a:ext>
+            </a:extLst>
+          </p:cNvPr>
+          <p:cNvCxnSpPr>
+            <a:cxnSpLocks/>
+          </p:cNvCxnSpPr>
+          <p:nvPr/>
+        </p:nvCxnSpPr>
+        <p:spPr>
+          <a:xfrm flipV="1">
+            <a:off x="11259310" y="582969"/>
+            <a:ext cx="0" cy="719055"/>
+          </a:xfrm>
+          <a:prstGeom prst="line">
+            <a:avLst/>
+          </a:prstGeom>
+          <a:ln w="38100">
+            <a:solidFill>
+              <a:schemeClr val="accent4"/>
+            </a:solidFill>
+          </a:ln>
+        </p:spPr>
+        <p:style>
+          <a:lnRef idx="1">
+            <a:schemeClr val="accent1"/>
+          </a:lnRef>
+          <a:fillRef idx="0">
+            <a:schemeClr val="accent1"/>
+          </a:fillRef>
+          <a:effectRef idx="0">
+            <a:schemeClr val="accent1"/>
+          </a:effectRef>
+          <a:fontRef idx="minor">
+            <a:schemeClr val="tx1"/>
+          </a:fontRef>
+        </p:style>
+      </p:cxnSp>
+      <p:cxnSp>
+        <p:nvCxnSpPr>
+          <p:cNvPr id="86" name="Ravni poveznik 85">
+            <a:extLst>
+              <a:ext uri="{FF2B5EF4-FFF2-40B4-BE49-F238E27FC236}">
+                <a16:creationId xmlns:a16="http://schemas.microsoft.com/office/drawing/2014/main" id="{3983356B-6C54-4CCE-A3EF-B3C34FB8C2F7}"/>
+              </a:ext>
+            </a:extLst>
+          </p:cNvPr>
+          <p:cNvCxnSpPr>
+            <a:cxnSpLocks/>
+          </p:cNvCxnSpPr>
+          <p:nvPr/>
+        </p:nvCxnSpPr>
+        <p:spPr>
+          <a:xfrm>
+            <a:off x="1859680" y="604837"/>
+            <a:ext cx="9443999" cy="0"/>
+          </a:xfrm>
+          <a:prstGeom prst="line">
+            <a:avLst/>
+          </a:prstGeom>
+          <a:ln w="38100">
+            <a:solidFill>
+              <a:schemeClr val="accent4"/>
+            </a:solidFill>
+          </a:ln>
+        </p:spPr>
+        <p:style>
+          <a:lnRef idx="1">
+            <a:schemeClr val="accent1"/>
+          </a:lnRef>
+          <a:fillRef idx="0">
+            <a:schemeClr val="accent1"/>
+          </a:fillRef>
+          <a:effectRef idx="0">
+            <a:schemeClr val="accent1"/>
+          </a:effectRef>
+          <a:fontRef idx="minor">
+            <a:schemeClr val="tx1"/>
+          </a:fontRef>
+        </p:style>
+      </p:cxnSp>
+      <p:cxnSp>
+        <p:nvCxnSpPr>
+          <p:cNvPr id="89" name="Ravni poveznik 88">
+            <a:extLst>
+              <a:ext uri="{FF2B5EF4-FFF2-40B4-BE49-F238E27FC236}">
+                <a16:creationId xmlns:a16="http://schemas.microsoft.com/office/drawing/2014/main" id="{B7ABF00A-0D2E-43C3-AC6F-B318E419348C}"/>
+              </a:ext>
+            </a:extLst>
+          </p:cNvPr>
+          <p:cNvCxnSpPr>
+            <a:cxnSpLocks/>
+          </p:cNvCxnSpPr>
+          <p:nvPr/>
+        </p:nvCxnSpPr>
+        <p:spPr>
+          <a:xfrm flipV="1">
+            <a:off x="1844473" y="601459"/>
+            <a:ext cx="31238" cy="4436531"/>
+          </a:xfrm>
+          <a:prstGeom prst="line">
+            <a:avLst/>
+          </a:prstGeom>
+          <a:ln w="38100">
+            <a:solidFill>
+              <a:schemeClr val="accent4"/>
+            </a:solidFill>
+          </a:ln>
+        </p:spPr>
+        <p:style>
+          <a:lnRef idx="1">
+            <a:schemeClr val="accent1"/>
+          </a:lnRef>
+          <a:fillRef idx="0">
+            <a:schemeClr val="accent1"/>
+          </a:fillRef>
+          <a:effectRef idx="0">
+            <a:schemeClr val="accent1"/>
+          </a:effectRef>
+          <a:fontRef idx="minor">
+            <a:schemeClr val="tx1"/>
+          </a:fontRef>
+        </p:style>
+      </p:cxnSp>
+      <p:sp>
+        <p:nvSpPr>
+          <p:cNvPr id="95" name="TekstniOkvir 94">
+            <a:extLst>
+              <a:ext uri="{FF2B5EF4-FFF2-40B4-BE49-F238E27FC236}">
+                <a16:creationId xmlns:a16="http://schemas.microsoft.com/office/drawing/2014/main" id="{474C09C4-F952-49CC-B15F-2791CDBF4D36}"/>
+              </a:ext>
+            </a:extLst>
+          </p:cNvPr>
+          <p:cNvSpPr txBox="1"/>
+          <p:nvPr/>
+        </p:nvSpPr>
+        <p:spPr>
+          <a:xfrm>
+            <a:off x="10666774" y="2470377"/>
+            <a:ext cx="692285" cy="338554"/>
+          </a:xfrm>
+          <a:prstGeom prst="rect">
+            <a:avLst/>
+          </a:prstGeom>
+          <a:noFill/>
+        </p:spPr>
+        <p:txBody>
+          <a:bodyPr wrap="square" rtlCol="0">
+            <a:spAutoFit/>
+          </a:bodyPr>
+          <a:lstStyle/>
+          <a:p>
+            <a:r>
+              <a:rPr lang="hr-HR" sz="1600" dirty="0">
+                <a:solidFill>
+                  <a:srgbClr val="00B050"/>
+                </a:solidFill>
+              </a:rPr>
+              <a:t>MISO</a:t>
+            </a:r>
+          </a:p>
+        </p:txBody>
+      </p:sp>
+      <p:sp>
+        <p:nvSpPr>
+          <p:cNvPr id="97" name="TekstniOkvir 96">
+            <a:extLst>
+              <a:ext uri="{FF2B5EF4-FFF2-40B4-BE49-F238E27FC236}">
+                <a16:creationId xmlns:a16="http://schemas.microsoft.com/office/drawing/2014/main" id="{231DB261-4A60-4011-9223-6195AF439940}"/>
+              </a:ext>
+            </a:extLst>
+          </p:cNvPr>
+          <p:cNvSpPr txBox="1"/>
+          <p:nvPr/>
+        </p:nvSpPr>
+        <p:spPr>
+          <a:xfrm>
+            <a:off x="10694436" y="2764675"/>
+            <a:ext cx="824990" cy="369332"/>
+          </a:xfrm>
+          <a:prstGeom prst="rect">
+            <a:avLst/>
+          </a:prstGeom>
+          <a:noFill/>
+        </p:spPr>
+        <p:txBody>
+          <a:bodyPr wrap="square">
+            <a:spAutoFit/>
+          </a:bodyPr>
+          <a:lstStyle/>
+          <a:p>
+            <a:r>
+              <a:rPr lang="hr-HR" dirty="0">
+                <a:solidFill>
+                  <a:srgbClr val="7030A0"/>
+                </a:solidFill>
+              </a:rPr>
+              <a:t>SCLK</a:t>
+            </a:r>
+            <a:endParaRPr lang="hr-HR" sz="1800" dirty="0">
+              <a:solidFill>
+                <a:srgbClr val="7030A0"/>
+              </a:solidFill>
+            </a:endParaRPr>
+          </a:p>
+        </p:txBody>
+      </p:sp>
+      <p:sp>
+        <p:nvSpPr>
+          <p:cNvPr id="99" name="TekstniOkvir 98">
+            <a:extLst>
+              <a:ext uri="{FF2B5EF4-FFF2-40B4-BE49-F238E27FC236}">
+                <a16:creationId xmlns:a16="http://schemas.microsoft.com/office/drawing/2014/main" id="{4B1CBF66-42BC-442C-A6BB-1DB3A9044C07}"/>
+              </a:ext>
+            </a:extLst>
+          </p:cNvPr>
+          <p:cNvSpPr txBox="1"/>
+          <p:nvPr/>
+        </p:nvSpPr>
+        <p:spPr>
+          <a:xfrm>
+            <a:off x="10560949" y="3046298"/>
+            <a:ext cx="840890" cy="369332"/>
+          </a:xfrm>
+          <a:prstGeom prst="rect">
+            <a:avLst/>
+          </a:prstGeom>
+          <a:noFill/>
+        </p:spPr>
+        <p:txBody>
+          <a:bodyPr wrap="square">
+            <a:spAutoFit/>
+          </a:bodyPr>
+          <a:lstStyle/>
+          <a:p>
+            <a:r>
+              <a:rPr lang="hr-HR" dirty="0">
+                <a:solidFill>
+                  <a:schemeClr val="accent5"/>
+                </a:solidFill>
+              </a:rPr>
+              <a:t>CS</a:t>
+            </a:r>
+            <a:endParaRPr lang="hr-HR" sz="1800" dirty="0">
+              <a:solidFill>
+                <a:schemeClr val="accent5"/>
+              </a:solidFill>
+            </a:endParaRPr>
+          </a:p>
+        </p:txBody>
+      </p:sp>
+      <p:sp>
+        <p:nvSpPr>
+          <p:cNvPr id="100" name="TekstniOkvir 99">
+            <a:extLst>
+              <a:ext uri="{FF2B5EF4-FFF2-40B4-BE49-F238E27FC236}">
+                <a16:creationId xmlns:a16="http://schemas.microsoft.com/office/drawing/2014/main" id="{B7CE0EDC-2719-46C5-AFCC-FA000F7F0828}"/>
+              </a:ext>
+            </a:extLst>
+          </p:cNvPr>
+          <p:cNvSpPr txBox="1"/>
+          <p:nvPr/>
+        </p:nvSpPr>
+        <p:spPr>
+          <a:xfrm>
+            <a:off x="10504881" y="274462"/>
+            <a:ext cx="893401" cy="369332"/>
+          </a:xfrm>
+          <a:prstGeom prst="rect">
+            <a:avLst/>
+          </a:prstGeom>
+          <a:noFill/>
+        </p:spPr>
+        <p:txBody>
+          <a:bodyPr wrap="square">
+            <a:spAutoFit/>
+          </a:bodyPr>
+          <a:lstStyle/>
+          <a:p>
+            <a:r>
+              <a:rPr lang="hr-HR" sz="1800" dirty="0">
+                <a:solidFill>
+                  <a:schemeClr val="accent4"/>
+                </a:solidFill>
+              </a:rPr>
+              <a:t>MOSI</a:t>
+            </a:r>
+          </a:p>
+        </p:txBody>
+      </p:sp>
+    </p:spTree>
+    <p:extLst>
+      <p:ext uri="{BB962C8B-B14F-4D97-AF65-F5344CB8AC3E}">
+        <p14:creationId xmlns:p14="http://schemas.microsoft.com/office/powerpoint/2010/main" val="3890764735"/>
       </p:ext>
     </p:extLst>
   </p:cSld>
